--- a/ERBD - ProAgeing.pptx
+++ b/ERBD - ProAgeing.pptx
@@ -5,10 +5,9 @@
     <p:sldMasterId id="2147483648" r:id="rId1"/>
   </p:sldMasterIdLst>
   <p:sldIdLst>
-    <p:sldId id="256" r:id="rId2"/>
-    <p:sldId id="257" r:id="rId3"/>
-    <p:sldId id="258" r:id="rId4"/>
-    <p:sldId id="259" r:id="rId5"/>
+    <p:sldId id="257" r:id="rId2"/>
+    <p:sldId id="258" r:id="rId3"/>
+    <p:sldId id="259" r:id="rId4"/>
   </p:sldIdLst>
   <p:sldSz cx="12192000" cy="6858000"/>
   <p:notesSz cx="6858000" cy="9144000"/>
@@ -107,6 +106,11 @@
       </a:defRPr>
     </a:lvl9pPr>
   </p:defaultTextStyle>
+  <p:extLst>
+    <p:ext uri="{EFAFB233-063F-42B5-8137-9DF3F51BA10A}">
+      <p15:sldGuideLst xmlns:p15="http://schemas.microsoft.com/office/powerpoint/2012/main"/>
+    </p:ext>
+  </p:extLst>
 </p:presentation>
 </file>
 
@@ -136,7 +140,7 @@
           <p:cNvPr id="2" name="Title 1">
             <a:extLst>
               <a:ext uri="{FF2B5EF4-FFF2-40B4-BE49-F238E27FC236}">
-                <a16:creationId xmlns:a16="http://schemas.microsoft.com/office/drawing/2014/main" id="{68FBE6F1-F178-4050-95C7-A53267ACF792}"/>
+                <a16:creationId xmlns:a16="http://schemas.microsoft.com/office/drawing/2014/main" xmlns="" id="{68FBE6F1-F178-4050-95C7-A53267ACF792}"/>
               </a:ext>
             </a:extLst>
           </p:cNvPr>
@@ -174,7 +178,7 @@
           <p:cNvPr id="3" name="Subtitle 2">
             <a:extLst>
               <a:ext uri="{FF2B5EF4-FFF2-40B4-BE49-F238E27FC236}">
-                <a16:creationId xmlns:a16="http://schemas.microsoft.com/office/drawing/2014/main" id="{C0A6193D-FC69-4A8A-A6D0-7EDB362D22C9}"/>
+                <a16:creationId xmlns:a16="http://schemas.microsoft.com/office/drawing/2014/main" xmlns="" id="{C0A6193D-FC69-4A8A-A6D0-7EDB362D22C9}"/>
               </a:ext>
             </a:extLst>
           </p:cNvPr>
@@ -245,7 +249,7 @@
           <p:cNvPr id="4" name="Date Placeholder 3">
             <a:extLst>
               <a:ext uri="{FF2B5EF4-FFF2-40B4-BE49-F238E27FC236}">
-                <a16:creationId xmlns:a16="http://schemas.microsoft.com/office/drawing/2014/main" id="{29794939-314E-4E55-A053-C99C028F622C}"/>
+                <a16:creationId xmlns:a16="http://schemas.microsoft.com/office/drawing/2014/main" xmlns="" id="{29794939-314E-4E55-A053-C99C028F622C}"/>
               </a:ext>
             </a:extLst>
           </p:cNvPr>
@@ -263,7 +267,7 @@
           <a:p>
             <a:fld id="{36F9F997-DBEB-45A1-A5A5-2CAC43104460}" type="datetimeFigureOut">
               <a:rPr lang="es-MX" smtClean="0"/>
-              <a:t>19/09/2017</a:t>
+              <a:t>01/10/17</a:t>
             </a:fld>
             <a:endParaRPr lang="es-MX"/>
           </a:p>
@@ -274,7 +278,7 @@
           <p:cNvPr id="5" name="Footer Placeholder 4">
             <a:extLst>
               <a:ext uri="{FF2B5EF4-FFF2-40B4-BE49-F238E27FC236}">
-                <a16:creationId xmlns:a16="http://schemas.microsoft.com/office/drawing/2014/main" id="{193EC25C-9E19-4780-BC30-7AB2746B49D4}"/>
+                <a16:creationId xmlns:a16="http://schemas.microsoft.com/office/drawing/2014/main" xmlns="" id="{193EC25C-9E19-4780-BC30-7AB2746B49D4}"/>
               </a:ext>
             </a:extLst>
           </p:cNvPr>
@@ -299,7 +303,7 @@
           <p:cNvPr id="6" name="Slide Number Placeholder 5">
             <a:extLst>
               <a:ext uri="{FF2B5EF4-FFF2-40B4-BE49-F238E27FC236}">
-                <a16:creationId xmlns:a16="http://schemas.microsoft.com/office/drawing/2014/main" id="{58E53F3C-0A52-48AB-B548-649EA7B8EE40}"/>
+                <a16:creationId xmlns:a16="http://schemas.microsoft.com/office/drawing/2014/main" xmlns="" id="{58E53F3C-0A52-48AB-B548-649EA7B8EE40}"/>
               </a:ext>
             </a:extLst>
           </p:cNvPr>
@@ -358,7 +362,7 @@
           <p:cNvPr id="2" name="Title 1">
             <a:extLst>
               <a:ext uri="{FF2B5EF4-FFF2-40B4-BE49-F238E27FC236}">
-                <a16:creationId xmlns:a16="http://schemas.microsoft.com/office/drawing/2014/main" id="{06A315DB-4024-48C8-B349-F48026F6AD10}"/>
+                <a16:creationId xmlns:a16="http://schemas.microsoft.com/office/drawing/2014/main" xmlns="" id="{06A315DB-4024-48C8-B349-F48026F6AD10}"/>
               </a:ext>
             </a:extLst>
           </p:cNvPr>
@@ -387,7 +391,7 @@
           <p:cNvPr id="3" name="Vertical Text Placeholder 2">
             <a:extLst>
               <a:ext uri="{FF2B5EF4-FFF2-40B4-BE49-F238E27FC236}">
-                <a16:creationId xmlns:a16="http://schemas.microsoft.com/office/drawing/2014/main" id="{FF8D28EE-11CE-4B08-B84B-98ADFC1E5008}"/>
+                <a16:creationId xmlns:a16="http://schemas.microsoft.com/office/drawing/2014/main" xmlns="" id="{FF8D28EE-11CE-4B08-B84B-98ADFC1E5008}"/>
               </a:ext>
             </a:extLst>
           </p:cNvPr>
@@ -445,7 +449,7 @@
           <p:cNvPr id="4" name="Date Placeholder 3">
             <a:extLst>
               <a:ext uri="{FF2B5EF4-FFF2-40B4-BE49-F238E27FC236}">
-                <a16:creationId xmlns:a16="http://schemas.microsoft.com/office/drawing/2014/main" id="{E72F1DD1-A6AC-43F3-87BA-95AAD5B209FB}"/>
+                <a16:creationId xmlns:a16="http://schemas.microsoft.com/office/drawing/2014/main" xmlns="" id="{E72F1DD1-A6AC-43F3-87BA-95AAD5B209FB}"/>
               </a:ext>
             </a:extLst>
           </p:cNvPr>
@@ -463,7 +467,7 @@
           <a:p>
             <a:fld id="{36F9F997-DBEB-45A1-A5A5-2CAC43104460}" type="datetimeFigureOut">
               <a:rPr lang="es-MX" smtClean="0"/>
-              <a:t>19/09/2017</a:t>
+              <a:t>01/10/17</a:t>
             </a:fld>
             <a:endParaRPr lang="es-MX"/>
           </a:p>
@@ -474,7 +478,7 @@
           <p:cNvPr id="5" name="Footer Placeholder 4">
             <a:extLst>
               <a:ext uri="{FF2B5EF4-FFF2-40B4-BE49-F238E27FC236}">
-                <a16:creationId xmlns:a16="http://schemas.microsoft.com/office/drawing/2014/main" id="{740EE227-4F69-4DBE-BDC9-810C17C73DE6}"/>
+                <a16:creationId xmlns:a16="http://schemas.microsoft.com/office/drawing/2014/main" xmlns="" id="{740EE227-4F69-4DBE-BDC9-810C17C73DE6}"/>
               </a:ext>
             </a:extLst>
           </p:cNvPr>
@@ -499,7 +503,7 @@
           <p:cNvPr id="6" name="Slide Number Placeholder 5">
             <a:extLst>
               <a:ext uri="{FF2B5EF4-FFF2-40B4-BE49-F238E27FC236}">
-                <a16:creationId xmlns:a16="http://schemas.microsoft.com/office/drawing/2014/main" id="{16036940-EAF5-4597-BEE4-B06439E55485}"/>
+                <a16:creationId xmlns:a16="http://schemas.microsoft.com/office/drawing/2014/main" xmlns="" id="{16036940-EAF5-4597-BEE4-B06439E55485}"/>
               </a:ext>
             </a:extLst>
           </p:cNvPr>
@@ -558,7 +562,7 @@
           <p:cNvPr id="2" name="Vertical Title 1">
             <a:extLst>
               <a:ext uri="{FF2B5EF4-FFF2-40B4-BE49-F238E27FC236}">
-                <a16:creationId xmlns:a16="http://schemas.microsoft.com/office/drawing/2014/main" id="{EA661526-3130-4C9E-94F5-12A04FAD6220}"/>
+                <a16:creationId xmlns:a16="http://schemas.microsoft.com/office/drawing/2014/main" xmlns="" id="{EA661526-3130-4C9E-94F5-12A04FAD6220}"/>
               </a:ext>
             </a:extLst>
           </p:cNvPr>
@@ -592,7 +596,7 @@
           <p:cNvPr id="3" name="Vertical Text Placeholder 2">
             <a:extLst>
               <a:ext uri="{FF2B5EF4-FFF2-40B4-BE49-F238E27FC236}">
-                <a16:creationId xmlns:a16="http://schemas.microsoft.com/office/drawing/2014/main" id="{6DDF12FA-54A8-4CCB-97BB-3CF552584182}"/>
+                <a16:creationId xmlns:a16="http://schemas.microsoft.com/office/drawing/2014/main" xmlns="" id="{6DDF12FA-54A8-4CCB-97BB-3CF552584182}"/>
               </a:ext>
             </a:extLst>
           </p:cNvPr>
@@ -655,7 +659,7 @@
           <p:cNvPr id="4" name="Date Placeholder 3">
             <a:extLst>
               <a:ext uri="{FF2B5EF4-FFF2-40B4-BE49-F238E27FC236}">
-                <a16:creationId xmlns:a16="http://schemas.microsoft.com/office/drawing/2014/main" id="{4B6153F9-E203-45FE-9378-2ABF6EB6EB0A}"/>
+                <a16:creationId xmlns:a16="http://schemas.microsoft.com/office/drawing/2014/main" xmlns="" id="{4B6153F9-E203-45FE-9378-2ABF6EB6EB0A}"/>
               </a:ext>
             </a:extLst>
           </p:cNvPr>
@@ -673,7 +677,7 @@
           <a:p>
             <a:fld id="{36F9F997-DBEB-45A1-A5A5-2CAC43104460}" type="datetimeFigureOut">
               <a:rPr lang="es-MX" smtClean="0"/>
-              <a:t>19/09/2017</a:t>
+              <a:t>01/10/17</a:t>
             </a:fld>
             <a:endParaRPr lang="es-MX"/>
           </a:p>
@@ -684,7 +688,7 @@
           <p:cNvPr id="5" name="Footer Placeholder 4">
             <a:extLst>
               <a:ext uri="{FF2B5EF4-FFF2-40B4-BE49-F238E27FC236}">
-                <a16:creationId xmlns:a16="http://schemas.microsoft.com/office/drawing/2014/main" id="{72204219-2ED4-40DC-AE4A-4F2A60DDD09E}"/>
+                <a16:creationId xmlns:a16="http://schemas.microsoft.com/office/drawing/2014/main" xmlns="" id="{72204219-2ED4-40DC-AE4A-4F2A60DDD09E}"/>
               </a:ext>
             </a:extLst>
           </p:cNvPr>
@@ -709,7 +713,7 @@
           <p:cNvPr id="6" name="Slide Number Placeholder 5">
             <a:extLst>
               <a:ext uri="{FF2B5EF4-FFF2-40B4-BE49-F238E27FC236}">
-                <a16:creationId xmlns:a16="http://schemas.microsoft.com/office/drawing/2014/main" id="{04D56741-3413-4B32-9C9F-9598499F6635}"/>
+                <a16:creationId xmlns:a16="http://schemas.microsoft.com/office/drawing/2014/main" xmlns="" id="{04D56741-3413-4B32-9C9F-9598499F6635}"/>
               </a:ext>
             </a:extLst>
           </p:cNvPr>
@@ -768,7 +772,7 @@
           <p:cNvPr id="2" name="Title 1">
             <a:extLst>
               <a:ext uri="{FF2B5EF4-FFF2-40B4-BE49-F238E27FC236}">
-                <a16:creationId xmlns:a16="http://schemas.microsoft.com/office/drawing/2014/main" id="{96EB6FF2-3F2F-4DFF-8657-BC83B3910B59}"/>
+                <a16:creationId xmlns:a16="http://schemas.microsoft.com/office/drawing/2014/main" xmlns="" id="{96EB6FF2-3F2F-4DFF-8657-BC83B3910B59}"/>
               </a:ext>
             </a:extLst>
           </p:cNvPr>
@@ -797,7 +801,7 @@
           <p:cNvPr id="3" name="Content Placeholder 2">
             <a:extLst>
               <a:ext uri="{FF2B5EF4-FFF2-40B4-BE49-F238E27FC236}">
-                <a16:creationId xmlns:a16="http://schemas.microsoft.com/office/drawing/2014/main" id="{EF7B8A13-8F7F-44E2-B208-E58170F42B2A}"/>
+                <a16:creationId xmlns:a16="http://schemas.microsoft.com/office/drawing/2014/main" xmlns="" id="{EF7B8A13-8F7F-44E2-B208-E58170F42B2A}"/>
               </a:ext>
             </a:extLst>
           </p:cNvPr>
@@ -855,7 +859,7 @@
           <p:cNvPr id="4" name="Date Placeholder 3">
             <a:extLst>
               <a:ext uri="{FF2B5EF4-FFF2-40B4-BE49-F238E27FC236}">
-                <a16:creationId xmlns:a16="http://schemas.microsoft.com/office/drawing/2014/main" id="{501158CC-5D9C-4801-8DF9-D20CFDB7218B}"/>
+                <a16:creationId xmlns:a16="http://schemas.microsoft.com/office/drawing/2014/main" xmlns="" id="{501158CC-5D9C-4801-8DF9-D20CFDB7218B}"/>
               </a:ext>
             </a:extLst>
           </p:cNvPr>
@@ -873,7 +877,7 @@
           <a:p>
             <a:fld id="{36F9F997-DBEB-45A1-A5A5-2CAC43104460}" type="datetimeFigureOut">
               <a:rPr lang="es-MX" smtClean="0"/>
-              <a:t>19/09/2017</a:t>
+              <a:t>01/10/17</a:t>
             </a:fld>
             <a:endParaRPr lang="es-MX"/>
           </a:p>
@@ -884,7 +888,7 @@
           <p:cNvPr id="5" name="Footer Placeholder 4">
             <a:extLst>
               <a:ext uri="{FF2B5EF4-FFF2-40B4-BE49-F238E27FC236}">
-                <a16:creationId xmlns:a16="http://schemas.microsoft.com/office/drawing/2014/main" id="{1957CBEA-4C92-45FC-8162-217E4E4CC34F}"/>
+                <a16:creationId xmlns:a16="http://schemas.microsoft.com/office/drawing/2014/main" xmlns="" id="{1957CBEA-4C92-45FC-8162-217E4E4CC34F}"/>
               </a:ext>
             </a:extLst>
           </p:cNvPr>
@@ -909,7 +913,7 @@
           <p:cNvPr id="6" name="Slide Number Placeholder 5">
             <a:extLst>
               <a:ext uri="{FF2B5EF4-FFF2-40B4-BE49-F238E27FC236}">
-                <a16:creationId xmlns:a16="http://schemas.microsoft.com/office/drawing/2014/main" id="{D0ED0D88-FBC6-432D-8A0F-2C31E705FC26}"/>
+                <a16:creationId xmlns:a16="http://schemas.microsoft.com/office/drawing/2014/main" xmlns="" id="{D0ED0D88-FBC6-432D-8A0F-2C31E705FC26}"/>
               </a:ext>
             </a:extLst>
           </p:cNvPr>
@@ -968,7 +972,7 @@
           <p:cNvPr id="2" name="Title 1">
             <a:extLst>
               <a:ext uri="{FF2B5EF4-FFF2-40B4-BE49-F238E27FC236}">
-                <a16:creationId xmlns:a16="http://schemas.microsoft.com/office/drawing/2014/main" id="{C2A20DED-8E8D-4CF9-BC44-17C72E525943}"/>
+                <a16:creationId xmlns:a16="http://schemas.microsoft.com/office/drawing/2014/main" xmlns="" id="{C2A20DED-8E8D-4CF9-BC44-17C72E525943}"/>
               </a:ext>
             </a:extLst>
           </p:cNvPr>
@@ -1006,7 +1010,7 @@
           <p:cNvPr id="3" name="Text Placeholder 2">
             <a:extLst>
               <a:ext uri="{FF2B5EF4-FFF2-40B4-BE49-F238E27FC236}">
-                <a16:creationId xmlns:a16="http://schemas.microsoft.com/office/drawing/2014/main" id="{76E84E4A-8D8F-4BCA-8033-AE73BDCC0D1D}"/>
+                <a16:creationId xmlns:a16="http://schemas.microsoft.com/office/drawing/2014/main" xmlns="" id="{76E84E4A-8D8F-4BCA-8033-AE73BDCC0D1D}"/>
               </a:ext>
             </a:extLst>
           </p:cNvPr>
@@ -1131,7 +1135,7 @@
           <p:cNvPr id="4" name="Date Placeholder 3">
             <a:extLst>
               <a:ext uri="{FF2B5EF4-FFF2-40B4-BE49-F238E27FC236}">
-                <a16:creationId xmlns:a16="http://schemas.microsoft.com/office/drawing/2014/main" id="{B99DD5EA-3604-4547-9BE5-32326D2ECA07}"/>
+                <a16:creationId xmlns:a16="http://schemas.microsoft.com/office/drawing/2014/main" xmlns="" id="{B99DD5EA-3604-4547-9BE5-32326D2ECA07}"/>
               </a:ext>
             </a:extLst>
           </p:cNvPr>
@@ -1149,7 +1153,7 @@
           <a:p>
             <a:fld id="{36F9F997-DBEB-45A1-A5A5-2CAC43104460}" type="datetimeFigureOut">
               <a:rPr lang="es-MX" smtClean="0"/>
-              <a:t>19/09/2017</a:t>
+              <a:t>01/10/17</a:t>
             </a:fld>
             <a:endParaRPr lang="es-MX"/>
           </a:p>
@@ -1160,7 +1164,7 @@
           <p:cNvPr id="5" name="Footer Placeholder 4">
             <a:extLst>
               <a:ext uri="{FF2B5EF4-FFF2-40B4-BE49-F238E27FC236}">
-                <a16:creationId xmlns:a16="http://schemas.microsoft.com/office/drawing/2014/main" id="{C46DB490-1983-431D-9FB7-FCF305A16275}"/>
+                <a16:creationId xmlns:a16="http://schemas.microsoft.com/office/drawing/2014/main" xmlns="" id="{C46DB490-1983-431D-9FB7-FCF305A16275}"/>
               </a:ext>
             </a:extLst>
           </p:cNvPr>
@@ -1185,7 +1189,7 @@
           <p:cNvPr id="6" name="Slide Number Placeholder 5">
             <a:extLst>
               <a:ext uri="{FF2B5EF4-FFF2-40B4-BE49-F238E27FC236}">
-                <a16:creationId xmlns:a16="http://schemas.microsoft.com/office/drawing/2014/main" id="{8F679E95-F416-4FFF-9E8B-9847B445A019}"/>
+                <a16:creationId xmlns:a16="http://schemas.microsoft.com/office/drawing/2014/main" xmlns="" id="{8F679E95-F416-4FFF-9E8B-9847B445A019}"/>
               </a:ext>
             </a:extLst>
           </p:cNvPr>
@@ -1244,7 +1248,7 @@
           <p:cNvPr id="2" name="Title 1">
             <a:extLst>
               <a:ext uri="{FF2B5EF4-FFF2-40B4-BE49-F238E27FC236}">
-                <a16:creationId xmlns:a16="http://schemas.microsoft.com/office/drawing/2014/main" id="{6548522F-3A4C-41D7-9BFB-D33ACC3BCAF8}"/>
+                <a16:creationId xmlns:a16="http://schemas.microsoft.com/office/drawing/2014/main" xmlns="" id="{6548522F-3A4C-41D7-9BFB-D33ACC3BCAF8}"/>
               </a:ext>
             </a:extLst>
           </p:cNvPr>
@@ -1273,7 +1277,7 @@
           <p:cNvPr id="3" name="Content Placeholder 2">
             <a:extLst>
               <a:ext uri="{FF2B5EF4-FFF2-40B4-BE49-F238E27FC236}">
-                <a16:creationId xmlns:a16="http://schemas.microsoft.com/office/drawing/2014/main" id="{CB0AA125-CD84-4A6C-AAD7-A79840DAAAE2}"/>
+                <a16:creationId xmlns:a16="http://schemas.microsoft.com/office/drawing/2014/main" xmlns="" id="{CB0AA125-CD84-4A6C-AAD7-A79840DAAAE2}"/>
               </a:ext>
             </a:extLst>
           </p:cNvPr>
@@ -1336,7 +1340,7 @@
           <p:cNvPr id="4" name="Content Placeholder 3">
             <a:extLst>
               <a:ext uri="{FF2B5EF4-FFF2-40B4-BE49-F238E27FC236}">
-                <a16:creationId xmlns:a16="http://schemas.microsoft.com/office/drawing/2014/main" id="{A3EEBEF7-BFA1-4196-9B60-FB0963016C88}"/>
+                <a16:creationId xmlns:a16="http://schemas.microsoft.com/office/drawing/2014/main" xmlns="" id="{A3EEBEF7-BFA1-4196-9B60-FB0963016C88}"/>
               </a:ext>
             </a:extLst>
           </p:cNvPr>
@@ -1399,7 +1403,7 @@
           <p:cNvPr id="5" name="Date Placeholder 4">
             <a:extLst>
               <a:ext uri="{FF2B5EF4-FFF2-40B4-BE49-F238E27FC236}">
-                <a16:creationId xmlns:a16="http://schemas.microsoft.com/office/drawing/2014/main" id="{BC3D822E-4432-425F-8C99-5C8FF9775A26}"/>
+                <a16:creationId xmlns:a16="http://schemas.microsoft.com/office/drawing/2014/main" xmlns="" id="{BC3D822E-4432-425F-8C99-5C8FF9775A26}"/>
               </a:ext>
             </a:extLst>
           </p:cNvPr>
@@ -1417,7 +1421,7 @@
           <a:p>
             <a:fld id="{36F9F997-DBEB-45A1-A5A5-2CAC43104460}" type="datetimeFigureOut">
               <a:rPr lang="es-MX" smtClean="0"/>
-              <a:t>19/09/2017</a:t>
+              <a:t>01/10/17</a:t>
             </a:fld>
             <a:endParaRPr lang="es-MX"/>
           </a:p>
@@ -1428,7 +1432,7 @@
           <p:cNvPr id="6" name="Footer Placeholder 5">
             <a:extLst>
               <a:ext uri="{FF2B5EF4-FFF2-40B4-BE49-F238E27FC236}">
-                <a16:creationId xmlns:a16="http://schemas.microsoft.com/office/drawing/2014/main" id="{3410102A-9EB8-4219-9813-F1F37883ED9A}"/>
+                <a16:creationId xmlns:a16="http://schemas.microsoft.com/office/drawing/2014/main" xmlns="" id="{3410102A-9EB8-4219-9813-F1F37883ED9A}"/>
               </a:ext>
             </a:extLst>
           </p:cNvPr>
@@ -1453,7 +1457,7 @@
           <p:cNvPr id="7" name="Slide Number Placeholder 6">
             <a:extLst>
               <a:ext uri="{FF2B5EF4-FFF2-40B4-BE49-F238E27FC236}">
-                <a16:creationId xmlns:a16="http://schemas.microsoft.com/office/drawing/2014/main" id="{BB10245A-A5EF-462E-97AA-DED6894471FE}"/>
+                <a16:creationId xmlns:a16="http://schemas.microsoft.com/office/drawing/2014/main" xmlns="" id="{BB10245A-A5EF-462E-97AA-DED6894471FE}"/>
               </a:ext>
             </a:extLst>
           </p:cNvPr>
@@ -1512,7 +1516,7 @@
           <p:cNvPr id="2" name="Title 1">
             <a:extLst>
               <a:ext uri="{FF2B5EF4-FFF2-40B4-BE49-F238E27FC236}">
-                <a16:creationId xmlns:a16="http://schemas.microsoft.com/office/drawing/2014/main" id="{D6C93ACF-5E77-45EC-AC7F-230436A324AA}"/>
+                <a16:creationId xmlns:a16="http://schemas.microsoft.com/office/drawing/2014/main" xmlns="" id="{D6C93ACF-5E77-45EC-AC7F-230436A324AA}"/>
               </a:ext>
             </a:extLst>
           </p:cNvPr>
@@ -1546,7 +1550,7 @@
           <p:cNvPr id="3" name="Text Placeholder 2">
             <a:extLst>
               <a:ext uri="{FF2B5EF4-FFF2-40B4-BE49-F238E27FC236}">
-                <a16:creationId xmlns:a16="http://schemas.microsoft.com/office/drawing/2014/main" id="{3B2BC883-E05D-44E7-A3EF-58AF5A8F72BE}"/>
+                <a16:creationId xmlns:a16="http://schemas.microsoft.com/office/drawing/2014/main" xmlns="" id="{3B2BC883-E05D-44E7-A3EF-58AF5A8F72BE}"/>
               </a:ext>
             </a:extLst>
           </p:cNvPr>
@@ -1617,7 +1621,7 @@
           <p:cNvPr id="4" name="Content Placeholder 3">
             <a:extLst>
               <a:ext uri="{FF2B5EF4-FFF2-40B4-BE49-F238E27FC236}">
-                <a16:creationId xmlns:a16="http://schemas.microsoft.com/office/drawing/2014/main" id="{5021B19E-977D-4455-8587-11FBF550E6C1}"/>
+                <a16:creationId xmlns:a16="http://schemas.microsoft.com/office/drawing/2014/main" xmlns="" id="{5021B19E-977D-4455-8587-11FBF550E6C1}"/>
               </a:ext>
             </a:extLst>
           </p:cNvPr>
@@ -1680,7 +1684,7 @@
           <p:cNvPr id="5" name="Text Placeholder 4">
             <a:extLst>
               <a:ext uri="{FF2B5EF4-FFF2-40B4-BE49-F238E27FC236}">
-                <a16:creationId xmlns:a16="http://schemas.microsoft.com/office/drawing/2014/main" id="{FAD899BC-A8CD-425A-B7BD-34A942813933}"/>
+                <a16:creationId xmlns:a16="http://schemas.microsoft.com/office/drawing/2014/main" xmlns="" id="{FAD899BC-A8CD-425A-B7BD-34A942813933}"/>
               </a:ext>
             </a:extLst>
           </p:cNvPr>
@@ -1751,7 +1755,7 @@
           <p:cNvPr id="6" name="Content Placeholder 5">
             <a:extLst>
               <a:ext uri="{FF2B5EF4-FFF2-40B4-BE49-F238E27FC236}">
-                <a16:creationId xmlns:a16="http://schemas.microsoft.com/office/drawing/2014/main" id="{B1396792-F863-473D-A48B-D895B120F476}"/>
+                <a16:creationId xmlns:a16="http://schemas.microsoft.com/office/drawing/2014/main" xmlns="" id="{B1396792-F863-473D-A48B-D895B120F476}"/>
               </a:ext>
             </a:extLst>
           </p:cNvPr>
@@ -1814,7 +1818,7 @@
           <p:cNvPr id="7" name="Date Placeholder 6">
             <a:extLst>
               <a:ext uri="{FF2B5EF4-FFF2-40B4-BE49-F238E27FC236}">
-                <a16:creationId xmlns:a16="http://schemas.microsoft.com/office/drawing/2014/main" id="{245DDF5A-10DE-43EF-BE44-61F7EA0ACBB6}"/>
+                <a16:creationId xmlns:a16="http://schemas.microsoft.com/office/drawing/2014/main" xmlns="" id="{245DDF5A-10DE-43EF-BE44-61F7EA0ACBB6}"/>
               </a:ext>
             </a:extLst>
           </p:cNvPr>
@@ -1832,7 +1836,7 @@
           <a:p>
             <a:fld id="{36F9F997-DBEB-45A1-A5A5-2CAC43104460}" type="datetimeFigureOut">
               <a:rPr lang="es-MX" smtClean="0"/>
-              <a:t>19/09/2017</a:t>
+              <a:t>01/10/17</a:t>
             </a:fld>
             <a:endParaRPr lang="es-MX"/>
           </a:p>
@@ -1843,7 +1847,7 @@
           <p:cNvPr id="8" name="Footer Placeholder 7">
             <a:extLst>
               <a:ext uri="{FF2B5EF4-FFF2-40B4-BE49-F238E27FC236}">
-                <a16:creationId xmlns:a16="http://schemas.microsoft.com/office/drawing/2014/main" id="{0D24C903-D5E4-445E-ACEF-D4601D9F09DC}"/>
+                <a16:creationId xmlns:a16="http://schemas.microsoft.com/office/drawing/2014/main" xmlns="" id="{0D24C903-D5E4-445E-ACEF-D4601D9F09DC}"/>
               </a:ext>
             </a:extLst>
           </p:cNvPr>
@@ -1868,7 +1872,7 @@
           <p:cNvPr id="9" name="Slide Number Placeholder 8">
             <a:extLst>
               <a:ext uri="{FF2B5EF4-FFF2-40B4-BE49-F238E27FC236}">
-                <a16:creationId xmlns:a16="http://schemas.microsoft.com/office/drawing/2014/main" id="{739BF89A-4AF5-45D2-A3C4-30284BE25A2F}"/>
+                <a16:creationId xmlns:a16="http://schemas.microsoft.com/office/drawing/2014/main" xmlns="" id="{739BF89A-4AF5-45D2-A3C4-30284BE25A2F}"/>
               </a:ext>
             </a:extLst>
           </p:cNvPr>
@@ -1927,7 +1931,7 @@
           <p:cNvPr id="2" name="Title 1">
             <a:extLst>
               <a:ext uri="{FF2B5EF4-FFF2-40B4-BE49-F238E27FC236}">
-                <a16:creationId xmlns:a16="http://schemas.microsoft.com/office/drawing/2014/main" id="{9D3E3C33-21E8-4BC3-BA47-A86E39C4585D}"/>
+                <a16:creationId xmlns:a16="http://schemas.microsoft.com/office/drawing/2014/main" xmlns="" id="{9D3E3C33-21E8-4BC3-BA47-A86E39C4585D}"/>
               </a:ext>
             </a:extLst>
           </p:cNvPr>
@@ -1956,7 +1960,7 @@
           <p:cNvPr id="3" name="Date Placeholder 2">
             <a:extLst>
               <a:ext uri="{FF2B5EF4-FFF2-40B4-BE49-F238E27FC236}">
-                <a16:creationId xmlns:a16="http://schemas.microsoft.com/office/drawing/2014/main" id="{54A921C0-1E30-4CF4-8150-BB0B0BB22B2A}"/>
+                <a16:creationId xmlns:a16="http://schemas.microsoft.com/office/drawing/2014/main" xmlns="" id="{54A921C0-1E30-4CF4-8150-BB0B0BB22B2A}"/>
               </a:ext>
             </a:extLst>
           </p:cNvPr>
@@ -1974,7 +1978,7 @@
           <a:p>
             <a:fld id="{36F9F997-DBEB-45A1-A5A5-2CAC43104460}" type="datetimeFigureOut">
               <a:rPr lang="es-MX" smtClean="0"/>
-              <a:t>19/09/2017</a:t>
+              <a:t>01/10/17</a:t>
             </a:fld>
             <a:endParaRPr lang="es-MX"/>
           </a:p>
@@ -1985,7 +1989,7 @@
           <p:cNvPr id="4" name="Footer Placeholder 3">
             <a:extLst>
               <a:ext uri="{FF2B5EF4-FFF2-40B4-BE49-F238E27FC236}">
-                <a16:creationId xmlns:a16="http://schemas.microsoft.com/office/drawing/2014/main" id="{35F53298-9713-4042-B868-CD56FCCA6CED}"/>
+                <a16:creationId xmlns:a16="http://schemas.microsoft.com/office/drawing/2014/main" xmlns="" id="{35F53298-9713-4042-B868-CD56FCCA6CED}"/>
               </a:ext>
             </a:extLst>
           </p:cNvPr>
@@ -2010,7 +2014,7 @@
           <p:cNvPr id="5" name="Slide Number Placeholder 4">
             <a:extLst>
               <a:ext uri="{FF2B5EF4-FFF2-40B4-BE49-F238E27FC236}">
-                <a16:creationId xmlns:a16="http://schemas.microsoft.com/office/drawing/2014/main" id="{A16523BB-151E-4350-9D98-89A416780831}"/>
+                <a16:creationId xmlns:a16="http://schemas.microsoft.com/office/drawing/2014/main" xmlns="" id="{A16523BB-151E-4350-9D98-89A416780831}"/>
               </a:ext>
             </a:extLst>
           </p:cNvPr>
@@ -2069,7 +2073,7 @@
           <p:cNvPr id="2" name="Date Placeholder 1">
             <a:extLst>
               <a:ext uri="{FF2B5EF4-FFF2-40B4-BE49-F238E27FC236}">
-                <a16:creationId xmlns:a16="http://schemas.microsoft.com/office/drawing/2014/main" id="{58F58F62-076D-4C77-AF9A-B617934ADA83}"/>
+                <a16:creationId xmlns:a16="http://schemas.microsoft.com/office/drawing/2014/main" xmlns="" id="{58F58F62-076D-4C77-AF9A-B617934ADA83}"/>
               </a:ext>
             </a:extLst>
           </p:cNvPr>
@@ -2087,7 +2091,7 @@
           <a:p>
             <a:fld id="{36F9F997-DBEB-45A1-A5A5-2CAC43104460}" type="datetimeFigureOut">
               <a:rPr lang="es-MX" smtClean="0"/>
-              <a:t>19/09/2017</a:t>
+              <a:t>01/10/17</a:t>
             </a:fld>
             <a:endParaRPr lang="es-MX"/>
           </a:p>
@@ -2098,7 +2102,7 @@
           <p:cNvPr id="3" name="Footer Placeholder 2">
             <a:extLst>
               <a:ext uri="{FF2B5EF4-FFF2-40B4-BE49-F238E27FC236}">
-                <a16:creationId xmlns:a16="http://schemas.microsoft.com/office/drawing/2014/main" id="{4CF9AB81-9FDE-46B5-82C7-43CB8E0D65E9}"/>
+                <a16:creationId xmlns:a16="http://schemas.microsoft.com/office/drawing/2014/main" xmlns="" id="{4CF9AB81-9FDE-46B5-82C7-43CB8E0D65E9}"/>
               </a:ext>
             </a:extLst>
           </p:cNvPr>
@@ -2123,7 +2127,7 @@
           <p:cNvPr id="4" name="Slide Number Placeholder 3">
             <a:extLst>
               <a:ext uri="{FF2B5EF4-FFF2-40B4-BE49-F238E27FC236}">
-                <a16:creationId xmlns:a16="http://schemas.microsoft.com/office/drawing/2014/main" id="{64B12FA3-1242-41D8-9D48-80357BAACEE8}"/>
+                <a16:creationId xmlns:a16="http://schemas.microsoft.com/office/drawing/2014/main" xmlns="" id="{64B12FA3-1242-41D8-9D48-80357BAACEE8}"/>
               </a:ext>
             </a:extLst>
           </p:cNvPr>
@@ -2182,7 +2186,7 @@
           <p:cNvPr id="2" name="Title 1">
             <a:extLst>
               <a:ext uri="{FF2B5EF4-FFF2-40B4-BE49-F238E27FC236}">
-                <a16:creationId xmlns:a16="http://schemas.microsoft.com/office/drawing/2014/main" id="{DF8D3861-323B-486B-BBFE-B66DDBCB2FA2}"/>
+                <a16:creationId xmlns:a16="http://schemas.microsoft.com/office/drawing/2014/main" xmlns="" id="{DF8D3861-323B-486B-BBFE-B66DDBCB2FA2}"/>
               </a:ext>
             </a:extLst>
           </p:cNvPr>
@@ -2220,7 +2224,7 @@
           <p:cNvPr id="3" name="Content Placeholder 2">
             <a:extLst>
               <a:ext uri="{FF2B5EF4-FFF2-40B4-BE49-F238E27FC236}">
-                <a16:creationId xmlns:a16="http://schemas.microsoft.com/office/drawing/2014/main" id="{3B6BA449-A233-4218-870F-85A84B77AB52}"/>
+                <a16:creationId xmlns:a16="http://schemas.microsoft.com/office/drawing/2014/main" xmlns="" id="{3B6BA449-A233-4218-870F-85A84B77AB52}"/>
               </a:ext>
             </a:extLst>
           </p:cNvPr>
@@ -2311,7 +2315,7 @@
           <p:cNvPr id="4" name="Text Placeholder 3">
             <a:extLst>
               <a:ext uri="{FF2B5EF4-FFF2-40B4-BE49-F238E27FC236}">
-                <a16:creationId xmlns:a16="http://schemas.microsoft.com/office/drawing/2014/main" id="{9F2BE3ED-AA90-4BC5-BB7A-02198EDD23CF}"/>
+                <a16:creationId xmlns:a16="http://schemas.microsoft.com/office/drawing/2014/main" xmlns="" id="{9F2BE3ED-AA90-4BC5-BB7A-02198EDD23CF}"/>
               </a:ext>
             </a:extLst>
           </p:cNvPr>
@@ -2382,7 +2386,7 @@
           <p:cNvPr id="5" name="Date Placeholder 4">
             <a:extLst>
               <a:ext uri="{FF2B5EF4-FFF2-40B4-BE49-F238E27FC236}">
-                <a16:creationId xmlns:a16="http://schemas.microsoft.com/office/drawing/2014/main" id="{EFFAA063-7CA1-456C-B516-4A0034221A57}"/>
+                <a16:creationId xmlns:a16="http://schemas.microsoft.com/office/drawing/2014/main" xmlns="" id="{EFFAA063-7CA1-456C-B516-4A0034221A57}"/>
               </a:ext>
             </a:extLst>
           </p:cNvPr>
@@ -2400,7 +2404,7 @@
           <a:p>
             <a:fld id="{36F9F997-DBEB-45A1-A5A5-2CAC43104460}" type="datetimeFigureOut">
               <a:rPr lang="es-MX" smtClean="0"/>
-              <a:t>19/09/2017</a:t>
+              <a:t>01/10/17</a:t>
             </a:fld>
             <a:endParaRPr lang="es-MX"/>
           </a:p>
@@ -2411,7 +2415,7 @@
           <p:cNvPr id="6" name="Footer Placeholder 5">
             <a:extLst>
               <a:ext uri="{FF2B5EF4-FFF2-40B4-BE49-F238E27FC236}">
-                <a16:creationId xmlns:a16="http://schemas.microsoft.com/office/drawing/2014/main" id="{880DA7AE-5101-469A-B728-29E2B1BB2EB4}"/>
+                <a16:creationId xmlns:a16="http://schemas.microsoft.com/office/drawing/2014/main" xmlns="" id="{880DA7AE-5101-469A-B728-29E2B1BB2EB4}"/>
               </a:ext>
             </a:extLst>
           </p:cNvPr>
@@ -2436,7 +2440,7 @@
           <p:cNvPr id="7" name="Slide Number Placeholder 6">
             <a:extLst>
               <a:ext uri="{FF2B5EF4-FFF2-40B4-BE49-F238E27FC236}">
-                <a16:creationId xmlns:a16="http://schemas.microsoft.com/office/drawing/2014/main" id="{7EE812E7-EF65-4D98-9D2E-526D74E8777F}"/>
+                <a16:creationId xmlns:a16="http://schemas.microsoft.com/office/drawing/2014/main" xmlns="" id="{7EE812E7-EF65-4D98-9D2E-526D74E8777F}"/>
               </a:ext>
             </a:extLst>
           </p:cNvPr>
@@ -2495,7 +2499,7 @@
           <p:cNvPr id="2" name="Title 1">
             <a:extLst>
               <a:ext uri="{FF2B5EF4-FFF2-40B4-BE49-F238E27FC236}">
-                <a16:creationId xmlns:a16="http://schemas.microsoft.com/office/drawing/2014/main" id="{B41D0BEE-1B16-4D4A-BC64-DC97E3DB706E}"/>
+                <a16:creationId xmlns:a16="http://schemas.microsoft.com/office/drawing/2014/main" xmlns="" id="{B41D0BEE-1B16-4D4A-BC64-DC97E3DB706E}"/>
               </a:ext>
             </a:extLst>
           </p:cNvPr>
@@ -2533,7 +2537,7 @@
           <p:cNvPr id="3" name="Picture Placeholder 2">
             <a:extLst>
               <a:ext uri="{FF2B5EF4-FFF2-40B4-BE49-F238E27FC236}">
-                <a16:creationId xmlns:a16="http://schemas.microsoft.com/office/drawing/2014/main" id="{FD9F3D99-B3F8-47A4-B6AA-C001FEB293C4}"/>
+                <a16:creationId xmlns:a16="http://schemas.microsoft.com/office/drawing/2014/main" xmlns="" id="{FD9F3D99-B3F8-47A4-B6AA-C001FEB293C4}"/>
               </a:ext>
             </a:extLst>
           </p:cNvPr>
@@ -2600,7 +2604,7 @@
           <p:cNvPr id="4" name="Text Placeholder 3">
             <a:extLst>
               <a:ext uri="{FF2B5EF4-FFF2-40B4-BE49-F238E27FC236}">
-                <a16:creationId xmlns:a16="http://schemas.microsoft.com/office/drawing/2014/main" id="{22AB42B7-88B5-4EBC-976B-9FDF8D7810FE}"/>
+                <a16:creationId xmlns:a16="http://schemas.microsoft.com/office/drawing/2014/main" xmlns="" id="{22AB42B7-88B5-4EBC-976B-9FDF8D7810FE}"/>
               </a:ext>
             </a:extLst>
           </p:cNvPr>
@@ -2671,7 +2675,7 @@
           <p:cNvPr id="5" name="Date Placeholder 4">
             <a:extLst>
               <a:ext uri="{FF2B5EF4-FFF2-40B4-BE49-F238E27FC236}">
-                <a16:creationId xmlns:a16="http://schemas.microsoft.com/office/drawing/2014/main" id="{F953E032-C498-49A3-BAF1-F0EDB07E938B}"/>
+                <a16:creationId xmlns:a16="http://schemas.microsoft.com/office/drawing/2014/main" xmlns="" id="{F953E032-C498-49A3-BAF1-F0EDB07E938B}"/>
               </a:ext>
             </a:extLst>
           </p:cNvPr>
@@ -2689,7 +2693,7 @@
           <a:p>
             <a:fld id="{36F9F997-DBEB-45A1-A5A5-2CAC43104460}" type="datetimeFigureOut">
               <a:rPr lang="es-MX" smtClean="0"/>
-              <a:t>19/09/2017</a:t>
+              <a:t>01/10/17</a:t>
             </a:fld>
             <a:endParaRPr lang="es-MX"/>
           </a:p>
@@ -2700,7 +2704,7 @@
           <p:cNvPr id="6" name="Footer Placeholder 5">
             <a:extLst>
               <a:ext uri="{FF2B5EF4-FFF2-40B4-BE49-F238E27FC236}">
-                <a16:creationId xmlns:a16="http://schemas.microsoft.com/office/drawing/2014/main" id="{F5C81726-8572-4EDB-8D46-0D25F13B8627}"/>
+                <a16:creationId xmlns:a16="http://schemas.microsoft.com/office/drawing/2014/main" xmlns="" id="{F5C81726-8572-4EDB-8D46-0D25F13B8627}"/>
               </a:ext>
             </a:extLst>
           </p:cNvPr>
@@ -2725,7 +2729,7 @@
           <p:cNvPr id="7" name="Slide Number Placeholder 6">
             <a:extLst>
               <a:ext uri="{FF2B5EF4-FFF2-40B4-BE49-F238E27FC236}">
-                <a16:creationId xmlns:a16="http://schemas.microsoft.com/office/drawing/2014/main" id="{8DFE81B3-25B6-4BEE-BFDA-8FD48E3DD0E6}"/>
+                <a16:creationId xmlns:a16="http://schemas.microsoft.com/office/drawing/2014/main" xmlns="" id="{8DFE81B3-25B6-4BEE-BFDA-8FD48E3DD0E6}"/>
               </a:ext>
             </a:extLst>
           </p:cNvPr>
@@ -2789,7 +2793,7 @@
           <p:cNvPr id="2" name="Title Placeholder 1">
             <a:extLst>
               <a:ext uri="{FF2B5EF4-FFF2-40B4-BE49-F238E27FC236}">
-                <a16:creationId xmlns:a16="http://schemas.microsoft.com/office/drawing/2014/main" id="{3F7229D5-FDC9-4297-BC80-CD2C743865EA}"/>
+                <a16:creationId xmlns:a16="http://schemas.microsoft.com/office/drawing/2014/main" xmlns="" id="{3F7229D5-FDC9-4297-BC80-CD2C743865EA}"/>
               </a:ext>
             </a:extLst>
           </p:cNvPr>
@@ -2828,7 +2832,7 @@
           <p:cNvPr id="3" name="Text Placeholder 2">
             <a:extLst>
               <a:ext uri="{FF2B5EF4-FFF2-40B4-BE49-F238E27FC236}">
-                <a16:creationId xmlns:a16="http://schemas.microsoft.com/office/drawing/2014/main" id="{622C1C83-8F49-4701-869C-5B44C7B65580}"/>
+                <a16:creationId xmlns:a16="http://schemas.microsoft.com/office/drawing/2014/main" xmlns="" id="{622C1C83-8F49-4701-869C-5B44C7B65580}"/>
               </a:ext>
             </a:extLst>
           </p:cNvPr>
@@ -2896,7 +2900,7 @@
           <p:cNvPr id="4" name="Date Placeholder 3">
             <a:extLst>
               <a:ext uri="{FF2B5EF4-FFF2-40B4-BE49-F238E27FC236}">
-                <a16:creationId xmlns:a16="http://schemas.microsoft.com/office/drawing/2014/main" id="{4C89CE84-15EE-4129-86FF-346603E82E90}"/>
+                <a16:creationId xmlns:a16="http://schemas.microsoft.com/office/drawing/2014/main" xmlns="" id="{4C89CE84-15EE-4129-86FF-346603E82E90}"/>
               </a:ext>
             </a:extLst>
           </p:cNvPr>
@@ -2932,7 +2936,7 @@
           <a:p>
             <a:fld id="{36F9F997-DBEB-45A1-A5A5-2CAC43104460}" type="datetimeFigureOut">
               <a:rPr lang="es-MX" smtClean="0"/>
-              <a:t>19/09/2017</a:t>
+              <a:t>01/10/17</a:t>
             </a:fld>
             <a:endParaRPr lang="es-MX"/>
           </a:p>
@@ -2943,7 +2947,7 @@
           <p:cNvPr id="5" name="Footer Placeholder 4">
             <a:extLst>
               <a:ext uri="{FF2B5EF4-FFF2-40B4-BE49-F238E27FC236}">
-                <a16:creationId xmlns:a16="http://schemas.microsoft.com/office/drawing/2014/main" id="{FFC3EAE1-962C-413C-BA1C-A8DFA49F00DC}"/>
+                <a16:creationId xmlns:a16="http://schemas.microsoft.com/office/drawing/2014/main" xmlns="" id="{FFC3EAE1-962C-413C-BA1C-A8DFA49F00DC}"/>
               </a:ext>
             </a:extLst>
           </p:cNvPr>
@@ -2986,7 +2990,7 @@
           <p:cNvPr id="6" name="Slide Number Placeholder 5">
             <a:extLst>
               <a:ext uri="{FF2B5EF4-FFF2-40B4-BE49-F238E27FC236}">
-                <a16:creationId xmlns:a16="http://schemas.microsoft.com/office/drawing/2014/main" id="{3267EAB3-7878-430C-9088-CC100E59BB5C}"/>
+                <a16:creationId xmlns:a16="http://schemas.microsoft.com/office/drawing/2014/main" xmlns="" id="{3267EAB3-7878-430C-9088-CC100E59BB5C}"/>
               </a:ext>
             </a:extLst>
           </p:cNvPr>
@@ -3354,7 +3358,7 @@
           <p:cNvPr id="4" name="Table 3">
             <a:extLst>
               <a:ext uri="{FF2B5EF4-FFF2-40B4-BE49-F238E27FC236}">
-                <a16:creationId xmlns:a16="http://schemas.microsoft.com/office/drawing/2014/main" id="{2A24EAC7-BC6F-48DC-9715-C216698D36A5}"/>
+                <a16:creationId xmlns:a16="http://schemas.microsoft.com/office/drawing/2014/main" xmlns="" id="{8BB52693-EB85-4957-A121-2A6047A4C7A5}"/>
               </a:ext>
             </a:extLst>
           </p:cNvPr>
@@ -3364,14 +3368,14 @@
           <p:nvPr>
             <p:extLst>
               <p:ext uri="{D42A27DB-BD31-4B8C-83A1-F6EECF244321}">
-                <p14:modId xmlns:p14="http://schemas.microsoft.com/office/powerpoint/2010/main" val="533623489"/>
+                <p14:modId xmlns:p14="http://schemas.microsoft.com/office/powerpoint/2010/main" val="1355813674"/>
               </p:ext>
             </p:extLst>
           </p:nvPr>
         </p:nvGraphicFramePr>
         <p:xfrm>
-          <a:off x="2032000" y="719666"/>
-          <a:ext cx="8128000" cy="2225040"/>
+          <a:off x="1835045" y="382042"/>
+          <a:ext cx="9051006" cy="2494280"/>
         </p:xfrm>
         <a:graphic>
           <a:graphicData uri="http://schemas.openxmlformats.org/drawingml/2006/table">
@@ -3380,43 +3384,58 @@
                 <a:tableStyleId>{5C22544A-7EE6-4342-B048-85BDC9FD1C3A}</a:tableStyleId>
               </a:tblPr>
               <a:tblGrid>
-                <a:gridCol w="1625600">
+                <a:gridCol w="1508501">
                   <a:extLst>
                     <a:ext uri="{9D8B030D-6E8A-4147-A177-3AD203B41FA5}">
-                      <a16:colId xmlns:a16="http://schemas.microsoft.com/office/drawing/2014/main" val="1664445441"/>
+                      <a16:colId xmlns:a16="http://schemas.microsoft.com/office/drawing/2014/main" xmlns="" val="1664445441"/>
                     </a:ext>
                   </a:extLst>
                 </a:gridCol>
-                <a:gridCol w="1625600">
+                <a:gridCol w="1508501">
                   <a:extLst>
                     <a:ext uri="{9D8B030D-6E8A-4147-A177-3AD203B41FA5}">
-                      <a16:colId xmlns:a16="http://schemas.microsoft.com/office/drawing/2014/main" val="3333785392"/>
+                      <a16:colId xmlns:a16="http://schemas.microsoft.com/office/drawing/2014/main" xmlns="" val="3333785392"/>
                     </a:ext>
                   </a:extLst>
                 </a:gridCol>
-                <a:gridCol w="1625600">
+                <a:gridCol w="1508501">
                   <a:extLst>
                     <a:ext uri="{9D8B030D-6E8A-4147-A177-3AD203B41FA5}">
-                      <a16:colId xmlns:a16="http://schemas.microsoft.com/office/drawing/2014/main" val="1914252979"/>
+                      <a16:colId xmlns:a16="http://schemas.microsoft.com/office/drawing/2014/main" xmlns="" val="1914252979"/>
                     </a:ext>
                   </a:extLst>
                 </a:gridCol>
-                <a:gridCol w="1625600">
+                <a:gridCol w="1508501">
                   <a:extLst>
                     <a:ext uri="{9D8B030D-6E8A-4147-A177-3AD203B41FA5}">
-                      <a16:colId xmlns:a16="http://schemas.microsoft.com/office/drawing/2014/main" val="3182484665"/>
+                      <a16:colId xmlns:a16="http://schemas.microsoft.com/office/drawing/2014/main" xmlns="" val="3182484665"/>
                     </a:ext>
                   </a:extLst>
                 </a:gridCol>
-                <a:gridCol w="1625600">
+                <a:gridCol w="1508501">
                   <a:extLst>
                     <a:ext uri="{9D8B030D-6E8A-4147-A177-3AD203B41FA5}">
-                      <a16:colId xmlns:a16="http://schemas.microsoft.com/office/drawing/2014/main" val="2323710027"/>
+                      <a16:colId xmlns:a16="http://schemas.microsoft.com/office/drawing/2014/main" xmlns="" val="2323710027"/>
                     </a:ext>
                   </a:extLst>
                 </a:gridCol>
+                <a:gridCol w="1508501"/>
               </a:tblGrid>
               <a:tr h="370840">
+                <a:tc>
+                  <a:txBody>
+                    <a:bodyPr/>
+                    <a:lstStyle/>
+                    <a:p>
+                      <a:r>
+                        <a:rPr lang="es-MX" dirty="0" smtClean="0"/>
+                        <a:t>Id</a:t>
+                      </a:r>
+                      <a:endParaRPr lang="es-MX" sz="1400" i="1" dirty="0"/>
+                    </a:p>
+                  </a:txBody>
+                  <a:tcPr/>
+                </a:tc>
                 <a:tc>
                   <a:txBody>
                     <a:bodyPr/>
@@ -3425,562 +3444,6 @@
                       <a:r>
                         <a:rPr lang="es-MX" dirty="0"/>
                         <a:t>Nombre</a:t>
-                      </a:r>
-                    </a:p>
-                  </a:txBody>
-                  <a:tcPr/>
-                </a:tc>
-                <a:tc>
-                  <a:txBody>
-                    <a:bodyPr/>
-                    <a:lstStyle/>
-                    <a:p>
-                      <a:r>
-                        <a:rPr lang="es-MX" dirty="0"/>
-                        <a:t>Apellidos</a:t>
-                      </a:r>
-                    </a:p>
-                  </a:txBody>
-                  <a:tcPr/>
-                </a:tc>
-                <a:tc>
-                  <a:txBody>
-                    <a:bodyPr/>
-                    <a:lstStyle/>
-                    <a:p>
-                      <a:r>
-                        <a:rPr lang="es-MX" dirty="0"/>
-                        <a:t>Edad</a:t>
-                      </a:r>
-                    </a:p>
-                  </a:txBody>
-                  <a:tcPr/>
-                </a:tc>
-                <a:tc>
-                  <a:txBody>
-                    <a:bodyPr/>
-                    <a:lstStyle/>
-                    <a:p>
-                      <a:r>
-                        <a:rPr lang="es-MX" dirty="0"/>
-                        <a:t>Sexo</a:t>
-                      </a:r>
-                    </a:p>
-                  </a:txBody>
-                  <a:tcPr/>
-                </a:tc>
-                <a:tc>
-                  <a:txBody>
-                    <a:bodyPr/>
-                    <a:lstStyle/>
-                    <a:p>
-                      <a:endParaRPr lang="es-MX"/>
-                    </a:p>
-                  </a:txBody>
-                  <a:tcPr/>
-                </a:tc>
-                <a:extLst>
-                  <a:ext uri="{0D108BD9-81ED-4DB2-BD59-A6C34878D82A}">
-                    <a16:rowId xmlns:a16="http://schemas.microsoft.com/office/drawing/2014/main" val="3085137175"/>
-                  </a:ext>
-                </a:extLst>
-              </a:tr>
-              <a:tr h="370840">
-                <a:tc>
-                  <a:txBody>
-                    <a:bodyPr/>
-                    <a:lstStyle/>
-                    <a:p>
-                      <a:endParaRPr lang="es-MX" dirty="0"/>
-                    </a:p>
-                  </a:txBody>
-                  <a:tcPr/>
-                </a:tc>
-                <a:tc>
-                  <a:txBody>
-                    <a:bodyPr/>
-                    <a:lstStyle/>
-                    <a:p>
-                      <a:endParaRPr lang="es-MX"/>
-                    </a:p>
-                  </a:txBody>
-                  <a:tcPr/>
-                </a:tc>
-                <a:tc>
-                  <a:txBody>
-                    <a:bodyPr/>
-                    <a:lstStyle/>
-                    <a:p>
-                      <a:endParaRPr lang="es-MX"/>
-                    </a:p>
-                  </a:txBody>
-                  <a:tcPr/>
-                </a:tc>
-                <a:tc>
-                  <a:txBody>
-                    <a:bodyPr/>
-                    <a:lstStyle/>
-                    <a:p>
-                      <a:endParaRPr lang="es-MX"/>
-                    </a:p>
-                  </a:txBody>
-                  <a:tcPr/>
-                </a:tc>
-                <a:tc>
-                  <a:txBody>
-                    <a:bodyPr/>
-                    <a:lstStyle/>
-                    <a:p>
-                      <a:endParaRPr lang="es-MX"/>
-                    </a:p>
-                  </a:txBody>
-                  <a:tcPr/>
-                </a:tc>
-                <a:extLst>
-                  <a:ext uri="{0D108BD9-81ED-4DB2-BD59-A6C34878D82A}">
-                    <a16:rowId xmlns:a16="http://schemas.microsoft.com/office/drawing/2014/main" val="1293827180"/>
-                  </a:ext>
-                </a:extLst>
-              </a:tr>
-              <a:tr h="370840">
-                <a:tc>
-                  <a:txBody>
-                    <a:bodyPr/>
-                    <a:lstStyle/>
-                    <a:p>
-                      <a:endParaRPr lang="es-MX"/>
-                    </a:p>
-                  </a:txBody>
-                  <a:tcPr/>
-                </a:tc>
-                <a:tc>
-                  <a:txBody>
-                    <a:bodyPr/>
-                    <a:lstStyle/>
-                    <a:p>
-                      <a:endParaRPr lang="es-MX"/>
-                    </a:p>
-                  </a:txBody>
-                  <a:tcPr/>
-                </a:tc>
-                <a:tc>
-                  <a:txBody>
-                    <a:bodyPr/>
-                    <a:lstStyle/>
-                    <a:p>
-                      <a:endParaRPr lang="es-MX"/>
-                    </a:p>
-                  </a:txBody>
-                  <a:tcPr/>
-                </a:tc>
-                <a:tc>
-                  <a:txBody>
-                    <a:bodyPr/>
-                    <a:lstStyle/>
-                    <a:p>
-                      <a:endParaRPr lang="es-MX"/>
-                    </a:p>
-                  </a:txBody>
-                  <a:tcPr/>
-                </a:tc>
-                <a:tc>
-                  <a:txBody>
-                    <a:bodyPr/>
-                    <a:lstStyle/>
-                    <a:p>
-                      <a:endParaRPr lang="es-MX"/>
-                    </a:p>
-                  </a:txBody>
-                  <a:tcPr/>
-                </a:tc>
-                <a:extLst>
-                  <a:ext uri="{0D108BD9-81ED-4DB2-BD59-A6C34878D82A}">
-                    <a16:rowId xmlns:a16="http://schemas.microsoft.com/office/drawing/2014/main" val="2363210351"/>
-                  </a:ext>
-                </a:extLst>
-              </a:tr>
-              <a:tr h="370840">
-                <a:tc>
-                  <a:txBody>
-                    <a:bodyPr/>
-                    <a:lstStyle/>
-                    <a:p>
-                      <a:endParaRPr lang="es-MX"/>
-                    </a:p>
-                  </a:txBody>
-                  <a:tcPr/>
-                </a:tc>
-                <a:tc>
-                  <a:txBody>
-                    <a:bodyPr/>
-                    <a:lstStyle/>
-                    <a:p>
-                      <a:endParaRPr lang="es-MX"/>
-                    </a:p>
-                  </a:txBody>
-                  <a:tcPr/>
-                </a:tc>
-                <a:tc>
-                  <a:txBody>
-                    <a:bodyPr/>
-                    <a:lstStyle/>
-                    <a:p>
-                      <a:endParaRPr lang="es-MX"/>
-                    </a:p>
-                  </a:txBody>
-                  <a:tcPr/>
-                </a:tc>
-                <a:tc>
-                  <a:txBody>
-                    <a:bodyPr/>
-                    <a:lstStyle/>
-                    <a:p>
-                      <a:endParaRPr lang="es-MX"/>
-                    </a:p>
-                  </a:txBody>
-                  <a:tcPr/>
-                </a:tc>
-                <a:tc>
-                  <a:txBody>
-                    <a:bodyPr/>
-                    <a:lstStyle/>
-                    <a:p>
-                      <a:endParaRPr lang="es-MX"/>
-                    </a:p>
-                  </a:txBody>
-                  <a:tcPr/>
-                </a:tc>
-                <a:extLst>
-                  <a:ext uri="{0D108BD9-81ED-4DB2-BD59-A6C34878D82A}">
-                    <a16:rowId xmlns:a16="http://schemas.microsoft.com/office/drawing/2014/main" val="29422967"/>
-                  </a:ext>
-                </a:extLst>
-              </a:tr>
-              <a:tr h="370840">
-                <a:tc>
-                  <a:txBody>
-                    <a:bodyPr/>
-                    <a:lstStyle/>
-                    <a:p>
-                      <a:endParaRPr lang="es-MX"/>
-                    </a:p>
-                  </a:txBody>
-                  <a:tcPr/>
-                </a:tc>
-                <a:tc>
-                  <a:txBody>
-                    <a:bodyPr/>
-                    <a:lstStyle/>
-                    <a:p>
-                      <a:endParaRPr lang="es-MX"/>
-                    </a:p>
-                  </a:txBody>
-                  <a:tcPr/>
-                </a:tc>
-                <a:tc>
-                  <a:txBody>
-                    <a:bodyPr/>
-                    <a:lstStyle/>
-                    <a:p>
-                      <a:endParaRPr lang="es-MX"/>
-                    </a:p>
-                  </a:txBody>
-                  <a:tcPr/>
-                </a:tc>
-                <a:tc>
-                  <a:txBody>
-                    <a:bodyPr/>
-                    <a:lstStyle/>
-                    <a:p>
-                      <a:endParaRPr lang="es-MX"/>
-                    </a:p>
-                  </a:txBody>
-                  <a:tcPr/>
-                </a:tc>
-                <a:tc>
-                  <a:txBody>
-                    <a:bodyPr/>
-                    <a:lstStyle/>
-                    <a:p>
-                      <a:endParaRPr lang="es-MX"/>
-                    </a:p>
-                  </a:txBody>
-                  <a:tcPr/>
-                </a:tc>
-                <a:extLst>
-                  <a:ext uri="{0D108BD9-81ED-4DB2-BD59-A6C34878D82A}">
-                    <a16:rowId xmlns:a16="http://schemas.microsoft.com/office/drawing/2014/main" val="2885207959"/>
-                  </a:ext>
-                </a:extLst>
-              </a:tr>
-              <a:tr h="370840">
-                <a:tc>
-                  <a:txBody>
-                    <a:bodyPr/>
-                    <a:lstStyle/>
-                    <a:p>
-                      <a:endParaRPr lang="es-MX"/>
-                    </a:p>
-                  </a:txBody>
-                  <a:tcPr/>
-                </a:tc>
-                <a:tc>
-                  <a:txBody>
-                    <a:bodyPr/>
-                    <a:lstStyle/>
-                    <a:p>
-                      <a:endParaRPr lang="es-MX"/>
-                    </a:p>
-                  </a:txBody>
-                  <a:tcPr/>
-                </a:tc>
-                <a:tc>
-                  <a:txBody>
-                    <a:bodyPr/>
-                    <a:lstStyle/>
-                    <a:p>
-                      <a:endParaRPr lang="es-MX"/>
-                    </a:p>
-                  </a:txBody>
-                  <a:tcPr/>
-                </a:tc>
-                <a:tc>
-                  <a:txBody>
-                    <a:bodyPr/>
-                    <a:lstStyle/>
-                    <a:p>
-                      <a:endParaRPr lang="es-MX"/>
-                    </a:p>
-                  </a:txBody>
-                  <a:tcPr/>
-                </a:tc>
-                <a:tc>
-                  <a:txBody>
-                    <a:bodyPr/>
-                    <a:lstStyle/>
-                    <a:p>
-                      <a:endParaRPr lang="es-MX" dirty="0"/>
-                    </a:p>
-                  </a:txBody>
-                  <a:tcPr/>
-                </a:tc>
-                <a:extLst>
-                  <a:ext uri="{0D108BD9-81ED-4DB2-BD59-A6C34878D82A}">
-                    <a16:rowId xmlns:a16="http://schemas.microsoft.com/office/drawing/2014/main" val="863267576"/>
-                  </a:ext>
-                </a:extLst>
-              </a:tr>
-            </a:tbl>
-          </a:graphicData>
-        </a:graphic>
-      </p:graphicFrame>
-      <p:sp>
-        <p:nvSpPr>
-          <p:cNvPr id="5" name="TextBox 4">
-            <a:extLst>
-              <a:ext uri="{FF2B5EF4-FFF2-40B4-BE49-F238E27FC236}">
-                <a16:creationId xmlns:a16="http://schemas.microsoft.com/office/drawing/2014/main" id="{692230F6-CA9E-42B4-8E01-10C195E5DC54}"/>
-              </a:ext>
-            </a:extLst>
-          </p:cNvPr>
-          <p:cNvSpPr txBox="1"/>
-          <p:nvPr/>
-        </p:nvSpPr>
-        <p:spPr>
-          <a:xfrm>
-            <a:off x="689112" y="350334"/>
-            <a:ext cx="1126435" cy="369332"/>
-          </a:xfrm>
-          <a:prstGeom prst="rect">
-            <a:avLst/>
-          </a:prstGeom>
-          <a:noFill/>
-        </p:spPr>
-        <p:txBody>
-          <a:bodyPr wrap="square" rtlCol="0">
-            <a:spAutoFit/>
-          </a:bodyPr>
-          <a:lstStyle/>
-          <a:p>
-            <a:r>
-              <a:rPr lang="es-MX" dirty="0"/>
-              <a:t>USUARIO</a:t>
-            </a:r>
-          </a:p>
-        </p:txBody>
-      </p:sp>
-      <p:sp>
-        <p:nvSpPr>
-          <p:cNvPr id="6" name="TextBox 5">
-            <a:extLst>
-              <a:ext uri="{FF2B5EF4-FFF2-40B4-BE49-F238E27FC236}">
-                <a16:creationId xmlns:a16="http://schemas.microsoft.com/office/drawing/2014/main" id="{0F280F2D-6734-4015-B22D-5C92FB836F2B}"/>
-              </a:ext>
-            </a:extLst>
-          </p:cNvPr>
-          <p:cNvSpPr txBox="1"/>
-          <p:nvPr/>
-        </p:nvSpPr>
-        <p:spPr>
-          <a:xfrm>
-            <a:off x="689112" y="3417109"/>
-            <a:ext cx="4969565" cy="369332"/>
-          </a:xfrm>
-          <a:prstGeom prst="rect">
-            <a:avLst/>
-          </a:prstGeom>
-          <a:noFill/>
-        </p:spPr>
-        <p:txBody>
-          <a:bodyPr wrap="square" rtlCol="0">
-            <a:spAutoFit/>
-          </a:bodyPr>
-          <a:lstStyle/>
-          <a:p>
-            <a:r>
-              <a:rPr lang="es-MX" dirty="0"/>
-              <a:t>MEDICAMENTO</a:t>
-            </a:r>
-          </a:p>
-        </p:txBody>
-      </p:sp>
-      <p:graphicFrame>
-        <p:nvGraphicFramePr>
-          <p:cNvPr id="7" name="Table 6">
-            <a:extLst>
-              <a:ext uri="{FF2B5EF4-FFF2-40B4-BE49-F238E27FC236}">
-                <a16:creationId xmlns:a16="http://schemas.microsoft.com/office/drawing/2014/main" id="{ADD1D2E6-6AD4-411A-A506-D722E43A5138}"/>
-              </a:ext>
-            </a:extLst>
-          </p:cNvPr>
-          <p:cNvGraphicFramePr>
-            <a:graphicFrameLocks noGrp="1"/>
-          </p:cNvGraphicFramePr>
-          <p:nvPr>
-            <p:extLst>
-              <p:ext uri="{D42A27DB-BD31-4B8C-83A1-F6EECF244321}">
-                <p14:modId xmlns:p14="http://schemas.microsoft.com/office/powerpoint/2010/main" val="133247573"/>
-              </p:ext>
-            </p:extLst>
-          </p:nvPr>
-        </p:nvGraphicFramePr>
-        <p:xfrm>
-          <a:off x="2386104" y="3786441"/>
-          <a:ext cx="6842302" cy="2494280"/>
-        </p:xfrm>
-        <a:graphic>
-          <a:graphicData uri="http://schemas.openxmlformats.org/drawingml/2006/table">
-            <a:tbl>
-              <a:tblPr firstRow="1" bandRow="1">
-                <a:tableStyleId>{5C22544A-7EE6-4342-B048-85BDC9FD1C3A}</a:tableStyleId>
-              </a:tblPr>
-              <a:tblGrid>
-                <a:gridCol w="2101490">
-                  <a:extLst>
-                    <a:ext uri="{9D8B030D-6E8A-4147-A177-3AD203B41FA5}">
-                      <a16:colId xmlns:a16="http://schemas.microsoft.com/office/drawing/2014/main" val="3333785392"/>
-                    </a:ext>
-                  </a:extLst>
-                </a:gridCol>
-                <a:gridCol w="2110154">
-                  <a:extLst>
-                    <a:ext uri="{9D8B030D-6E8A-4147-A177-3AD203B41FA5}">
-                      <a16:colId xmlns:a16="http://schemas.microsoft.com/office/drawing/2014/main" val="1914252979"/>
-                    </a:ext>
-                  </a:extLst>
-                </a:gridCol>
-                <a:gridCol w="1181686">
-                  <a:extLst>
-                    <a:ext uri="{9D8B030D-6E8A-4147-A177-3AD203B41FA5}">
-                      <a16:colId xmlns:a16="http://schemas.microsoft.com/office/drawing/2014/main" val="3182484665"/>
-                    </a:ext>
-                  </a:extLst>
-                </a:gridCol>
-                <a:gridCol w="1448972">
-                  <a:extLst>
-                    <a:ext uri="{9D8B030D-6E8A-4147-A177-3AD203B41FA5}">
-                      <a16:colId xmlns:a16="http://schemas.microsoft.com/office/drawing/2014/main" val="2323710027"/>
-                    </a:ext>
-                  </a:extLst>
-                </a:gridCol>
-              </a:tblGrid>
-              <a:tr h="124561">
-                <a:tc>
-                  <a:txBody>
-                    <a:bodyPr/>
-                    <a:lstStyle/>
-                    <a:p>
-                      <a:pPr marL="0" marR="0" lvl="0" indent="0" algn="l" defTabSz="914400" rtl="0" eaLnBrk="1" fontAlgn="auto" latinLnBrk="0" hangingPunct="1">
-                        <a:lnSpc>
-                          <a:spcPct val="100000"/>
-                        </a:lnSpc>
-                        <a:spcBef>
-                          <a:spcPts val="0"/>
-                        </a:spcBef>
-                        <a:spcAft>
-                          <a:spcPts val="0"/>
-                        </a:spcAft>
-                        <a:buClrTx/>
-                        <a:buSzTx/>
-                        <a:buFontTx/>
-                        <a:buNone/>
-                        <a:tabLst/>
-                        <a:defRPr/>
-                      </a:pPr>
-                      <a:r>
-                        <a:rPr lang="es-MX" dirty="0" err="1"/>
-                        <a:t>NombreComercial</a:t>
-                      </a:r>
-                      <a:endParaRPr lang="es-MX" dirty="0"/>
-                    </a:p>
-                    <a:p>
-                      <a:endParaRPr lang="es-MX" dirty="0"/>
-                    </a:p>
-                  </a:txBody>
-                  <a:tcPr/>
-                </a:tc>
-                <a:tc>
-                  <a:txBody>
-                    <a:bodyPr/>
-                    <a:lstStyle/>
-                    <a:p>
-                      <a:pPr marL="0" marR="0" lvl="0" indent="0" algn="l" defTabSz="914400" rtl="0" eaLnBrk="1" fontAlgn="auto" latinLnBrk="0" hangingPunct="1">
-                        <a:lnSpc>
-                          <a:spcPct val="100000"/>
-                        </a:lnSpc>
-                        <a:spcBef>
-                          <a:spcPts val="0"/>
-                        </a:spcBef>
-                        <a:spcAft>
-                          <a:spcPts val="0"/>
-                        </a:spcAft>
-                        <a:buClrTx/>
-                        <a:buSzTx/>
-                        <a:buFontTx/>
-                        <a:buNone/>
-                        <a:tabLst/>
-                        <a:defRPr/>
-                      </a:pPr>
-                      <a:r>
-                        <a:rPr lang="es-MX" dirty="0" err="1"/>
-                        <a:t>NombreGenérico</a:t>
-                      </a:r>
-                      <a:endParaRPr lang="es-MX" dirty="0"/>
-                    </a:p>
-                    <a:p>
-                      <a:endParaRPr lang="es-MX" dirty="0"/>
-                    </a:p>
-                  </a:txBody>
-                  <a:tcPr/>
-                </a:tc>
-                <a:tc>
-                  <a:txBody>
-                    <a:bodyPr/>
-                    <a:lstStyle/>
-                    <a:p>
-                      <a:r>
-                        <a:rPr lang="es-MX" b="1" dirty="0"/>
-                        <a:t>Cantidad</a:t>
                       </a:r>
                     </a:p>
                   </a:txBody>
@@ -4010,10 +3473,51 @@
                       </a:pPr>
                       <a:r>
                         <a:rPr lang="es-MX" dirty="0"/>
-                        <a:t>Laboratorio</a:t>
+                        <a:t>Edad</a:t>
                       </a:r>
                     </a:p>
                     <a:p>
+                      <a:endParaRPr lang="es-MX" dirty="0"/>
+                    </a:p>
+                  </a:txBody>
+                  <a:tcPr/>
+                </a:tc>
+                <a:tc>
+                  <a:txBody>
+                    <a:bodyPr/>
+                    <a:lstStyle/>
+                    <a:p>
+                      <a:r>
+                        <a:rPr lang="es-MX"/>
+                        <a:t>Sexo</a:t>
+                      </a:r>
+                      <a:endParaRPr lang="es-MX" dirty="0"/>
+                    </a:p>
+                  </a:txBody>
+                  <a:tcPr/>
+                </a:tc>
+                <a:tc>
+                  <a:txBody>
+                    <a:bodyPr/>
+                    <a:lstStyle/>
+                    <a:p>
+                      <a:r>
+                        <a:rPr lang="es-MX" dirty="0"/>
+                        <a:t>Imagen</a:t>
+                      </a:r>
+                    </a:p>
+                  </a:txBody>
+                  <a:tcPr/>
+                </a:tc>
+                <a:tc>
+                  <a:txBody>
+                    <a:bodyPr/>
+                    <a:lstStyle/>
+                    <a:p>
+                      <a:r>
+                        <a:rPr lang="es-MX" dirty="0" smtClean="0"/>
+                        <a:t>Medicamento</a:t>
+                      </a:r>
                       <a:endParaRPr lang="es-MX" dirty="0"/>
                     </a:p>
                   </a:txBody>
@@ -4021,7 +3525,7 @@
                 </a:tc>
                 <a:extLst>
                   <a:ext uri="{0D108BD9-81ED-4DB2-BD59-A6C34878D82A}">
-                    <a16:rowId xmlns:a16="http://schemas.microsoft.com/office/drawing/2014/main" val="3085137175"/>
+                    <a16:rowId xmlns:a16="http://schemas.microsoft.com/office/drawing/2014/main" xmlns="" val="3085137175"/>
                   </a:ext>
                 </a:extLst>
               </a:tr>
@@ -4031,7 +3535,7 @@
                     <a:bodyPr/>
                     <a:lstStyle/>
                     <a:p>
-                      <a:endParaRPr lang="es-MX"/>
+                      <a:endParaRPr lang="es-MX" dirty="0"/>
                     </a:p>
                   </a:txBody>
                   <a:tcPr/>
@@ -4041,7 +3545,7 @@
                     <a:bodyPr/>
                     <a:lstStyle/>
                     <a:p>
-                      <a:endParaRPr lang="es-MX"/>
+                      <a:endParaRPr lang="es-MX" dirty="0"/>
                     </a:p>
                   </a:txBody>
                   <a:tcPr/>
@@ -4051,7 +3555,7 @@
                     <a:bodyPr/>
                     <a:lstStyle/>
                     <a:p>
-                      <a:endParaRPr lang="es-MX"/>
+                      <a:endParaRPr lang="es-MX" dirty="0"/>
                     </a:p>
                   </a:txBody>
                   <a:tcPr/>
@@ -4061,14 +3565,34 @@
                     <a:bodyPr/>
                     <a:lstStyle/>
                     <a:p>
-                      <a:endParaRPr lang="es-MX"/>
+                      <a:endParaRPr lang="es-MX" dirty="0"/>
+                    </a:p>
+                  </a:txBody>
+                  <a:tcPr/>
+                </a:tc>
+                <a:tc>
+                  <a:txBody>
+                    <a:bodyPr/>
+                    <a:lstStyle/>
+                    <a:p>
+                      <a:endParaRPr lang="es-MX" dirty="0"/>
+                    </a:p>
+                  </a:txBody>
+                  <a:tcPr/>
+                </a:tc>
+                <a:tc>
+                  <a:txBody>
+                    <a:bodyPr/>
+                    <a:lstStyle/>
+                    <a:p>
+                      <a:endParaRPr lang="es-MX" dirty="0"/>
                     </a:p>
                   </a:txBody>
                   <a:tcPr/>
                 </a:tc>
                 <a:extLst>
                   <a:ext uri="{0D108BD9-81ED-4DB2-BD59-A6C34878D82A}">
-                    <a16:rowId xmlns:a16="http://schemas.microsoft.com/office/drawing/2014/main" val="1293827180"/>
+                    <a16:rowId xmlns:a16="http://schemas.microsoft.com/office/drawing/2014/main" xmlns="" val="1293827180"/>
                   </a:ext>
                 </a:extLst>
               </a:tr>
@@ -4098,6 +3622,26 @@
                     <a:bodyPr/>
                     <a:lstStyle/>
                     <a:p>
+                      <a:endParaRPr lang="es-MX" dirty="0"/>
+                    </a:p>
+                  </a:txBody>
+                  <a:tcPr/>
+                </a:tc>
+                <a:tc>
+                  <a:txBody>
+                    <a:bodyPr/>
+                    <a:lstStyle/>
+                    <a:p>
+                      <a:endParaRPr lang="es-MX" dirty="0"/>
+                    </a:p>
+                  </a:txBody>
+                  <a:tcPr/>
+                </a:tc>
+                <a:tc>
+                  <a:txBody>
+                    <a:bodyPr/>
+                    <a:lstStyle/>
+                    <a:p>
                       <a:endParaRPr lang="es-MX"/>
                     </a:p>
                   </a:txBody>
@@ -4115,7 +3659,7 @@
                 </a:tc>
                 <a:extLst>
                   <a:ext uri="{0D108BD9-81ED-4DB2-BD59-A6C34878D82A}">
-                    <a16:rowId xmlns:a16="http://schemas.microsoft.com/office/drawing/2014/main" val="2363210351"/>
+                    <a16:rowId xmlns:a16="http://schemas.microsoft.com/office/drawing/2014/main" xmlns="" val="2363210351"/>
                   </a:ext>
                 </a:extLst>
               </a:tr>
@@ -4125,6 +3669,26 @@
                     <a:bodyPr/>
                     <a:lstStyle/>
                     <a:p>
+                      <a:endParaRPr lang="es-MX"/>
+                    </a:p>
+                  </a:txBody>
+                  <a:tcPr/>
+                </a:tc>
+                <a:tc>
+                  <a:txBody>
+                    <a:bodyPr/>
+                    <a:lstStyle/>
+                    <a:p>
+                      <a:endParaRPr lang="es-MX"/>
+                    </a:p>
+                  </a:txBody>
+                  <a:tcPr/>
+                </a:tc>
+                <a:tc>
+                  <a:txBody>
+                    <a:bodyPr/>
+                    <a:lstStyle/>
+                    <a:p>
                       <a:endParaRPr lang="es-MX" dirty="0"/>
                     </a:p>
                   </a:txBody>
@@ -4162,7 +3726,7 @@
                 </a:tc>
                 <a:extLst>
                   <a:ext uri="{0D108BD9-81ED-4DB2-BD59-A6C34878D82A}">
-                    <a16:rowId xmlns:a16="http://schemas.microsoft.com/office/drawing/2014/main" val="29422967"/>
+                    <a16:rowId xmlns:a16="http://schemas.microsoft.com/office/drawing/2014/main" xmlns="" val="29422967"/>
                   </a:ext>
                 </a:extLst>
               </a:tr>
@@ -4192,6 +3756,26 @@
                     <a:bodyPr/>
                     <a:lstStyle/>
                     <a:p>
+                      <a:endParaRPr lang="es-MX" dirty="0"/>
+                    </a:p>
+                  </a:txBody>
+                  <a:tcPr/>
+                </a:tc>
+                <a:tc>
+                  <a:txBody>
+                    <a:bodyPr/>
+                    <a:lstStyle/>
+                    <a:p>
+                      <a:endParaRPr lang="es-MX" dirty="0"/>
+                    </a:p>
+                  </a:txBody>
+                  <a:tcPr/>
+                </a:tc>
+                <a:tc>
+                  <a:txBody>
+                    <a:bodyPr/>
+                    <a:lstStyle/>
+                    <a:p>
                       <a:endParaRPr lang="es-MX"/>
                     </a:p>
                   </a:txBody>
@@ -4209,7 +3793,7 @@
                 </a:tc>
                 <a:extLst>
                   <a:ext uri="{0D108BD9-81ED-4DB2-BD59-A6C34878D82A}">
-                    <a16:rowId xmlns:a16="http://schemas.microsoft.com/office/drawing/2014/main" val="2885207959"/>
+                    <a16:rowId xmlns:a16="http://schemas.microsoft.com/office/drawing/2014/main" xmlns="" val="2885207959"/>
                   </a:ext>
                 </a:extLst>
               </a:tr>
@@ -4219,6 +3803,26 @@
                     <a:bodyPr/>
                     <a:lstStyle/>
                     <a:p>
+                      <a:endParaRPr lang="es-MX"/>
+                    </a:p>
+                  </a:txBody>
+                  <a:tcPr/>
+                </a:tc>
+                <a:tc>
+                  <a:txBody>
+                    <a:bodyPr/>
+                    <a:lstStyle/>
+                    <a:p>
+                      <a:endParaRPr lang="es-MX"/>
+                    </a:p>
+                  </a:txBody>
+                  <a:tcPr/>
+                </a:tc>
+                <a:tc>
+                  <a:txBody>
+                    <a:bodyPr/>
+                    <a:lstStyle/>
+                    <a:p>
                       <a:endParaRPr lang="es-MX" dirty="0"/>
                     </a:p>
                   </a:txBody>
@@ -4229,7 +3833,7 @@
                     <a:bodyPr/>
                     <a:lstStyle/>
                     <a:p>
-                      <a:endParaRPr lang="es-MX"/>
+                      <a:endParaRPr lang="es-MX" dirty="0"/>
                     </a:p>
                   </a:txBody>
                   <a:tcPr/>
@@ -4239,7 +3843,7 @@
                     <a:bodyPr/>
                     <a:lstStyle/>
                     <a:p>
-                      <a:endParaRPr lang="es-MX"/>
+                      <a:endParaRPr lang="es-MX" dirty="0"/>
                     </a:p>
                   </a:txBody>
                   <a:tcPr/>
@@ -4256,7 +3860,7 @@
                 </a:tc>
                 <a:extLst>
                   <a:ext uri="{0D108BD9-81ED-4DB2-BD59-A6C34878D82A}">
-                    <a16:rowId xmlns:a16="http://schemas.microsoft.com/office/drawing/2014/main" val="863267576"/>
+                    <a16:rowId xmlns:a16="http://schemas.microsoft.com/office/drawing/2014/main" xmlns="" val="863267576"/>
                   </a:ext>
                 </a:extLst>
               </a:tr>
@@ -4264,10 +3868,161 @@
           </a:graphicData>
         </a:graphic>
       </p:graphicFrame>
+      <p:sp>
+        <p:nvSpPr>
+          <p:cNvPr id="5" name="TextBox 4">
+            <a:extLst>
+              <a:ext uri="{FF2B5EF4-FFF2-40B4-BE49-F238E27FC236}">
+                <a16:creationId xmlns:a16="http://schemas.microsoft.com/office/drawing/2014/main" xmlns="" id="{AF474ED2-6A10-4DA8-B8B4-22EDBD8F16AC}"/>
+              </a:ext>
+            </a:extLst>
+          </p:cNvPr>
+          <p:cNvSpPr txBox="1"/>
+          <p:nvPr/>
+        </p:nvSpPr>
+        <p:spPr>
+          <a:xfrm>
+            <a:off x="912055" y="3073961"/>
+            <a:ext cx="9973994" cy="3693319"/>
+          </a:xfrm>
+          <a:prstGeom prst="rect">
+            <a:avLst/>
+          </a:prstGeom>
+          <a:noFill/>
+        </p:spPr>
+        <p:txBody>
+          <a:bodyPr wrap="square" rtlCol="0">
+            <a:spAutoFit/>
+          </a:bodyPr>
+          <a:lstStyle/>
+          <a:p>
+            <a:pPr algn="just"/>
+            <a:r>
+              <a:rPr lang="es-MX" u="sng" dirty="0"/>
+              <a:t>USUARIO</a:t>
+            </a:r>
+            <a:r>
+              <a:rPr lang="es-MX" dirty="0"/>
+              <a:t> = &lt;{ Id: integer, Nombre: string, Edad: integer, Sexo: char, Imagen: </a:t>
+            </a:r>
+            <a:r>
+              <a:rPr lang="es-MX" dirty="0" smtClean="0"/>
+              <a:t>picture, Medicamento: string}, </a:t>
+            </a:r>
+            <a:r>
+              <a:rPr lang="es-MX" dirty="0"/>
+              <a:t>∑</a:t>
+            </a:r>
+            <a:r>
+              <a:rPr lang="en-US" u="sng" baseline="-25000" dirty="0"/>
+              <a:t> USUARIO </a:t>
+            </a:r>
+            <a:r>
+              <a:rPr lang="es-MX" dirty="0"/>
+              <a:t>&gt;</a:t>
+            </a:r>
+          </a:p>
+          <a:p>
+            <a:pPr algn="just"/>
+            <a:endParaRPr lang="es-MX" dirty="0"/>
+          </a:p>
+          <a:p>
+            <a:pPr algn="just"/>
+            <a:r>
+              <a:rPr lang="es-MX" dirty="0"/>
+              <a:t>∑</a:t>
+            </a:r>
+            <a:r>
+              <a:rPr lang="en-US" u="sng" baseline="-25000" dirty="0"/>
+              <a:t> USUARIO </a:t>
+            </a:r>
+            <a:r>
+              <a:rPr lang="es-MX" dirty="0"/>
+              <a:t>= (a, b, c, d)</a:t>
+            </a:r>
+          </a:p>
+          <a:p>
+            <a:pPr algn="just"/>
+            <a:endParaRPr lang="es-MX" dirty="0"/>
+          </a:p>
+          <a:p>
+            <a:pPr marL="342900" indent="-342900" algn="just">
+              <a:buFont typeface="+mj-lt"/>
+              <a:buAutoNum type="alphaLcParenR"/>
+            </a:pPr>
+            <a:r>
+              <a:rPr lang="es-MX" dirty="0"/>
+              <a:t>Un usuario cuenta con un Id i, Nombre n, Edad e, Sexo </a:t>
+            </a:r>
+            <a:r>
+              <a:rPr lang="es-MX" dirty="0" smtClean="0"/>
+              <a:t>s, </a:t>
+            </a:r>
+            <a:r>
+              <a:rPr lang="es-MX" dirty="0"/>
+              <a:t>Imagen </a:t>
+            </a:r>
+            <a:r>
+              <a:rPr lang="es-MX" dirty="0" smtClean="0"/>
+              <a:t>im y Medicamento m.</a:t>
+            </a:r>
+            <a:endParaRPr lang="es-MX" dirty="0"/>
+          </a:p>
+          <a:p>
+            <a:pPr lvl="1" algn="just"/>
+            <a:r>
+              <a:rPr lang="es-MX" dirty="0"/>
+              <a:t>(i, n, e, s, </a:t>
+            </a:r>
+            <a:r>
+              <a:rPr lang="es-MX" dirty="0" smtClean="0"/>
+              <a:t>im, m).</a:t>
+            </a:r>
+            <a:endParaRPr lang="es-MX" dirty="0"/>
+          </a:p>
+          <a:p>
+            <a:pPr marL="342900" indent="-342900" algn="just">
+              <a:buFont typeface="+mj-lt"/>
+              <a:buAutoNum type="alphaLcParenR"/>
+            </a:pPr>
+            <a:r>
+              <a:rPr lang="es-MX" dirty="0"/>
+              <a:t>El dominio del constituyente Edad debe ser un entero no negativo. El dominio del constituyente Id debe ser un entero no negativo. El dominio del constituyente Sexo sólo pueden ser los caracteres ‘m’ para masculino, ‘f’ para femenino y ‘o’ para otro.</a:t>
+            </a:r>
+          </a:p>
+          <a:p>
+            <a:pPr marL="342900" indent="-342900" algn="just">
+              <a:buFont typeface="+mj-lt"/>
+              <a:buAutoNum type="alphaLcParenR"/>
+            </a:pPr>
+            <a:r>
+              <a:rPr lang="es-MX" dirty="0"/>
+              <a:t>Llave candidata: {Id}.</a:t>
+            </a:r>
+          </a:p>
+          <a:p>
+            <a:pPr marL="342900" indent="-342900" algn="just">
+              <a:buFont typeface="+mj-lt"/>
+              <a:buAutoNum type="alphaLcParenR"/>
+            </a:pPr>
+            <a:r>
+              <a:rPr lang="es-MX" dirty="0"/>
+              <a:t>Los dominios de los constituyentes Nombre, no pueden ser nulos.</a:t>
+            </a:r>
+          </a:p>
+          <a:p>
+            <a:pPr marL="342900" indent="-342900" algn="just">
+              <a:buFont typeface="+mj-lt"/>
+              <a:buAutoNum type="alphaLcParenR"/>
+            </a:pPr>
+            <a:endParaRPr lang="es-MX" dirty="0"/>
+          </a:p>
+        </p:txBody>
+      </p:sp>
     </p:spTree>
     <p:extLst>
       <p:ext uri="{BB962C8B-B14F-4D97-AF65-F5344CB8AC3E}">
-        <p14:creationId xmlns:p14="http://schemas.microsoft.com/office/powerpoint/2010/main" val="1179542921"/>
+        <p14:creationId xmlns:p14="http://schemas.microsoft.com/office/powerpoint/2010/main" val="1072659665"/>
       </p:ext>
     </p:extLst>
   </p:cSld>
@@ -4294,12 +4049,47 @@
           <a:chExt cx="0" cy="0"/>
         </a:xfrm>
       </p:grpSpPr>
+      <p:sp>
+        <p:nvSpPr>
+          <p:cNvPr id="2" name="TextBox 1">
+            <a:extLst>
+              <a:ext uri="{FF2B5EF4-FFF2-40B4-BE49-F238E27FC236}">
+                <a16:creationId xmlns:a16="http://schemas.microsoft.com/office/drawing/2014/main" xmlns="" id="{B39D0070-677E-4BE4-9543-964CF6E37188}"/>
+              </a:ext>
+            </a:extLst>
+          </p:cNvPr>
+          <p:cNvSpPr txBox="1"/>
+          <p:nvPr/>
+        </p:nvSpPr>
+        <p:spPr>
+          <a:xfrm>
+            <a:off x="358521" y="129258"/>
+            <a:ext cx="1767459" cy="369332"/>
+          </a:xfrm>
+          <a:prstGeom prst="rect">
+            <a:avLst/>
+          </a:prstGeom>
+          <a:noFill/>
+        </p:spPr>
+        <p:txBody>
+          <a:bodyPr wrap="square" rtlCol="0">
+            <a:spAutoFit/>
+          </a:bodyPr>
+          <a:lstStyle/>
+          <a:p>
+            <a:r>
+              <a:rPr lang="es-MX" dirty="0"/>
+              <a:t>MEDICAMENTO</a:t>
+            </a:r>
+          </a:p>
+        </p:txBody>
+      </p:sp>
       <p:graphicFrame>
         <p:nvGraphicFramePr>
-          <p:cNvPr id="4" name="Table 3">
-            <a:extLst>
-              <a:ext uri="{FF2B5EF4-FFF2-40B4-BE49-F238E27FC236}">
-                <a16:creationId xmlns:a16="http://schemas.microsoft.com/office/drawing/2014/main" id="{8BB52693-EB85-4957-A121-2A6047A4C7A5}"/>
+          <p:cNvPr id="3" name="Table 2">
+            <a:extLst>
+              <a:ext uri="{FF2B5EF4-FFF2-40B4-BE49-F238E27FC236}">
+                <a16:creationId xmlns:a16="http://schemas.microsoft.com/office/drawing/2014/main" xmlns="" id="{173D340A-BE23-43D0-91F7-55AA24F19407}"/>
               </a:ext>
             </a:extLst>
           </p:cNvPr>
@@ -4309,14 +4099,14 @@
           <p:nvPr>
             <p:extLst>
               <p:ext uri="{D42A27DB-BD31-4B8C-83A1-F6EECF244321}">
-                <p14:modId xmlns:p14="http://schemas.microsoft.com/office/powerpoint/2010/main" val="2026584507"/>
+                <p14:modId xmlns:p14="http://schemas.microsoft.com/office/powerpoint/2010/main" val="127010759"/>
               </p:ext>
             </p:extLst>
           </p:nvPr>
         </p:nvGraphicFramePr>
         <p:xfrm>
-          <a:off x="1835052" y="382042"/>
-          <a:ext cx="8128000" cy="2494280"/>
+          <a:off x="2758898" y="272671"/>
+          <a:ext cx="9240843" cy="1807086"/>
         </p:xfrm>
         <a:graphic>
           <a:graphicData uri="http://schemas.openxmlformats.org/drawingml/2006/table">
@@ -4325,75 +4115,96 @@
                 <a:tableStyleId>{5C22544A-7EE6-4342-B048-85BDC9FD1C3A}</a:tableStyleId>
               </a:tblPr>
               <a:tblGrid>
-                <a:gridCol w="1625600">
+                <a:gridCol w="572083"/>
+                <a:gridCol w="737623">
                   <a:extLst>
                     <a:ext uri="{9D8B030D-6E8A-4147-A177-3AD203B41FA5}">
-                      <a16:colId xmlns:a16="http://schemas.microsoft.com/office/drawing/2014/main" val="1664445441"/>
+                      <a16:colId xmlns:a16="http://schemas.microsoft.com/office/drawing/2014/main" xmlns="" val="3086182992"/>
                     </a:ext>
                   </a:extLst>
                 </a:gridCol>
-                <a:gridCol w="1625600">
+                <a:gridCol w="965303">
                   <a:extLst>
                     <a:ext uri="{9D8B030D-6E8A-4147-A177-3AD203B41FA5}">
-                      <a16:colId xmlns:a16="http://schemas.microsoft.com/office/drawing/2014/main" val="3333785392"/>
+                      <a16:colId xmlns:a16="http://schemas.microsoft.com/office/drawing/2014/main" xmlns="" val="3333785392"/>
                     </a:ext>
                   </a:extLst>
                 </a:gridCol>
-                <a:gridCol w="1625600">
+                <a:gridCol w="667981">
                   <a:extLst>
                     <a:ext uri="{9D8B030D-6E8A-4147-A177-3AD203B41FA5}">
-                      <a16:colId xmlns:a16="http://schemas.microsoft.com/office/drawing/2014/main" val="1914252979"/>
+                      <a16:colId xmlns:a16="http://schemas.microsoft.com/office/drawing/2014/main" xmlns="" val="1914252979"/>
                     </a:ext>
                   </a:extLst>
                 </a:gridCol>
-                <a:gridCol w="1625600">
+                <a:gridCol w="1526814">
                   <a:extLst>
                     <a:ext uri="{9D8B030D-6E8A-4147-A177-3AD203B41FA5}">
-                      <a16:colId xmlns:a16="http://schemas.microsoft.com/office/drawing/2014/main" val="3182484665"/>
+                      <a16:colId xmlns:a16="http://schemas.microsoft.com/office/drawing/2014/main" xmlns="" val="3182484665"/>
                     </a:ext>
                   </a:extLst>
                 </a:gridCol>
-                <a:gridCol w="1625600">
+                <a:gridCol w="913361">
                   <a:extLst>
                     <a:ext uri="{9D8B030D-6E8A-4147-A177-3AD203B41FA5}">
-                      <a16:colId xmlns:a16="http://schemas.microsoft.com/office/drawing/2014/main" val="2323710027"/>
+                      <a16:colId xmlns:a16="http://schemas.microsoft.com/office/drawing/2014/main" xmlns="" val="2323710027"/>
                     </a:ext>
                   </a:extLst>
                 </a:gridCol>
+                <a:gridCol w="1145110"/>
+                <a:gridCol w="886098"/>
+                <a:gridCol w="913235"/>
+                <a:gridCol w="913235"/>
               </a:tblGrid>
-              <a:tr h="370840">
-                <a:tc>
-                  <a:txBody>
-                    <a:bodyPr/>
-                    <a:lstStyle/>
-                    <a:p>
+              <a:tr h="1075566">
+                <a:tc>
+                  <a:txBody>
+                    <a:bodyPr/>
+                    <a:lstStyle/>
+                    <a:p>
+                      <a:pPr algn="ctr"/>
                       <a:r>
-                        <a:rPr lang="es-MX" dirty="0"/>
+                        <a:rPr lang="es-MX" dirty="0" smtClean="0"/>
                         <a:t>Id</a:t>
                       </a:r>
-                    </a:p>
-                  </a:txBody>
-                  <a:tcPr/>
-                </a:tc>
-                <a:tc>
-                  <a:txBody>
-                    <a:bodyPr/>
-                    <a:lstStyle/>
-                    <a:p>
+                      <a:endParaRPr lang="es-MX" dirty="0"/>
+                    </a:p>
+                  </a:txBody>
+                  <a:tcPr>
+                    <a:solidFill>
+                      <a:schemeClr val="accent2">
+                        <a:lumMod val="75000"/>
+                      </a:schemeClr>
+                    </a:solidFill>
+                  </a:tcPr>
+                </a:tc>
+                <a:tc>
+                  <a:txBody>
+                    <a:bodyPr/>
+                    <a:lstStyle/>
+                    <a:p>
+                      <a:pPr algn="ctr"/>
                       <a:r>
-                        <a:rPr lang="es-MX" dirty="0"/>
-                        <a:t>Nombre</a:t>
+                        <a:rPr lang="es-MX" dirty="0" err="1"/>
+                        <a:t>IdUsuario</a:t>
                       </a:r>
-                    </a:p>
-                  </a:txBody>
-                  <a:tcPr/>
-                </a:tc>
-                <a:tc>
-                  <a:txBody>
-                    <a:bodyPr/>
-                    <a:lstStyle/>
-                    <a:p>
-                      <a:pPr marL="0" marR="0" lvl="0" indent="0" algn="l" defTabSz="914400" rtl="0" eaLnBrk="1" fontAlgn="auto" latinLnBrk="0" hangingPunct="1">
+                      <a:endParaRPr lang="es-MX" dirty="0"/>
+                    </a:p>
+                  </a:txBody>
+                  <a:tcPr>
+                    <a:solidFill>
+                      <a:schemeClr val="accent6">
+                        <a:lumMod val="75000"/>
+                      </a:schemeClr>
+                    </a:solidFill>
+                  </a:tcPr>
+                </a:tc>
+                <a:tc>
+                  <a:txBody>
+                    <a:bodyPr/>
+                    <a:lstStyle/>
+                    <a:p>
+                      <a:pPr marL="0" marR="0" lvl="0" indent="0" algn="ctr" defTabSz="914400" rtl="0" eaLnBrk="1" fontAlgn="auto" latinLnBrk="0" hangingPunct="1">
                         <a:lnSpc>
                           <a:spcPct val="100000"/>
                         </a:lnSpc>
@@ -4411,27 +4222,73 @@
                         <a:defRPr/>
                       </a:pPr>
                       <a:r>
-                        <a:rPr lang="es-MX" dirty="0"/>
-                        <a:t>Edad</a:t>
-                      </a:r>
-                    </a:p>
-                    <a:p>
-                      <a:endParaRPr lang="es-MX" dirty="0"/>
-                    </a:p>
-                  </a:txBody>
-                  <a:tcPr/>
-                </a:tc>
-                <a:tc>
-                  <a:txBody>
-                    <a:bodyPr/>
-                    <a:lstStyle/>
-                    <a:p>
-                      <a:r>
-                        <a:rPr lang="es-MX"/>
-                        <a:t>Sexo</a:t>
+                        <a:rPr lang="es-MX" dirty="0" smtClean="0"/>
+                        <a:t>Nombre</a:t>
                       </a:r>
                       <a:endParaRPr lang="es-MX" dirty="0"/>
                     </a:p>
+                    <a:p>
+                      <a:pPr algn="ctr"/>
+                      <a:endParaRPr lang="es-MX" dirty="0"/>
+                    </a:p>
+                  </a:txBody>
+                  <a:tcPr>
+                    <a:solidFill>
+                      <a:schemeClr val="accent1"/>
+                    </a:solidFill>
+                  </a:tcPr>
+                </a:tc>
+                <a:tc>
+                  <a:txBody>
+                    <a:bodyPr/>
+                    <a:lstStyle/>
+                    <a:p>
+                      <a:pPr marL="0" marR="0" lvl="0" indent="0" algn="ctr" defTabSz="914400" rtl="0" eaLnBrk="1" fontAlgn="auto" latinLnBrk="0" hangingPunct="1">
+                        <a:lnSpc>
+                          <a:spcPct val="100000"/>
+                        </a:lnSpc>
+                        <a:spcBef>
+                          <a:spcPts val="0"/>
+                        </a:spcBef>
+                        <a:spcAft>
+                          <a:spcPts val="0"/>
+                        </a:spcAft>
+                        <a:buClrTx/>
+                        <a:buSzTx/>
+                        <a:buFontTx/>
+                        <a:buNone/>
+                        <a:tabLst/>
+                        <a:defRPr/>
+                      </a:pPr>
+                      <a:r>
+                        <a:rPr lang="es-MX" dirty="0" smtClean="0"/>
+                        <a:t>Dosis</a:t>
+                      </a:r>
+                      <a:endParaRPr lang="es-MX" dirty="0"/>
+                    </a:p>
+                    <a:p>
+                      <a:pPr algn="ctr"/>
+                      <a:endParaRPr lang="es-MX" dirty="0"/>
+                    </a:p>
+                  </a:txBody>
+                  <a:tcPr>
+                    <a:solidFill>
+                      <a:schemeClr val="accent1"/>
+                    </a:solidFill>
+                  </a:tcPr>
+                </a:tc>
+                <a:tc>
+                  <a:txBody>
+                    <a:bodyPr/>
+                    <a:lstStyle/>
+                    <a:p>
+                      <a:pPr algn="ctr"/>
+                      <a:r>
+                        <a:rPr lang="es-MX" b="1" dirty="0" smtClean="0"/>
+                        <a:t>UnidadDosis</a:t>
+                      </a:r>
+                      <a:endParaRPr lang="es-MX" b="1" dirty="0"/>
+                    </a:p>
                   </a:txBody>
                   <a:tcPr/>
                 </a:tc>
@@ -4440,21 +4297,122 @@
                     <a:bodyPr/>
                     <a:lstStyle/>
                     <a:p>
+                      <a:pPr marL="0" marR="0" lvl="0" indent="0" algn="ctr" defTabSz="914400" rtl="0" eaLnBrk="1" fontAlgn="auto" latinLnBrk="0" hangingPunct="1">
+                        <a:lnSpc>
+                          <a:spcPct val="100000"/>
+                        </a:lnSpc>
+                        <a:spcBef>
+                          <a:spcPts val="0"/>
+                        </a:spcBef>
+                        <a:spcAft>
+                          <a:spcPts val="0"/>
+                        </a:spcAft>
+                        <a:buClrTx/>
+                        <a:buSzTx/>
+                        <a:buFontTx/>
+                        <a:buNone/>
+                        <a:tabLst/>
+                        <a:defRPr/>
+                      </a:pPr>
                       <a:r>
-                        <a:rPr lang="es-MX"/>
+                        <a:rPr lang="es-MX" dirty="0" smtClean="0"/>
+                        <a:t>Inicio</a:t>
+                      </a:r>
+                      <a:endParaRPr lang="es-MX" dirty="0"/>
+                    </a:p>
+                    <a:p>
+                      <a:pPr algn="ctr"/>
+                      <a:endParaRPr lang="es-MX" dirty="0"/>
+                    </a:p>
+                  </a:txBody>
+                  <a:tcPr/>
+                </a:tc>
+                <a:tc>
+                  <a:txBody>
+                    <a:bodyPr/>
+                    <a:lstStyle/>
+                    <a:p>
+                      <a:pPr algn="ctr"/>
+                      <a:r>
+                        <a:rPr lang="es-MX" dirty="0" smtClean="0"/>
+                        <a:t>Intervalo</a:t>
+                      </a:r>
+                      <a:endParaRPr lang="es-MX" dirty="0"/>
+                    </a:p>
+                  </a:txBody>
+                  <a:tcPr/>
+                </a:tc>
+                <a:tc>
+                  <a:txBody>
+                    <a:bodyPr/>
+                    <a:lstStyle/>
+                    <a:p>
+                      <a:pPr algn="ctr"/>
+                      <a:r>
+                        <a:rPr lang="es-MX" dirty="0" smtClean="0"/>
+                        <a:t>Tiempo</a:t>
+                      </a:r>
+                      <a:endParaRPr lang="es-MX" dirty="0"/>
+                    </a:p>
+                  </a:txBody>
+                  <a:tcPr/>
+                </a:tc>
+                <a:tc>
+                  <a:txBody>
+                    <a:bodyPr/>
+                    <a:lstStyle/>
+                    <a:p>
+                      <a:pPr algn="ctr"/>
+                      <a:r>
+                        <a:rPr lang="es-MX" dirty="0" smtClean="0"/>
+                        <a:t>UniudadTiempo</a:t>
+                      </a:r>
+                      <a:endParaRPr lang="es-MX" dirty="0"/>
+                    </a:p>
+                  </a:txBody>
+                  <a:tcPr/>
+                </a:tc>
+                <a:tc>
+                  <a:txBody>
+                    <a:bodyPr/>
+                    <a:lstStyle/>
+                    <a:p>
+                      <a:pPr marL="0" marR="0" indent="0" algn="ctr" defTabSz="914400" rtl="0" eaLnBrk="1" fontAlgn="auto" latinLnBrk="0" hangingPunct="1">
+                        <a:lnSpc>
+                          <a:spcPct val="100000"/>
+                        </a:lnSpc>
+                        <a:spcBef>
+                          <a:spcPts val="0"/>
+                        </a:spcBef>
+                        <a:spcAft>
+                          <a:spcPts val="0"/>
+                        </a:spcAft>
+                        <a:buClrTx/>
+                        <a:buSzTx/>
+                        <a:buFontTx/>
+                        <a:buNone/>
+                        <a:tabLst/>
+                        <a:defRPr/>
+                      </a:pPr>
+                      <a:r>
+                        <a:rPr lang="es-MX" dirty="0" smtClean="0"/>
                         <a:t>Imagen</a:t>
                       </a:r>
                     </a:p>
+                    <a:p>
+                      <a:pPr algn="ctr"/>
+                      <a:endParaRPr lang="es-MX" dirty="0"/>
+                    </a:p>
                   </a:txBody>
                   <a:tcPr/>
                 </a:tc>
                 <a:extLst>
                   <a:ext uri="{0D108BD9-81ED-4DB2-BD59-A6C34878D82A}">
-                    <a16:rowId xmlns:a16="http://schemas.microsoft.com/office/drawing/2014/main" val="3085137175"/>
+                    <a16:rowId xmlns:a16="http://schemas.microsoft.com/office/drawing/2014/main" xmlns="" val="3085137175"/>
                   </a:ext>
                 </a:extLst>
               </a:tr>
-              <a:tr h="370840">
+              <a:tr h="330943">
                 <a:tc>
                   <a:txBody>
                     <a:bodyPr/>
@@ -4463,6 +4421,72 @@
                       <a:endParaRPr lang="es-MX" dirty="0"/>
                     </a:p>
                   </a:txBody>
+                  <a:tcPr>
+                    <a:solidFill>
+                      <a:schemeClr val="accent2">
+                        <a:lumMod val="75000"/>
+                      </a:schemeClr>
+                    </a:solidFill>
+                  </a:tcPr>
+                </a:tc>
+                <a:tc>
+                  <a:txBody>
+                    <a:bodyPr/>
+                    <a:lstStyle/>
+                    <a:p>
+                      <a:endParaRPr lang="es-MX" dirty="0"/>
+                    </a:p>
+                  </a:txBody>
+                  <a:tcPr>
+                    <a:solidFill>
+                      <a:schemeClr val="accent6">
+                        <a:lumMod val="75000"/>
+                      </a:schemeClr>
+                    </a:solidFill>
+                  </a:tcPr>
+                </a:tc>
+                <a:tc>
+                  <a:txBody>
+                    <a:bodyPr/>
+                    <a:lstStyle/>
+                    <a:p>
+                      <a:endParaRPr lang="es-MX" dirty="0"/>
+                    </a:p>
+                  </a:txBody>
+                  <a:tcPr>
+                    <a:solidFill>
+                      <a:schemeClr val="accent1">
+                        <a:lumMod val="20000"/>
+                        <a:lumOff val="80000"/>
+                      </a:schemeClr>
+                    </a:solidFill>
+                  </a:tcPr>
+                </a:tc>
+                <a:tc>
+                  <a:txBody>
+                    <a:bodyPr/>
+                    <a:lstStyle/>
+                    <a:p>
+                      <a:endParaRPr lang="es-MX" dirty="0"/>
+                    </a:p>
+                  </a:txBody>
+                  <a:tcPr>
+                    <a:solidFill>
+                      <a:schemeClr val="accent1">
+                        <a:lumMod val="20000"/>
+                        <a:lumOff val="80000"/>
+                      </a:schemeClr>
+                    </a:solidFill>
+                  </a:tcPr>
+                </a:tc>
+                <a:tc>
+                  <a:txBody>
+                    <a:bodyPr/>
+                    <a:lstStyle/>
+                    <a:p>
+                      <a:endParaRPr lang="es-MX"/>
+                    </a:p>
+                  </a:txBody>
                   <a:tcPr/>
                 </a:tc>
                 <a:tc>
@@ -4500,18 +4524,94 @@
                     <a:bodyPr/>
                     <a:lstStyle/>
                     <a:p>
-                      <a:endParaRPr lang="es-MX"/>
+                      <a:endParaRPr lang="es-MX" dirty="0"/>
+                    </a:p>
+                  </a:txBody>
+                  <a:tcPr/>
+                </a:tc>
+                <a:tc>
+                  <a:txBody>
+                    <a:bodyPr/>
+                    <a:lstStyle/>
+                    <a:p>
+                      <a:endParaRPr lang="es-MX" dirty="0"/>
                     </a:p>
                   </a:txBody>
                   <a:tcPr/>
                 </a:tc>
                 <a:extLst>
                   <a:ext uri="{0D108BD9-81ED-4DB2-BD59-A6C34878D82A}">
-                    <a16:rowId xmlns:a16="http://schemas.microsoft.com/office/drawing/2014/main" val="1293827180"/>
+                    <a16:rowId xmlns:a16="http://schemas.microsoft.com/office/drawing/2014/main" xmlns="" val="1293827180"/>
                   </a:ext>
                 </a:extLst>
               </a:tr>
-              <a:tr h="370840">
+              <a:tr h="330943">
+                <a:tc>
+                  <a:txBody>
+                    <a:bodyPr/>
+                    <a:lstStyle/>
+                    <a:p>
+                      <a:endParaRPr lang="es-MX" dirty="0"/>
+                    </a:p>
+                  </a:txBody>
+                  <a:tcPr>
+                    <a:solidFill>
+                      <a:schemeClr val="accent2">
+                        <a:lumMod val="75000"/>
+                      </a:schemeClr>
+                    </a:solidFill>
+                  </a:tcPr>
+                </a:tc>
+                <a:tc>
+                  <a:txBody>
+                    <a:bodyPr/>
+                    <a:lstStyle/>
+                    <a:p>
+                      <a:endParaRPr lang="es-MX" dirty="0"/>
+                    </a:p>
+                  </a:txBody>
+                  <a:tcPr>
+                    <a:solidFill>
+                      <a:schemeClr val="accent6">
+                        <a:lumMod val="75000"/>
+                      </a:schemeClr>
+                    </a:solidFill>
+                  </a:tcPr>
+                </a:tc>
+                <a:tc>
+                  <a:txBody>
+                    <a:bodyPr/>
+                    <a:lstStyle/>
+                    <a:p>
+                      <a:endParaRPr lang="es-MX" dirty="0"/>
+                    </a:p>
+                  </a:txBody>
+                  <a:tcPr>
+                    <a:solidFill>
+                      <a:schemeClr val="accent5">
+                        <a:lumMod val="20000"/>
+                        <a:lumOff val="80000"/>
+                      </a:schemeClr>
+                    </a:solidFill>
+                  </a:tcPr>
+                </a:tc>
+                <a:tc>
+                  <a:txBody>
+                    <a:bodyPr/>
+                    <a:lstStyle/>
+                    <a:p>
+                      <a:endParaRPr lang="es-MX" dirty="0"/>
+                    </a:p>
+                  </a:txBody>
+                  <a:tcPr>
+                    <a:solidFill>
+                      <a:schemeClr val="accent5">
+                        <a:lumMod val="20000"/>
+                        <a:lumOff val="80000"/>
+                      </a:schemeClr>
+                    </a:solidFill>
+                  </a:tcPr>
+                </a:tc>
                 <a:tc>
                   <a:txBody>
                     <a:bodyPr/>
@@ -4537,6 +4637,26 @@
                     <a:bodyPr/>
                     <a:lstStyle/>
                     <a:p>
+                      <a:endParaRPr lang="es-MX"/>
+                    </a:p>
+                  </a:txBody>
+                  <a:tcPr/>
+                </a:tc>
+                <a:tc>
+                  <a:txBody>
+                    <a:bodyPr/>
+                    <a:lstStyle/>
+                    <a:p>
+                      <a:endParaRPr lang="es-MX"/>
+                    </a:p>
+                  </a:txBody>
+                  <a:tcPr/>
+                </a:tc>
+                <a:tc>
+                  <a:txBody>
+                    <a:bodyPr/>
+                    <a:lstStyle/>
+                    <a:p>
                       <a:endParaRPr lang="es-MX" dirty="0"/>
                     </a:p>
                   </a:txBody>
@@ -4548,194 +4668,13 @@
                     <a:lstStyle/>
                     <a:p>
                       <a:endParaRPr lang="es-MX" dirty="0"/>
-                    </a:p>
-                  </a:txBody>
-                  <a:tcPr/>
-                </a:tc>
-                <a:tc>
-                  <a:txBody>
-                    <a:bodyPr/>
-                    <a:lstStyle/>
-                    <a:p>
-                      <a:endParaRPr lang="es-MX"/>
                     </a:p>
                   </a:txBody>
                   <a:tcPr/>
                 </a:tc>
                 <a:extLst>
                   <a:ext uri="{0D108BD9-81ED-4DB2-BD59-A6C34878D82A}">
-                    <a16:rowId xmlns:a16="http://schemas.microsoft.com/office/drawing/2014/main" val="2363210351"/>
-                  </a:ext>
-                </a:extLst>
-              </a:tr>
-              <a:tr h="370840">
-                <a:tc>
-                  <a:txBody>
-                    <a:bodyPr/>
-                    <a:lstStyle/>
-                    <a:p>
-                      <a:endParaRPr lang="es-MX"/>
-                    </a:p>
-                  </a:txBody>
-                  <a:tcPr/>
-                </a:tc>
-                <a:tc>
-                  <a:txBody>
-                    <a:bodyPr/>
-                    <a:lstStyle/>
-                    <a:p>
-                      <a:endParaRPr lang="es-MX"/>
-                    </a:p>
-                  </a:txBody>
-                  <a:tcPr/>
-                </a:tc>
-                <a:tc>
-                  <a:txBody>
-                    <a:bodyPr/>
-                    <a:lstStyle/>
-                    <a:p>
-                      <a:endParaRPr lang="es-MX" dirty="0"/>
-                    </a:p>
-                  </a:txBody>
-                  <a:tcPr/>
-                </a:tc>
-                <a:tc>
-                  <a:txBody>
-                    <a:bodyPr/>
-                    <a:lstStyle/>
-                    <a:p>
-                      <a:endParaRPr lang="es-MX"/>
-                    </a:p>
-                  </a:txBody>
-                  <a:tcPr/>
-                </a:tc>
-                <a:tc>
-                  <a:txBody>
-                    <a:bodyPr/>
-                    <a:lstStyle/>
-                    <a:p>
-                      <a:endParaRPr lang="es-MX"/>
-                    </a:p>
-                  </a:txBody>
-                  <a:tcPr/>
-                </a:tc>
-                <a:extLst>
-                  <a:ext uri="{0D108BD9-81ED-4DB2-BD59-A6C34878D82A}">
-                    <a16:rowId xmlns:a16="http://schemas.microsoft.com/office/drawing/2014/main" val="29422967"/>
-                  </a:ext>
-                </a:extLst>
-              </a:tr>
-              <a:tr h="370840">
-                <a:tc>
-                  <a:txBody>
-                    <a:bodyPr/>
-                    <a:lstStyle/>
-                    <a:p>
-                      <a:endParaRPr lang="es-MX"/>
-                    </a:p>
-                  </a:txBody>
-                  <a:tcPr/>
-                </a:tc>
-                <a:tc>
-                  <a:txBody>
-                    <a:bodyPr/>
-                    <a:lstStyle/>
-                    <a:p>
-                      <a:endParaRPr lang="es-MX"/>
-                    </a:p>
-                  </a:txBody>
-                  <a:tcPr/>
-                </a:tc>
-                <a:tc>
-                  <a:txBody>
-                    <a:bodyPr/>
-                    <a:lstStyle/>
-                    <a:p>
-                      <a:endParaRPr lang="es-MX" dirty="0"/>
-                    </a:p>
-                  </a:txBody>
-                  <a:tcPr/>
-                </a:tc>
-                <a:tc>
-                  <a:txBody>
-                    <a:bodyPr/>
-                    <a:lstStyle/>
-                    <a:p>
-                      <a:endParaRPr lang="es-MX"/>
-                    </a:p>
-                  </a:txBody>
-                  <a:tcPr/>
-                </a:tc>
-                <a:tc>
-                  <a:txBody>
-                    <a:bodyPr/>
-                    <a:lstStyle/>
-                    <a:p>
-                      <a:endParaRPr lang="es-MX"/>
-                    </a:p>
-                  </a:txBody>
-                  <a:tcPr/>
-                </a:tc>
-                <a:extLst>
-                  <a:ext uri="{0D108BD9-81ED-4DB2-BD59-A6C34878D82A}">
-                    <a16:rowId xmlns:a16="http://schemas.microsoft.com/office/drawing/2014/main" val="2885207959"/>
-                  </a:ext>
-                </a:extLst>
-              </a:tr>
-              <a:tr h="370840">
-                <a:tc>
-                  <a:txBody>
-                    <a:bodyPr/>
-                    <a:lstStyle/>
-                    <a:p>
-                      <a:endParaRPr lang="es-MX"/>
-                    </a:p>
-                  </a:txBody>
-                  <a:tcPr/>
-                </a:tc>
-                <a:tc>
-                  <a:txBody>
-                    <a:bodyPr/>
-                    <a:lstStyle/>
-                    <a:p>
-                      <a:endParaRPr lang="es-MX"/>
-                    </a:p>
-                  </a:txBody>
-                  <a:tcPr/>
-                </a:tc>
-                <a:tc>
-                  <a:txBody>
-                    <a:bodyPr/>
-                    <a:lstStyle/>
-                    <a:p>
-                      <a:endParaRPr lang="es-MX" dirty="0"/>
-                    </a:p>
-                  </a:txBody>
-                  <a:tcPr/>
-                </a:tc>
-                <a:tc>
-                  <a:txBody>
-                    <a:bodyPr/>
-                    <a:lstStyle/>
-                    <a:p>
-                      <a:endParaRPr lang="es-MX" dirty="0"/>
-                    </a:p>
-                  </a:txBody>
-                  <a:tcPr/>
-                </a:tc>
-                <a:tc>
-                  <a:txBody>
-                    <a:bodyPr/>
-                    <a:lstStyle/>
-                    <a:p>
-                      <a:endParaRPr lang="es-MX" dirty="0"/>
-                    </a:p>
-                  </a:txBody>
-                  <a:tcPr/>
-                </a:tc>
-                <a:extLst>
-                  <a:ext uri="{0D108BD9-81ED-4DB2-BD59-A6C34878D82A}">
-                    <a16:rowId xmlns:a16="http://schemas.microsoft.com/office/drawing/2014/main" val="863267576"/>
+                    <a16:rowId xmlns:a16="http://schemas.microsoft.com/office/drawing/2014/main" xmlns="" val="2363210351"/>
                   </a:ext>
                 </a:extLst>
               </a:tr>
@@ -4745,10 +4684,234 @@
       </p:graphicFrame>
       <p:sp>
         <p:nvSpPr>
+          <p:cNvPr id="4" name="Rectangle 3">
+            <a:extLst>
+              <a:ext uri="{FF2B5EF4-FFF2-40B4-BE49-F238E27FC236}">
+                <a16:creationId xmlns:a16="http://schemas.microsoft.com/office/drawing/2014/main" xmlns="" id="{6A283A21-5B66-464B-8FBF-1C464B1619B1}"/>
+              </a:ext>
+            </a:extLst>
+          </p:cNvPr>
+          <p:cNvSpPr/>
+          <p:nvPr/>
+        </p:nvSpPr>
+        <p:spPr>
+          <a:xfrm>
+            <a:off x="0" y="3177037"/>
+            <a:ext cx="12192000" cy="3693319"/>
+          </a:xfrm>
+          <a:prstGeom prst="rect">
+            <a:avLst/>
+          </a:prstGeom>
+        </p:spPr>
+        <p:txBody>
+          <a:bodyPr wrap="square">
+            <a:spAutoFit/>
+          </a:bodyPr>
+          <a:lstStyle/>
+          <a:p>
+            <a:pPr algn="just"/>
+            <a:r>
+              <a:rPr lang="es-MX" u="sng" dirty="0"/>
+              <a:t>MEDICAMENTO</a:t>
+            </a:r>
+            <a:r>
+              <a:rPr lang="es-MX" dirty="0"/>
+              <a:t> = </a:t>
+            </a:r>
+            <a:r>
+              <a:rPr lang="es-MX" dirty="0" smtClean="0"/>
+              <a:t>&lt;{ id: Integer </a:t>
+            </a:r>
+            <a:r>
+              <a:rPr lang="es-MX" dirty="0"/>
+              <a:t>IdUsuario: Integer, </a:t>
+            </a:r>
+            <a:r>
+              <a:rPr lang="es-MX" dirty="0" smtClean="0"/>
+              <a:t>Nombrel</a:t>
+            </a:r>
+            <a:r>
+              <a:rPr lang="es-MX" dirty="0"/>
+              <a:t>: String, </a:t>
+            </a:r>
+            <a:r>
+              <a:rPr lang="es-MX" dirty="0" smtClean="0"/>
+              <a:t>Dosis</a:t>
+            </a:r>
+            <a:r>
+              <a:rPr lang="es-MX" dirty="0" smtClean="0"/>
+              <a:t>: int, UnidadDosis: String, Inicio: Date, Intervalo: Int, Tiempo: Int, UnidadTiempo: String, imagen: Image}, </a:t>
+            </a:r>
+            <a:r>
+              <a:rPr lang="es-MX" dirty="0"/>
+              <a:t>∑</a:t>
+            </a:r>
+            <a:r>
+              <a:rPr lang="en-US" u="sng" baseline="-25000" dirty="0"/>
+              <a:t> MEDICAMENTO </a:t>
+            </a:r>
+            <a:r>
+              <a:rPr lang="es-MX" dirty="0"/>
+              <a:t>&gt;</a:t>
+            </a:r>
+          </a:p>
+          <a:p>
+            <a:pPr algn="just"/>
+            <a:endParaRPr lang="es-MX" dirty="0"/>
+          </a:p>
+          <a:p>
+            <a:pPr algn="just"/>
+            <a:r>
+              <a:rPr lang="es-MX" dirty="0"/>
+              <a:t>∑</a:t>
+            </a:r>
+            <a:r>
+              <a:rPr lang="en-US" u="sng" baseline="-25000" dirty="0"/>
+              <a:t> MEDICAMENTO </a:t>
+            </a:r>
+            <a:r>
+              <a:rPr lang="es-MX" dirty="0"/>
+              <a:t>= (a, b, c, d)</a:t>
+            </a:r>
+          </a:p>
+          <a:p>
+            <a:pPr algn="just"/>
+            <a:endParaRPr lang="es-MX" dirty="0"/>
+          </a:p>
+          <a:p>
+            <a:pPr marL="342900" indent="-342900" algn="just">
+              <a:buFont typeface="+mj-lt"/>
+              <a:buAutoNum type="alphaLcParenR"/>
+            </a:pPr>
+            <a:r>
+              <a:rPr lang="es-MX" dirty="0"/>
+              <a:t>Una tupla de la relación MEDICAMENTO está definida por un </a:t>
+            </a:r>
+            <a:r>
+              <a:rPr lang="es-MX" dirty="0" smtClean="0"/>
+              <a:t>Id id, </a:t>
+            </a:r>
+            <a:r>
+              <a:rPr lang="es-MX" dirty="0" smtClean="0"/>
+              <a:t>Idusuario </a:t>
+            </a:r>
+            <a:r>
+              <a:rPr lang="es-MX" dirty="0"/>
+              <a:t>id, del usuario que la consume, su </a:t>
+            </a:r>
+            <a:r>
+              <a:rPr lang="es-MX" dirty="0" smtClean="0"/>
+              <a:t>Nombre </a:t>
+            </a:r>
+            <a:r>
+              <a:rPr lang="es-MX" dirty="0"/>
+              <a:t>nc, su </a:t>
+            </a:r>
+            <a:r>
+              <a:rPr lang="es-MX" dirty="0" smtClean="0"/>
+              <a:t>fecha de Inicio fn, un Intervalo iv, un Tiempo t, una UnidadTiempo uT </a:t>
+            </a:r>
+            <a:r>
+              <a:rPr lang="es-MX" dirty="0"/>
+              <a:t>e</a:t>
+            </a:r>
+            <a:r>
+              <a:rPr lang="es-MX" dirty="0" smtClean="0"/>
+              <a:t> una imagen img.</a:t>
+            </a:r>
+          </a:p>
+          <a:p>
+            <a:pPr marL="342900" indent="-342900" algn="just">
+              <a:buFont typeface="+mj-lt"/>
+              <a:buAutoNum type="alphaLcParenR"/>
+            </a:pPr>
+            <a:r>
+              <a:rPr lang="es-MX" dirty="0" smtClean="0"/>
+              <a:t>Llaves </a:t>
+            </a:r>
+            <a:r>
+              <a:rPr lang="es-MX" dirty="0"/>
+              <a:t>candidata: </a:t>
+            </a:r>
+            <a:r>
+              <a:rPr lang="es-MX" dirty="0" smtClean="0"/>
+              <a:t>{Id}. </a:t>
+            </a:r>
+            <a:r>
+              <a:rPr lang="es-MX" dirty="0" err="1"/>
+              <a:t>IdUsuario</a:t>
+            </a:r>
+            <a:r>
+              <a:rPr lang="es-MX" dirty="0"/>
+              <a:t> no puede ser llave dado que existe el caso de que el mismo usuario puede tomar diferentes medicamentos.</a:t>
+            </a:r>
+          </a:p>
+          <a:p>
+            <a:pPr marL="342900" indent="-342900" algn="just">
+              <a:buFont typeface="+mj-lt"/>
+              <a:buAutoNum type="alphaLcParenR"/>
+            </a:pPr>
+            <a:r>
+              <a:rPr lang="es-MX" dirty="0"/>
+              <a:t>El dominio del constituyente </a:t>
+            </a:r>
+            <a:r>
+              <a:rPr lang="es-MX" dirty="0" smtClean="0"/>
+              <a:t>Dosis debe </a:t>
+            </a:r>
+            <a:r>
+              <a:rPr lang="es-MX" dirty="0"/>
+              <a:t>ser un </a:t>
+            </a:r>
+            <a:r>
+              <a:rPr lang="es-MX" dirty="0" smtClean="0"/>
+              <a:t>entero positivo</a:t>
+            </a:r>
+            <a:r>
+              <a:rPr lang="es-MX" dirty="0"/>
+              <a:t>.</a:t>
+            </a:r>
+          </a:p>
+          <a:p>
+            <a:pPr marL="342900" indent="-342900" algn="just">
+              <a:buFont typeface="+mj-lt"/>
+              <a:buAutoNum type="alphaLcParenR"/>
+            </a:pPr>
+            <a:r>
+              <a:rPr lang="es-MX" dirty="0"/>
+              <a:t>El  atributo </a:t>
+            </a:r>
+            <a:r>
+              <a:rPr lang="es-MX" dirty="0" err="1"/>
+              <a:t>IdUsuario</a:t>
+            </a:r>
+            <a:r>
+              <a:rPr lang="es-MX" dirty="0"/>
+              <a:t> no puede ser un valor nulo.</a:t>
+            </a:r>
+          </a:p>
+          <a:p>
+            <a:pPr marL="342900" indent="-342900" algn="just">
+              <a:buFont typeface="+mj-lt"/>
+              <a:buAutoNum type="alphaLcParenR"/>
+            </a:pPr>
+            <a:endParaRPr lang="es-MX" dirty="0"/>
+          </a:p>
+          <a:p>
+            <a:pPr marL="342900" indent="-342900" algn="just">
+              <a:buFont typeface="+mj-lt"/>
+              <a:buAutoNum type="alphaLcParenR"/>
+            </a:pPr>
+            <a:endParaRPr lang="es-MX" dirty="0"/>
+          </a:p>
+        </p:txBody>
+      </p:sp>
+      <p:sp>
+        <p:nvSpPr>
           <p:cNvPr id="5" name="TextBox 4">
             <a:extLst>
               <a:ext uri="{FF2B5EF4-FFF2-40B4-BE49-F238E27FC236}">
-                <a16:creationId xmlns:a16="http://schemas.microsoft.com/office/drawing/2014/main" id="{AF474ED2-6A10-4DA8-B8B4-22EDBD8F16AC}"/>
+                <a16:creationId xmlns:a16="http://schemas.microsoft.com/office/drawing/2014/main" xmlns="" id="{A79D5CA3-7901-4ADE-8002-4BC581824342}"/>
               </a:ext>
             </a:extLst>
           </p:cNvPr>
@@ -4757,8 +4920,8 @@
         </p:nvSpPr>
         <p:spPr>
           <a:xfrm>
-            <a:off x="912055" y="3073961"/>
-            <a:ext cx="9973994" cy="3416320"/>
+            <a:off x="427242" y="1152013"/>
+            <a:ext cx="1698738" cy="1200329"/>
           </a:xfrm>
           <a:prstGeom prst="rect">
             <a:avLst/>
@@ -4771,163 +4934,31 @@
           </a:bodyPr>
           <a:lstStyle/>
           <a:p>
-            <a:pPr algn="just"/>
-            <a:r>
-              <a:rPr lang="es-MX" u="sng" dirty="0"/>
-              <a:t>USUARIO</a:t>
+            <a:r>
+              <a:rPr lang="es-MX" dirty="0" smtClean="0"/>
+              <a:t>Naranja: </a:t>
             </a:r>
             <a:r>
               <a:rPr lang="es-MX" dirty="0"/>
-              <a:t> = &lt;{ Id: </a:t>
-            </a:r>
-            <a:r>
-              <a:rPr lang="es-MX" dirty="0" err="1"/>
-              <a:t>integer</a:t>
+              <a:t>Llave primaria.</a:t>
+            </a:r>
+          </a:p>
+          <a:p>
+            <a:r>
+              <a:rPr lang="es-MX" dirty="0" smtClean="0"/>
+              <a:t>Verde: </a:t>
             </a:r>
             <a:r>
               <a:rPr lang="es-MX" dirty="0"/>
-              <a:t>, Nombre: </a:t>
-            </a:r>
-            <a:r>
-              <a:rPr lang="es-MX" dirty="0" err="1"/>
-              <a:t>string</a:t>
-            </a:r>
-            <a:r>
-              <a:rPr lang="es-MX" dirty="0"/>
-              <a:t>, Edad: </a:t>
-            </a:r>
-            <a:r>
-              <a:rPr lang="es-MX" dirty="0" err="1"/>
-              <a:t>integer</a:t>
-            </a:r>
-            <a:r>
-              <a:rPr lang="es-MX" dirty="0"/>
-              <a:t>, Sexo: </a:t>
-            </a:r>
-            <a:r>
-              <a:rPr lang="es-MX" dirty="0" err="1"/>
-              <a:t>char</a:t>
-            </a:r>
-            <a:r>
-              <a:rPr lang="es-MX" dirty="0"/>
-              <a:t>, Imagen: </a:t>
-            </a:r>
-            <a:r>
-              <a:rPr lang="es-MX" dirty="0" err="1"/>
-              <a:t>picture</a:t>
-            </a:r>
-            <a:r>
-              <a:rPr lang="es-MX" dirty="0"/>
-              <a:t>}, ∑</a:t>
-            </a:r>
-            <a:r>
-              <a:rPr lang="en-US" u="sng" baseline="-25000" dirty="0"/>
-              <a:t> USUARIO </a:t>
-            </a:r>
-            <a:r>
-              <a:rPr lang="es-MX" dirty="0"/>
-              <a:t>&gt;</a:t>
-            </a:r>
-          </a:p>
-          <a:p>
-            <a:pPr algn="just"/>
-            <a:endParaRPr lang="es-MX" dirty="0"/>
-          </a:p>
-          <a:p>
-            <a:pPr algn="just"/>
-            <a:r>
-              <a:rPr lang="es-MX" dirty="0"/>
-              <a:t>∑</a:t>
-            </a:r>
-            <a:r>
-              <a:rPr lang="en-US" u="sng" baseline="-25000" dirty="0"/>
-              <a:t> USUARIO </a:t>
-            </a:r>
-            <a:r>
-              <a:rPr lang="es-MX" dirty="0"/>
-              <a:t>= (a, b, c, d)</a:t>
-            </a:r>
-          </a:p>
-          <a:p>
-            <a:pPr algn="just"/>
-            <a:endParaRPr lang="es-MX" dirty="0"/>
-          </a:p>
-          <a:p>
-            <a:pPr marL="342900" indent="-342900" algn="just">
-              <a:buFont typeface="+mj-lt"/>
-              <a:buAutoNum type="alphaLcParenR"/>
-            </a:pPr>
-            <a:r>
-              <a:rPr lang="es-MX" dirty="0"/>
-              <a:t>Un usuario cuenta con un Id i, Nombre n, Edad e, Sexo s e Imagen </a:t>
-            </a:r>
-            <a:r>
-              <a:rPr lang="es-MX" dirty="0" err="1"/>
-              <a:t>im</a:t>
-            </a:r>
-            <a:r>
-              <a:rPr lang="es-MX" dirty="0"/>
-              <a:t>.</a:t>
-            </a:r>
-          </a:p>
-          <a:p>
-            <a:pPr lvl="1" algn="just"/>
-            <a:r>
-              <a:rPr lang="es-MX" dirty="0"/>
-              <a:t>(i, n, e, s, </a:t>
-            </a:r>
-            <a:r>
-              <a:rPr lang="es-MX" dirty="0" err="1"/>
-              <a:t>im</a:t>
-            </a:r>
-            <a:r>
-              <a:rPr lang="es-MX" dirty="0"/>
-              <a:t>).</a:t>
-            </a:r>
-          </a:p>
-          <a:p>
-            <a:pPr marL="342900" indent="-342900" algn="just">
-              <a:buFont typeface="+mj-lt"/>
-              <a:buAutoNum type="alphaLcParenR"/>
-            </a:pPr>
-            <a:r>
-              <a:rPr lang="es-MX" dirty="0"/>
-              <a:t>El dominio del constituyente Edad debe ser un entero no negativo. El dominio del constituyente Id debe ser un entero no negativo. El dominio del constituyente Sexo sólo pueden ser los caracteres ‘m’ para masculino, ‘f’ para femenino y ‘o’ para otro.</a:t>
-            </a:r>
-          </a:p>
-          <a:p>
-            <a:pPr marL="342900" indent="-342900" algn="just">
-              <a:buFont typeface="+mj-lt"/>
-              <a:buAutoNum type="alphaLcParenR"/>
-            </a:pPr>
-            <a:r>
-              <a:rPr lang="es-MX" dirty="0"/>
-              <a:t>Llave candidata: {Id}.</a:t>
-            </a:r>
-          </a:p>
-          <a:p>
-            <a:pPr marL="342900" indent="-342900" algn="just">
-              <a:buFont typeface="+mj-lt"/>
-              <a:buAutoNum type="alphaLcParenR"/>
-            </a:pPr>
-            <a:r>
-              <a:rPr lang="es-MX" dirty="0"/>
-              <a:t>Los dominios de los constituyentes Nombre, no pueden ser nulos.</a:t>
-            </a:r>
-          </a:p>
-          <a:p>
-            <a:pPr marL="342900" indent="-342900" algn="just">
-              <a:buFont typeface="+mj-lt"/>
-              <a:buAutoNum type="alphaLcParenR"/>
-            </a:pPr>
-            <a:endParaRPr lang="es-MX" dirty="0"/>
+              <a:t>Llave foránea.</a:t>
+            </a:r>
           </a:p>
         </p:txBody>
       </p:sp>
     </p:spTree>
     <p:extLst>
       <p:ext uri="{BB962C8B-B14F-4D97-AF65-F5344CB8AC3E}">
-        <p14:creationId xmlns:p14="http://schemas.microsoft.com/office/powerpoint/2010/main" val="1072659665"/>
+        <p14:creationId xmlns:p14="http://schemas.microsoft.com/office/powerpoint/2010/main" val="3501383815"/>
       </p:ext>
     </p:extLst>
   </p:cSld>
@@ -4956,988 +4987,10 @@
       </p:grpSpPr>
       <p:sp>
         <p:nvSpPr>
-          <p:cNvPr id="2" name="TextBox 1">
-            <a:extLst>
-              <a:ext uri="{FF2B5EF4-FFF2-40B4-BE49-F238E27FC236}">
-                <a16:creationId xmlns:a16="http://schemas.microsoft.com/office/drawing/2014/main" id="{B39D0070-677E-4BE4-9543-964CF6E37188}"/>
-              </a:ext>
-            </a:extLst>
-          </p:cNvPr>
-          <p:cNvSpPr txBox="1"/>
-          <p:nvPr/>
-        </p:nvSpPr>
-        <p:spPr>
-          <a:xfrm>
-            <a:off x="358521" y="129258"/>
-            <a:ext cx="1767459" cy="369332"/>
-          </a:xfrm>
-          <a:prstGeom prst="rect">
-            <a:avLst/>
-          </a:prstGeom>
-          <a:noFill/>
-        </p:spPr>
-        <p:txBody>
-          <a:bodyPr wrap="square" rtlCol="0">
-            <a:spAutoFit/>
-          </a:bodyPr>
-          <a:lstStyle/>
-          <a:p>
-            <a:r>
-              <a:rPr lang="es-MX" dirty="0"/>
-              <a:t>MEDICAMENTO</a:t>
-            </a:r>
-          </a:p>
-        </p:txBody>
-      </p:sp>
-      <p:graphicFrame>
-        <p:nvGraphicFramePr>
-          <p:cNvPr id="3" name="Table 2">
-            <a:extLst>
-              <a:ext uri="{FF2B5EF4-FFF2-40B4-BE49-F238E27FC236}">
-                <a16:creationId xmlns:a16="http://schemas.microsoft.com/office/drawing/2014/main" id="{173D340A-BE23-43D0-91F7-55AA24F19407}"/>
-              </a:ext>
-            </a:extLst>
-          </p:cNvPr>
-          <p:cNvGraphicFramePr>
-            <a:graphicFrameLocks noGrp="1"/>
-          </p:cNvGraphicFramePr>
-          <p:nvPr>
-            <p:extLst>
-              <p:ext uri="{D42A27DB-BD31-4B8C-83A1-F6EECF244321}">
-                <p14:modId xmlns:p14="http://schemas.microsoft.com/office/powerpoint/2010/main" val="1644937374"/>
-              </p:ext>
-            </p:extLst>
-          </p:nvPr>
-        </p:nvGraphicFramePr>
-        <p:xfrm>
-          <a:off x="2843303" y="446754"/>
-          <a:ext cx="8593600" cy="2468880"/>
-        </p:xfrm>
-        <a:graphic>
-          <a:graphicData uri="http://schemas.openxmlformats.org/drawingml/2006/table">
-            <a:tbl>
-              <a:tblPr firstRow="1" bandRow="1">
-                <a:tableStyleId>{5C22544A-7EE6-4342-B048-85BDC9FD1C3A}</a:tableStyleId>
-              </a:tblPr>
-              <a:tblGrid>
-                <a:gridCol w="2019207">
-                  <a:extLst>
-                    <a:ext uri="{9D8B030D-6E8A-4147-A177-3AD203B41FA5}">
-                      <a16:colId xmlns:a16="http://schemas.microsoft.com/office/drawing/2014/main" val="3086182992"/>
-                    </a:ext>
-                  </a:extLst>
-                </a:gridCol>
-                <a:gridCol w="2019207">
-                  <a:extLst>
-                    <a:ext uri="{9D8B030D-6E8A-4147-A177-3AD203B41FA5}">
-                      <a16:colId xmlns:a16="http://schemas.microsoft.com/office/drawing/2014/main" val="3333785392"/>
-                    </a:ext>
-                  </a:extLst>
-                </a:gridCol>
-                <a:gridCol w="2027531">
-                  <a:extLst>
-                    <a:ext uri="{9D8B030D-6E8A-4147-A177-3AD203B41FA5}">
-                      <a16:colId xmlns:a16="http://schemas.microsoft.com/office/drawing/2014/main" val="1914252979"/>
-                    </a:ext>
-                  </a:extLst>
-                </a:gridCol>
-                <a:gridCol w="1135417">
-                  <a:extLst>
-                    <a:ext uri="{9D8B030D-6E8A-4147-A177-3AD203B41FA5}">
-                      <a16:colId xmlns:a16="http://schemas.microsoft.com/office/drawing/2014/main" val="3182484665"/>
-                    </a:ext>
-                  </a:extLst>
-                </a:gridCol>
-                <a:gridCol w="1392238">
-                  <a:extLst>
-                    <a:ext uri="{9D8B030D-6E8A-4147-A177-3AD203B41FA5}">
-                      <a16:colId xmlns:a16="http://schemas.microsoft.com/office/drawing/2014/main" val="2323710027"/>
-                    </a:ext>
-                  </a:extLst>
-                </a:gridCol>
-              </a:tblGrid>
-              <a:tr h="489039">
-                <a:tc>
-                  <a:txBody>
-                    <a:bodyPr/>
-                    <a:lstStyle/>
-                    <a:p>
-                      <a:pPr algn="ctr"/>
-                      <a:r>
-                        <a:rPr lang="es-MX" dirty="0" err="1"/>
-                        <a:t>IdUsuario</a:t>
-                      </a:r>
-                      <a:endParaRPr lang="es-MX" dirty="0"/>
-                    </a:p>
-                  </a:txBody>
-                  <a:tcPr>
-                    <a:solidFill>
-                      <a:schemeClr val="accent2">
-                        <a:lumMod val="75000"/>
-                      </a:schemeClr>
-                    </a:solidFill>
-                  </a:tcPr>
-                </a:tc>
-                <a:tc>
-                  <a:txBody>
-                    <a:bodyPr/>
-                    <a:lstStyle/>
-                    <a:p>
-                      <a:pPr marL="0" marR="0" lvl="0" indent="0" algn="ctr" defTabSz="914400" rtl="0" eaLnBrk="1" fontAlgn="auto" latinLnBrk="0" hangingPunct="1">
-                        <a:lnSpc>
-                          <a:spcPct val="100000"/>
-                        </a:lnSpc>
-                        <a:spcBef>
-                          <a:spcPts val="0"/>
-                        </a:spcBef>
-                        <a:spcAft>
-                          <a:spcPts val="0"/>
-                        </a:spcAft>
-                        <a:buClrTx/>
-                        <a:buSzTx/>
-                        <a:buFontTx/>
-                        <a:buNone/>
-                        <a:tabLst/>
-                        <a:defRPr/>
-                      </a:pPr>
-                      <a:r>
-                        <a:rPr lang="es-MX" dirty="0" err="1"/>
-                        <a:t>NombreComercial</a:t>
-                      </a:r>
-                      <a:endParaRPr lang="es-MX" dirty="0"/>
-                    </a:p>
-                    <a:p>
-                      <a:pPr algn="ctr"/>
-                      <a:endParaRPr lang="es-MX" dirty="0"/>
-                    </a:p>
-                  </a:txBody>
-                  <a:tcPr>
-                    <a:solidFill>
-                      <a:schemeClr val="accent6">
-                        <a:lumMod val="75000"/>
-                      </a:schemeClr>
-                    </a:solidFill>
-                  </a:tcPr>
-                </a:tc>
-                <a:tc>
-                  <a:txBody>
-                    <a:bodyPr/>
-                    <a:lstStyle/>
-                    <a:p>
-                      <a:pPr marL="0" marR="0" lvl="0" indent="0" algn="ctr" defTabSz="914400" rtl="0" eaLnBrk="1" fontAlgn="auto" latinLnBrk="0" hangingPunct="1">
-                        <a:lnSpc>
-                          <a:spcPct val="100000"/>
-                        </a:lnSpc>
-                        <a:spcBef>
-                          <a:spcPts val="0"/>
-                        </a:spcBef>
-                        <a:spcAft>
-                          <a:spcPts val="0"/>
-                        </a:spcAft>
-                        <a:buClrTx/>
-                        <a:buSzTx/>
-                        <a:buFontTx/>
-                        <a:buNone/>
-                        <a:tabLst/>
-                        <a:defRPr/>
-                      </a:pPr>
-                      <a:r>
-                        <a:rPr lang="es-MX" dirty="0" err="1"/>
-                        <a:t>NombreGenérico</a:t>
-                      </a:r>
-                      <a:endParaRPr lang="es-MX" dirty="0"/>
-                    </a:p>
-                    <a:p>
-                      <a:pPr algn="ctr"/>
-                      <a:endParaRPr lang="es-MX" dirty="0"/>
-                    </a:p>
-                  </a:txBody>
-                  <a:tcPr>
-                    <a:solidFill>
-                      <a:schemeClr val="accent6">
-                        <a:lumMod val="75000"/>
-                      </a:schemeClr>
-                    </a:solidFill>
-                  </a:tcPr>
-                </a:tc>
-                <a:tc>
-                  <a:txBody>
-                    <a:bodyPr/>
-                    <a:lstStyle/>
-                    <a:p>
-                      <a:pPr algn="ctr"/>
-                      <a:r>
-                        <a:rPr lang="es-MX" b="1" dirty="0"/>
-                        <a:t>Cantidad</a:t>
-                      </a:r>
-                    </a:p>
-                  </a:txBody>
-                  <a:tcPr/>
-                </a:tc>
-                <a:tc>
-                  <a:txBody>
-                    <a:bodyPr/>
-                    <a:lstStyle/>
-                    <a:p>
-                      <a:pPr marL="0" marR="0" lvl="0" indent="0" algn="ctr" defTabSz="914400" rtl="0" eaLnBrk="1" fontAlgn="auto" latinLnBrk="0" hangingPunct="1">
-                        <a:lnSpc>
-                          <a:spcPct val="100000"/>
-                        </a:lnSpc>
-                        <a:spcBef>
-                          <a:spcPts val="0"/>
-                        </a:spcBef>
-                        <a:spcAft>
-                          <a:spcPts val="0"/>
-                        </a:spcAft>
-                        <a:buClrTx/>
-                        <a:buSzTx/>
-                        <a:buFontTx/>
-                        <a:buNone/>
-                        <a:tabLst/>
-                        <a:defRPr/>
-                      </a:pPr>
-                      <a:r>
-                        <a:rPr lang="es-MX" dirty="0"/>
-                        <a:t>Laboratorio</a:t>
-                      </a:r>
-                    </a:p>
-                    <a:p>
-                      <a:pPr algn="ctr"/>
-                      <a:endParaRPr lang="es-MX" dirty="0"/>
-                    </a:p>
-                  </a:txBody>
-                  <a:tcPr/>
-                </a:tc>
-                <a:extLst>
-                  <a:ext uri="{0D108BD9-81ED-4DB2-BD59-A6C34878D82A}">
-                    <a16:rowId xmlns:a16="http://schemas.microsoft.com/office/drawing/2014/main" val="3085137175"/>
-                  </a:ext>
-                </a:extLst>
-              </a:tr>
-              <a:tr h="283332">
-                <a:tc>
-                  <a:txBody>
-                    <a:bodyPr/>
-                    <a:lstStyle/>
-                    <a:p>
-                      <a:endParaRPr lang="es-MX" dirty="0"/>
-                    </a:p>
-                  </a:txBody>
-                  <a:tcPr>
-                    <a:solidFill>
-                      <a:schemeClr val="accent2">
-                        <a:lumMod val="75000"/>
-                      </a:schemeClr>
-                    </a:solidFill>
-                  </a:tcPr>
-                </a:tc>
-                <a:tc>
-                  <a:txBody>
-                    <a:bodyPr/>
-                    <a:lstStyle/>
-                    <a:p>
-                      <a:endParaRPr lang="es-MX" dirty="0"/>
-                    </a:p>
-                  </a:txBody>
-                  <a:tcPr>
-                    <a:solidFill>
-                      <a:schemeClr val="accent6">
-                        <a:lumMod val="75000"/>
-                      </a:schemeClr>
-                    </a:solidFill>
-                  </a:tcPr>
-                </a:tc>
-                <a:tc>
-                  <a:txBody>
-                    <a:bodyPr/>
-                    <a:lstStyle/>
-                    <a:p>
-                      <a:endParaRPr lang="es-MX"/>
-                    </a:p>
-                  </a:txBody>
-                  <a:tcPr>
-                    <a:solidFill>
-                      <a:schemeClr val="accent6">
-                        <a:lumMod val="75000"/>
-                      </a:schemeClr>
-                    </a:solidFill>
-                  </a:tcPr>
-                </a:tc>
-                <a:tc>
-                  <a:txBody>
-                    <a:bodyPr/>
-                    <a:lstStyle/>
-                    <a:p>
-                      <a:endParaRPr lang="es-MX"/>
-                    </a:p>
-                  </a:txBody>
-                  <a:tcPr/>
-                </a:tc>
-                <a:tc>
-                  <a:txBody>
-                    <a:bodyPr/>
-                    <a:lstStyle/>
-                    <a:p>
-                      <a:endParaRPr lang="es-MX"/>
-                    </a:p>
-                  </a:txBody>
-                  <a:tcPr/>
-                </a:tc>
-                <a:extLst>
-                  <a:ext uri="{0D108BD9-81ED-4DB2-BD59-A6C34878D82A}">
-                    <a16:rowId xmlns:a16="http://schemas.microsoft.com/office/drawing/2014/main" val="1293827180"/>
-                  </a:ext>
-                </a:extLst>
-              </a:tr>
-              <a:tr h="283332">
-                <a:tc>
-                  <a:txBody>
-                    <a:bodyPr/>
-                    <a:lstStyle/>
-                    <a:p>
-                      <a:endParaRPr lang="es-MX" dirty="0"/>
-                    </a:p>
-                  </a:txBody>
-                  <a:tcPr>
-                    <a:solidFill>
-                      <a:schemeClr val="accent2">
-                        <a:lumMod val="75000"/>
-                      </a:schemeClr>
-                    </a:solidFill>
-                  </a:tcPr>
-                </a:tc>
-                <a:tc>
-                  <a:txBody>
-                    <a:bodyPr/>
-                    <a:lstStyle/>
-                    <a:p>
-                      <a:endParaRPr lang="es-MX" dirty="0"/>
-                    </a:p>
-                  </a:txBody>
-                  <a:tcPr>
-                    <a:solidFill>
-                      <a:schemeClr val="accent6">
-                        <a:lumMod val="75000"/>
-                      </a:schemeClr>
-                    </a:solidFill>
-                  </a:tcPr>
-                </a:tc>
-                <a:tc>
-                  <a:txBody>
-                    <a:bodyPr/>
-                    <a:lstStyle/>
-                    <a:p>
-                      <a:endParaRPr lang="es-MX" dirty="0"/>
-                    </a:p>
-                  </a:txBody>
-                  <a:tcPr>
-                    <a:solidFill>
-                      <a:schemeClr val="accent6">
-                        <a:lumMod val="75000"/>
-                      </a:schemeClr>
-                    </a:solidFill>
-                  </a:tcPr>
-                </a:tc>
-                <a:tc>
-                  <a:txBody>
-                    <a:bodyPr/>
-                    <a:lstStyle/>
-                    <a:p>
-                      <a:endParaRPr lang="es-MX"/>
-                    </a:p>
-                  </a:txBody>
-                  <a:tcPr/>
-                </a:tc>
-                <a:tc>
-                  <a:txBody>
-                    <a:bodyPr/>
-                    <a:lstStyle/>
-                    <a:p>
-                      <a:endParaRPr lang="es-MX"/>
-                    </a:p>
-                  </a:txBody>
-                  <a:tcPr/>
-                </a:tc>
-                <a:extLst>
-                  <a:ext uri="{0D108BD9-81ED-4DB2-BD59-A6C34878D82A}">
-                    <a16:rowId xmlns:a16="http://schemas.microsoft.com/office/drawing/2014/main" val="2363210351"/>
-                  </a:ext>
-                </a:extLst>
-              </a:tr>
-              <a:tr h="283332">
-                <a:tc>
-                  <a:txBody>
-                    <a:bodyPr/>
-                    <a:lstStyle/>
-                    <a:p>
-                      <a:endParaRPr lang="es-MX" dirty="0"/>
-                    </a:p>
-                  </a:txBody>
-                  <a:tcPr>
-                    <a:solidFill>
-                      <a:schemeClr val="accent2">
-                        <a:lumMod val="75000"/>
-                      </a:schemeClr>
-                    </a:solidFill>
-                  </a:tcPr>
-                </a:tc>
-                <a:tc>
-                  <a:txBody>
-                    <a:bodyPr/>
-                    <a:lstStyle/>
-                    <a:p>
-                      <a:endParaRPr lang="es-MX" dirty="0"/>
-                    </a:p>
-                  </a:txBody>
-                  <a:tcPr>
-                    <a:solidFill>
-                      <a:schemeClr val="accent6">
-                        <a:lumMod val="75000"/>
-                      </a:schemeClr>
-                    </a:solidFill>
-                  </a:tcPr>
-                </a:tc>
-                <a:tc>
-                  <a:txBody>
-                    <a:bodyPr/>
-                    <a:lstStyle/>
-                    <a:p>
-                      <a:endParaRPr lang="es-MX" dirty="0"/>
-                    </a:p>
-                  </a:txBody>
-                  <a:tcPr>
-                    <a:solidFill>
-                      <a:schemeClr val="accent6">
-                        <a:lumMod val="75000"/>
-                      </a:schemeClr>
-                    </a:solidFill>
-                  </a:tcPr>
-                </a:tc>
-                <a:tc>
-                  <a:txBody>
-                    <a:bodyPr/>
-                    <a:lstStyle/>
-                    <a:p>
-                      <a:endParaRPr lang="es-MX"/>
-                    </a:p>
-                  </a:txBody>
-                  <a:tcPr/>
-                </a:tc>
-                <a:tc>
-                  <a:txBody>
-                    <a:bodyPr/>
-                    <a:lstStyle/>
-                    <a:p>
-                      <a:endParaRPr lang="es-MX"/>
-                    </a:p>
-                  </a:txBody>
-                  <a:tcPr/>
-                </a:tc>
-                <a:extLst>
-                  <a:ext uri="{0D108BD9-81ED-4DB2-BD59-A6C34878D82A}">
-                    <a16:rowId xmlns:a16="http://schemas.microsoft.com/office/drawing/2014/main" val="29422967"/>
-                  </a:ext>
-                </a:extLst>
-              </a:tr>
-              <a:tr h="283332">
-                <a:tc>
-                  <a:txBody>
-                    <a:bodyPr/>
-                    <a:lstStyle/>
-                    <a:p>
-                      <a:endParaRPr lang="es-MX" dirty="0"/>
-                    </a:p>
-                  </a:txBody>
-                  <a:tcPr>
-                    <a:solidFill>
-                      <a:schemeClr val="accent2">
-                        <a:lumMod val="75000"/>
-                      </a:schemeClr>
-                    </a:solidFill>
-                  </a:tcPr>
-                </a:tc>
-                <a:tc>
-                  <a:txBody>
-                    <a:bodyPr/>
-                    <a:lstStyle/>
-                    <a:p>
-                      <a:endParaRPr lang="es-MX"/>
-                    </a:p>
-                  </a:txBody>
-                  <a:tcPr>
-                    <a:solidFill>
-                      <a:schemeClr val="accent6">
-                        <a:lumMod val="75000"/>
-                      </a:schemeClr>
-                    </a:solidFill>
-                  </a:tcPr>
-                </a:tc>
-                <a:tc>
-                  <a:txBody>
-                    <a:bodyPr/>
-                    <a:lstStyle/>
-                    <a:p>
-                      <a:endParaRPr lang="es-MX" dirty="0"/>
-                    </a:p>
-                  </a:txBody>
-                  <a:tcPr>
-                    <a:solidFill>
-                      <a:schemeClr val="accent6">
-                        <a:lumMod val="75000"/>
-                      </a:schemeClr>
-                    </a:solidFill>
-                  </a:tcPr>
-                </a:tc>
-                <a:tc>
-                  <a:txBody>
-                    <a:bodyPr/>
-                    <a:lstStyle/>
-                    <a:p>
-                      <a:endParaRPr lang="es-MX"/>
-                    </a:p>
-                  </a:txBody>
-                  <a:tcPr/>
-                </a:tc>
-                <a:tc>
-                  <a:txBody>
-                    <a:bodyPr/>
-                    <a:lstStyle/>
-                    <a:p>
-                      <a:endParaRPr lang="es-MX"/>
-                    </a:p>
-                  </a:txBody>
-                  <a:tcPr/>
-                </a:tc>
-                <a:extLst>
-                  <a:ext uri="{0D108BD9-81ED-4DB2-BD59-A6C34878D82A}">
-                    <a16:rowId xmlns:a16="http://schemas.microsoft.com/office/drawing/2014/main" val="2885207959"/>
-                  </a:ext>
-                </a:extLst>
-              </a:tr>
-              <a:tr h="283332">
-                <a:tc>
-                  <a:txBody>
-                    <a:bodyPr/>
-                    <a:lstStyle/>
-                    <a:p>
-                      <a:endParaRPr lang="es-MX" dirty="0"/>
-                    </a:p>
-                  </a:txBody>
-                  <a:tcPr>
-                    <a:solidFill>
-                      <a:schemeClr val="accent2">
-                        <a:lumMod val="75000"/>
-                      </a:schemeClr>
-                    </a:solidFill>
-                  </a:tcPr>
-                </a:tc>
-                <a:tc>
-                  <a:txBody>
-                    <a:bodyPr/>
-                    <a:lstStyle/>
-                    <a:p>
-                      <a:endParaRPr lang="es-MX" dirty="0"/>
-                    </a:p>
-                  </a:txBody>
-                  <a:tcPr>
-                    <a:solidFill>
-                      <a:schemeClr val="accent6">
-                        <a:lumMod val="75000"/>
-                      </a:schemeClr>
-                    </a:solidFill>
-                  </a:tcPr>
-                </a:tc>
-                <a:tc>
-                  <a:txBody>
-                    <a:bodyPr/>
-                    <a:lstStyle/>
-                    <a:p>
-                      <a:endParaRPr lang="es-MX" dirty="0"/>
-                    </a:p>
-                  </a:txBody>
-                  <a:tcPr>
-                    <a:solidFill>
-                      <a:schemeClr val="accent6">
-                        <a:lumMod val="75000"/>
-                      </a:schemeClr>
-                    </a:solidFill>
-                  </a:tcPr>
-                </a:tc>
-                <a:tc>
-                  <a:txBody>
-                    <a:bodyPr/>
-                    <a:lstStyle/>
-                    <a:p>
-                      <a:endParaRPr lang="es-MX"/>
-                    </a:p>
-                  </a:txBody>
-                  <a:tcPr/>
-                </a:tc>
-                <a:tc>
-                  <a:txBody>
-                    <a:bodyPr/>
-                    <a:lstStyle/>
-                    <a:p>
-                      <a:endParaRPr lang="es-MX" dirty="0"/>
-                    </a:p>
-                  </a:txBody>
-                  <a:tcPr/>
-                </a:tc>
-                <a:extLst>
-                  <a:ext uri="{0D108BD9-81ED-4DB2-BD59-A6C34878D82A}">
-                    <a16:rowId xmlns:a16="http://schemas.microsoft.com/office/drawing/2014/main" val="863267576"/>
-                  </a:ext>
-                </a:extLst>
-              </a:tr>
-            </a:tbl>
-          </a:graphicData>
-        </a:graphic>
-      </p:graphicFrame>
-      <p:sp>
-        <p:nvSpPr>
-          <p:cNvPr id="4" name="Rectangle 3">
-            <a:extLst>
-              <a:ext uri="{FF2B5EF4-FFF2-40B4-BE49-F238E27FC236}">
-                <a16:creationId xmlns:a16="http://schemas.microsoft.com/office/drawing/2014/main" id="{6A283A21-5B66-464B-8FBF-1C464B1619B1}"/>
-              </a:ext>
-            </a:extLst>
-          </p:cNvPr>
-          <p:cNvSpPr/>
-          <p:nvPr/>
-        </p:nvSpPr>
-        <p:spPr>
-          <a:xfrm>
-            <a:off x="0" y="3177037"/>
-            <a:ext cx="12192000" cy="3693319"/>
-          </a:xfrm>
-          <a:prstGeom prst="rect">
-            <a:avLst/>
-          </a:prstGeom>
-        </p:spPr>
-        <p:txBody>
-          <a:bodyPr wrap="square">
-            <a:spAutoFit/>
-          </a:bodyPr>
-          <a:lstStyle/>
-          <a:p>
-            <a:pPr algn="just"/>
-            <a:r>
-              <a:rPr lang="es-MX" u="sng" dirty="0"/>
-              <a:t>MEDICAMENTO</a:t>
-            </a:r>
-            <a:r>
-              <a:rPr lang="es-MX" dirty="0"/>
-              <a:t> = &lt;{ </a:t>
-            </a:r>
-            <a:r>
-              <a:rPr lang="es-MX" dirty="0" err="1"/>
-              <a:t>IdUsuario</a:t>
-            </a:r>
-            <a:r>
-              <a:rPr lang="es-MX" dirty="0"/>
-              <a:t>: </a:t>
-            </a:r>
-            <a:r>
-              <a:rPr lang="es-MX" dirty="0" err="1"/>
-              <a:t>Integer</a:t>
-            </a:r>
-            <a:r>
-              <a:rPr lang="es-MX" dirty="0"/>
-              <a:t>, </a:t>
-            </a:r>
-            <a:r>
-              <a:rPr lang="es-MX" dirty="0" err="1"/>
-              <a:t>NombreComercial</a:t>
-            </a:r>
-            <a:r>
-              <a:rPr lang="es-MX" dirty="0"/>
-              <a:t>: </a:t>
-            </a:r>
-            <a:r>
-              <a:rPr lang="es-MX" dirty="0" err="1"/>
-              <a:t>String</a:t>
-            </a:r>
-            <a:r>
-              <a:rPr lang="es-MX" dirty="0"/>
-              <a:t>, </a:t>
-            </a:r>
-            <a:r>
-              <a:rPr lang="es-MX" dirty="0" err="1"/>
-              <a:t>NombreGenérico</a:t>
-            </a:r>
-            <a:r>
-              <a:rPr lang="es-MX" dirty="0"/>
-              <a:t>: </a:t>
-            </a:r>
-            <a:r>
-              <a:rPr lang="es-MX" dirty="0" err="1"/>
-              <a:t>String</a:t>
-            </a:r>
-            <a:r>
-              <a:rPr lang="es-MX" dirty="0"/>
-              <a:t>, Cantidad: </a:t>
-            </a:r>
-            <a:r>
-              <a:rPr lang="es-MX" dirty="0" err="1"/>
-              <a:t>Float</a:t>
-            </a:r>
-            <a:r>
-              <a:rPr lang="es-MX" dirty="0"/>
-              <a:t>, Laboratorio: </a:t>
-            </a:r>
-            <a:r>
-              <a:rPr lang="es-MX" dirty="0" err="1"/>
-              <a:t>String</a:t>
-            </a:r>
-            <a:r>
-              <a:rPr lang="es-MX" dirty="0"/>
-              <a:t>}, ∑</a:t>
-            </a:r>
-            <a:r>
-              <a:rPr lang="en-US" u="sng" baseline="-25000" dirty="0"/>
-              <a:t> MEDICAMENTO </a:t>
-            </a:r>
-            <a:r>
-              <a:rPr lang="es-MX" dirty="0"/>
-              <a:t>&gt;</a:t>
-            </a:r>
-          </a:p>
-          <a:p>
-            <a:pPr algn="just"/>
-            <a:endParaRPr lang="es-MX" dirty="0"/>
-          </a:p>
-          <a:p>
-            <a:pPr algn="just"/>
-            <a:r>
-              <a:rPr lang="es-MX" dirty="0"/>
-              <a:t>∑</a:t>
-            </a:r>
-            <a:r>
-              <a:rPr lang="en-US" u="sng" baseline="-25000" dirty="0"/>
-              <a:t> MEDICAMENTO </a:t>
-            </a:r>
-            <a:r>
-              <a:rPr lang="es-MX" dirty="0"/>
-              <a:t>= (a, b, c, d)</a:t>
-            </a:r>
-          </a:p>
-          <a:p>
-            <a:pPr algn="just"/>
-            <a:endParaRPr lang="es-MX" dirty="0"/>
-          </a:p>
-          <a:p>
-            <a:pPr marL="342900" indent="-342900" algn="just">
-              <a:buFont typeface="+mj-lt"/>
-              <a:buAutoNum type="alphaLcParenR"/>
-            </a:pPr>
-            <a:r>
-              <a:rPr lang="es-MX" dirty="0"/>
-              <a:t>Una tupla de la relación MEDICAMENTO está definida por un </a:t>
-            </a:r>
-            <a:r>
-              <a:rPr lang="es-MX" dirty="0" err="1"/>
-              <a:t>Idusuario</a:t>
-            </a:r>
-            <a:r>
-              <a:rPr lang="es-MX" dirty="0"/>
-              <a:t> id, del usuario que la consume, su </a:t>
-            </a:r>
-            <a:r>
-              <a:rPr lang="es-MX" dirty="0" err="1"/>
-              <a:t>NombreComercial</a:t>
-            </a:r>
-            <a:r>
-              <a:rPr lang="es-MX" dirty="0"/>
-              <a:t> </a:t>
-            </a:r>
-            <a:r>
-              <a:rPr lang="es-MX" dirty="0" err="1"/>
-              <a:t>nc</a:t>
-            </a:r>
-            <a:r>
-              <a:rPr lang="es-MX" dirty="0"/>
-              <a:t>, su </a:t>
-            </a:r>
-            <a:r>
-              <a:rPr lang="es-MX" dirty="0" err="1"/>
-              <a:t>NombreGenérico</a:t>
-            </a:r>
-            <a:r>
-              <a:rPr lang="es-MX" dirty="0"/>
-              <a:t> ng, una Cantidad c y producida por un Laboratorio l. (id, </a:t>
-            </a:r>
-            <a:r>
-              <a:rPr lang="es-MX" dirty="0" err="1"/>
-              <a:t>nc</a:t>
-            </a:r>
-            <a:r>
-              <a:rPr lang="es-MX" dirty="0"/>
-              <a:t>, ng, c, l).</a:t>
-            </a:r>
-          </a:p>
-          <a:p>
-            <a:pPr marL="342900" indent="-342900" algn="just">
-              <a:buFont typeface="+mj-lt"/>
-              <a:buAutoNum type="alphaLcParenR"/>
-            </a:pPr>
-            <a:r>
-              <a:rPr lang="es-MX" dirty="0"/>
-              <a:t>Llaves candidata: {</a:t>
-            </a:r>
-            <a:r>
-              <a:rPr lang="es-MX" dirty="0" err="1"/>
-              <a:t>NombreComercial</a:t>
-            </a:r>
-            <a:r>
-              <a:rPr lang="es-MX" dirty="0"/>
-              <a:t>, </a:t>
-            </a:r>
-            <a:r>
-              <a:rPr lang="es-MX" dirty="0" err="1"/>
-              <a:t>NombreGenérico</a:t>
-            </a:r>
-            <a:r>
-              <a:rPr lang="es-MX" dirty="0"/>
-              <a:t>}, {</a:t>
-            </a:r>
-            <a:r>
-              <a:rPr lang="es-MX" dirty="0" err="1"/>
-              <a:t>NombreComercial</a:t>
-            </a:r>
-            <a:r>
-              <a:rPr lang="es-MX" dirty="0"/>
-              <a:t>, Laboratorio}. </a:t>
-            </a:r>
-            <a:r>
-              <a:rPr lang="es-MX" dirty="0" err="1"/>
-              <a:t>IdUsuario</a:t>
-            </a:r>
-            <a:r>
-              <a:rPr lang="es-MX" dirty="0"/>
-              <a:t> no puede ser llave dado que existe el caso de que el mismo usuario puede tomar diferentes medicamentos.</a:t>
-            </a:r>
-          </a:p>
-          <a:p>
-            <a:pPr marL="342900" indent="-342900" algn="just">
-              <a:buFont typeface="+mj-lt"/>
-              <a:buAutoNum type="alphaLcParenR"/>
-            </a:pPr>
-            <a:r>
-              <a:rPr lang="es-MX" dirty="0"/>
-              <a:t>El dominio del constituyente Cantidad debe ser un flotante positivo.</a:t>
-            </a:r>
-          </a:p>
-          <a:p>
-            <a:pPr marL="342900" indent="-342900" algn="just">
-              <a:buFont typeface="+mj-lt"/>
-              <a:buAutoNum type="alphaLcParenR"/>
-            </a:pPr>
-            <a:r>
-              <a:rPr lang="es-MX" dirty="0"/>
-              <a:t>El  atributo </a:t>
-            </a:r>
-            <a:r>
-              <a:rPr lang="es-MX" dirty="0" err="1"/>
-              <a:t>IdUsuario</a:t>
-            </a:r>
-            <a:r>
-              <a:rPr lang="es-MX" dirty="0"/>
-              <a:t> no puede ser un valor nulo.</a:t>
-            </a:r>
-          </a:p>
-          <a:p>
-            <a:pPr marL="342900" indent="-342900" algn="just">
-              <a:buFont typeface="+mj-lt"/>
-              <a:buAutoNum type="alphaLcParenR"/>
-            </a:pPr>
-            <a:endParaRPr lang="es-MX" dirty="0"/>
-          </a:p>
-          <a:p>
-            <a:pPr marL="342900" indent="-342900" algn="just">
-              <a:buFont typeface="+mj-lt"/>
-              <a:buAutoNum type="alphaLcParenR"/>
-            </a:pPr>
-            <a:endParaRPr lang="es-MX" dirty="0"/>
-          </a:p>
-        </p:txBody>
-      </p:sp>
-      <p:sp>
-        <p:nvSpPr>
-          <p:cNvPr id="5" name="TextBox 4">
-            <a:extLst>
-              <a:ext uri="{FF2B5EF4-FFF2-40B4-BE49-F238E27FC236}">
-                <a16:creationId xmlns:a16="http://schemas.microsoft.com/office/drawing/2014/main" id="{A79D5CA3-7901-4ADE-8002-4BC581824342}"/>
-              </a:ext>
-            </a:extLst>
-          </p:cNvPr>
-          <p:cNvSpPr txBox="1"/>
-          <p:nvPr/>
-        </p:nvSpPr>
-        <p:spPr>
-          <a:xfrm>
-            <a:off x="427242" y="1152013"/>
-            <a:ext cx="1698738" cy="1200329"/>
-          </a:xfrm>
-          <a:prstGeom prst="rect">
-            <a:avLst/>
-          </a:prstGeom>
-          <a:noFill/>
-        </p:spPr>
-        <p:txBody>
-          <a:bodyPr wrap="square" rtlCol="0">
-            <a:spAutoFit/>
-          </a:bodyPr>
-          <a:lstStyle/>
-          <a:p>
-            <a:r>
-              <a:rPr lang="es-MX" dirty="0"/>
-              <a:t>Verde: Llave primaria.</a:t>
-            </a:r>
-          </a:p>
-          <a:p>
-            <a:r>
-              <a:rPr lang="es-MX" dirty="0"/>
-              <a:t>Naranja: Llave foránea.</a:t>
-            </a:r>
-          </a:p>
-        </p:txBody>
-      </p:sp>
-    </p:spTree>
-    <p:extLst>
-      <p:ext uri="{BB962C8B-B14F-4D97-AF65-F5344CB8AC3E}">
-        <p14:creationId xmlns:p14="http://schemas.microsoft.com/office/powerpoint/2010/main" val="3501383815"/>
-      </p:ext>
-    </p:extLst>
-  </p:cSld>
-  <p:clrMapOvr>
-    <a:masterClrMapping/>
-  </p:clrMapOvr>
-</p:sld>
-</file>
-
-<file path=ppt/slides/slide4.xml><?xml version="1.0" encoding="utf-8"?>
-<p:sld xmlns:a="http://schemas.openxmlformats.org/drawingml/2006/main" xmlns:r="http://schemas.openxmlformats.org/officeDocument/2006/relationships" xmlns:p="http://schemas.openxmlformats.org/presentationml/2006/main">
-  <p:cSld>
-    <p:spTree>
-      <p:nvGrpSpPr>
-        <p:cNvPr id="1" name=""/>
-        <p:cNvGrpSpPr/>
-        <p:nvPr/>
-      </p:nvGrpSpPr>
-      <p:grpSpPr>
-        <a:xfrm>
-          <a:off x="0" y="0"/>
-          <a:ext cx="0" cy="0"/>
-          <a:chOff x="0" y="0"/>
-          <a:chExt cx="0" cy="0"/>
-        </a:xfrm>
-      </p:grpSpPr>
-      <p:sp>
-        <p:nvSpPr>
           <p:cNvPr id="3" name="TextBox 2">
             <a:extLst>
               <a:ext uri="{FF2B5EF4-FFF2-40B4-BE49-F238E27FC236}">
-                <a16:creationId xmlns:a16="http://schemas.microsoft.com/office/drawing/2014/main" id="{5862E063-F4DF-4107-B45A-32BBB1A2C7EE}"/>
+                <a16:creationId xmlns:a16="http://schemas.microsoft.com/office/drawing/2014/main" xmlns="" id="{5862E063-F4DF-4107-B45A-32BBB1A2C7EE}"/>
               </a:ext>
             </a:extLst>
           </p:cNvPr>
@@ -6013,7 +5066,15 @@
             <a:pPr algn="just"/>
             <a:r>
               <a:rPr lang="es-MX" sz="2800" dirty="0"/>
-              <a:t>∑ = {USUARIO.{Id} </a:t>
+              <a:t>∑ = </a:t>
+            </a:r>
+            <a:r>
+              <a:rPr lang="es-MX" sz="2800" dirty="0" smtClean="0"/>
+              <a:t>{</a:t>
+            </a:r>
+            <a:r>
+              <a:rPr lang="es-MX" sz="2800" dirty="0"/>
+              <a:t>USUARIO.{Id} </a:t>
             </a:r>
             <a:r>
               <a:rPr lang="es-MX" sz="2800" u="sng" dirty="0"/>
@@ -6021,16 +5082,13 @@
             </a:r>
             <a:r>
               <a:rPr lang="es-MX" sz="2800" dirty="0"/>
-              <a:t> MEDICAMENTO.{</a:t>
-            </a:r>
-            <a:r>
-              <a:rPr lang="es-MX" sz="2800" dirty="0" err="1"/>
-              <a:t>IdUsuario</a:t>
-            </a:r>
-            <a:r>
-              <a:rPr lang="es-MX" sz="2800" dirty="0"/>
-              <a:t>} }</a:t>
-            </a:r>
+              <a:t> MEDICAMENTO.{IdUsuario</a:t>
+            </a:r>
+            <a:r>
+              <a:rPr lang="es-MX" sz="2800" dirty="0" smtClean="0"/>
+              <a:t>}</a:t>
+            </a:r>
+            <a:endParaRPr lang="es-MX" sz="2800" dirty="0"/>
           </a:p>
         </p:txBody>
       </p:sp>

--- a/ERBD - ProAgeing.pptx
+++ b/ERBD - ProAgeing.pptx
@@ -140,7 +140,7 @@
           <p:cNvPr id="2" name="Title 1">
             <a:extLst>
               <a:ext uri="{FF2B5EF4-FFF2-40B4-BE49-F238E27FC236}">
-                <a16:creationId xmlns:a16="http://schemas.microsoft.com/office/drawing/2014/main" xmlns="" id="{68FBE6F1-F178-4050-95C7-A53267ACF792}"/>
+                <a16:creationId xmlns="" xmlns:a16="http://schemas.microsoft.com/office/drawing/2014/main" id="{68FBE6F1-F178-4050-95C7-A53267ACF792}"/>
               </a:ext>
             </a:extLst>
           </p:cNvPr>
@@ -178,7 +178,7 @@
           <p:cNvPr id="3" name="Subtitle 2">
             <a:extLst>
               <a:ext uri="{FF2B5EF4-FFF2-40B4-BE49-F238E27FC236}">
-                <a16:creationId xmlns:a16="http://schemas.microsoft.com/office/drawing/2014/main" xmlns="" id="{C0A6193D-FC69-4A8A-A6D0-7EDB362D22C9}"/>
+                <a16:creationId xmlns="" xmlns:a16="http://schemas.microsoft.com/office/drawing/2014/main" id="{C0A6193D-FC69-4A8A-A6D0-7EDB362D22C9}"/>
               </a:ext>
             </a:extLst>
           </p:cNvPr>
@@ -249,7 +249,7 @@
           <p:cNvPr id="4" name="Date Placeholder 3">
             <a:extLst>
               <a:ext uri="{FF2B5EF4-FFF2-40B4-BE49-F238E27FC236}">
-                <a16:creationId xmlns:a16="http://schemas.microsoft.com/office/drawing/2014/main" xmlns="" id="{29794939-314E-4E55-A053-C99C028F622C}"/>
+                <a16:creationId xmlns="" xmlns:a16="http://schemas.microsoft.com/office/drawing/2014/main" id="{29794939-314E-4E55-A053-C99C028F622C}"/>
               </a:ext>
             </a:extLst>
           </p:cNvPr>
@@ -278,7 +278,7 @@
           <p:cNvPr id="5" name="Footer Placeholder 4">
             <a:extLst>
               <a:ext uri="{FF2B5EF4-FFF2-40B4-BE49-F238E27FC236}">
-                <a16:creationId xmlns:a16="http://schemas.microsoft.com/office/drawing/2014/main" xmlns="" id="{193EC25C-9E19-4780-BC30-7AB2746B49D4}"/>
+                <a16:creationId xmlns="" xmlns:a16="http://schemas.microsoft.com/office/drawing/2014/main" id="{193EC25C-9E19-4780-BC30-7AB2746B49D4}"/>
               </a:ext>
             </a:extLst>
           </p:cNvPr>
@@ -303,7 +303,7 @@
           <p:cNvPr id="6" name="Slide Number Placeholder 5">
             <a:extLst>
               <a:ext uri="{FF2B5EF4-FFF2-40B4-BE49-F238E27FC236}">
-                <a16:creationId xmlns:a16="http://schemas.microsoft.com/office/drawing/2014/main" xmlns="" id="{58E53F3C-0A52-48AB-B548-649EA7B8EE40}"/>
+                <a16:creationId xmlns="" xmlns:a16="http://schemas.microsoft.com/office/drawing/2014/main" id="{58E53F3C-0A52-48AB-B548-649EA7B8EE40}"/>
               </a:ext>
             </a:extLst>
           </p:cNvPr>
@@ -362,7 +362,7 @@
           <p:cNvPr id="2" name="Title 1">
             <a:extLst>
               <a:ext uri="{FF2B5EF4-FFF2-40B4-BE49-F238E27FC236}">
-                <a16:creationId xmlns:a16="http://schemas.microsoft.com/office/drawing/2014/main" xmlns="" id="{06A315DB-4024-48C8-B349-F48026F6AD10}"/>
+                <a16:creationId xmlns="" xmlns:a16="http://schemas.microsoft.com/office/drawing/2014/main" id="{06A315DB-4024-48C8-B349-F48026F6AD10}"/>
               </a:ext>
             </a:extLst>
           </p:cNvPr>
@@ -391,7 +391,7 @@
           <p:cNvPr id="3" name="Vertical Text Placeholder 2">
             <a:extLst>
               <a:ext uri="{FF2B5EF4-FFF2-40B4-BE49-F238E27FC236}">
-                <a16:creationId xmlns:a16="http://schemas.microsoft.com/office/drawing/2014/main" xmlns="" id="{FF8D28EE-11CE-4B08-B84B-98ADFC1E5008}"/>
+                <a16:creationId xmlns="" xmlns:a16="http://schemas.microsoft.com/office/drawing/2014/main" id="{FF8D28EE-11CE-4B08-B84B-98ADFC1E5008}"/>
               </a:ext>
             </a:extLst>
           </p:cNvPr>
@@ -449,7 +449,7 @@
           <p:cNvPr id="4" name="Date Placeholder 3">
             <a:extLst>
               <a:ext uri="{FF2B5EF4-FFF2-40B4-BE49-F238E27FC236}">
-                <a16:creationId xmlns:a16="http://schemas.microsoft.com/office/drawing/2014/main" xmlns="" id="{E72F1DD1-A6AC-43F3-87BA-95AAD5B209FB}"/>
+                <a16:creationId xmlns="" xmlns:a16="http://schemas.microsoft.com/office/drawing/2014/main" id="{E72F1DD1-A6AC-43F3-87BA-95AAD5B209FB}"/>
               </a:ext>
             </a:extLst>
           </p:cNvPr>
@@ -478,7 +478,7 @@
           <p:cNvPr id="5" name="Footer Placeholder 4">
             <a:extLst>
               <a:ext uri="{FF2B5EF4-FFF2-40B4-BE49-F238E27FC236}">
-                <a16:creationId xmlns:a16="http://schemas.microsoft.com/office/drawing/2014/main" xmlns="" id="{740EE227-4F69-4DBE-BDC9-810C17C73DE6}"/>
+                <a16:creationId xmlns="" xmlns:a16="http://schemas.microsoft.com/office/drawing/2014/main" id="{740EE227-4F69-4DBE-BDC9-810C17C73DE6}"/>
               </a:ext>
             </a:extLst>
           </p:cNvPr>
@@ -503,7 +503,7 @@
           <p:cNvPr id="6" name="Slide Number Placeholder 5">
             <a:extLst>
               <a:ext uri="{FF2B5EF4-FFF2-40B4-BE49-F238E27FC236}">
-                <a16:creationId xmlns:a16="http://schemas.microsoft.com/office/drawing/2014/main" xmlns="" id="{16036940-EAF5-4597-BEE4-B06439E55485}"/>
+                <a16:creationId xmlns="" xmlns:a16="http://schemas.microsoft.com/office/drawing/2014/main" id="{16036940-EAF5-4597-BEE4-B06439E55485}"/>
               </a:ext>
             </a:extLst>
           </p:cNvPr>
@@ -562,7 +562,7 @@
           <p:cNvPr id="2" name="Vertical Title 1">
             <a:extLst>
               <a:ext uri="{FF2B5EF4-FFF2-40B4-BE49-F238E27FC236}">
-                <a16:creationId xmlns:a16="http://schemas.microsoft.com/office/drawing/2014/main" xmlns="" id="{EA661526-3130-4C9E-94F5-12A04FAD6220}"/>
+                <a16:creationId xmlns="" xmlns:a16="http://schemas.microsoft.com/office/drawing/2014/main" id="{EA661526-3130-4C9E-94F5-12A04FAD6220}"/>
               </a:ext>
             </a:extLst>
           </p:cNvPr>
@@ -596,7 +596,7 @@
           <p:cNvPr id="3" name="Vertical Text Placeholder 2">
             <a:extLst>
               <a:ext uri="{FF2B5EF4-FFF2-40B4-BE49-F238E27FC236}">
-                <a16:creationId xmlns:a16="http://schemas.microsoft.com/office/drawing/2014/main" xmlns="" id="{6DDF12FA-54A8-4CCB-97BB-3CF552584182}"/>
+                <a16:creationId xmlns="" xmlns:a16="http://schemas.microsoft.com/office/drawing/2014/main" id="{6DDF12FA-54A8-4CCB-97BB-3CF552584182}"/>
               </a:ext>
             </a:extLst>
           </p:cNvPr>
@@ -659,7 +659,7 @@
           <p:cNvPr id="4" name="Date Placeholder 3">
             <a:extLst>
               <a:ext uri="{FF2B5EF4-FFF2-40B4-BE49-F238E27FC236}">
-                <a16:creationId xmlns:a16="http://schemas.microsoft.com/office/drawing/2014/main" xmlns="" id="{4B6153F9-E203-45FE-9378-2ABF6EB6EB0A}"/>
+                <a16:creationId xmlns="" xmlns:a16="http://schemas.microsoft.com/office/drawing/2014/main" id="{4B6153F9-E203-45FE-9378-2ABF6EB6EB0A}"/>
               </a:ext>
             </a:extLst>
           </p:cNvPr>
@@ -688,7 +688,7 @@
           <p:cNvPr id="5" name="Footer Placeholder 4">
             <a:extLst>
               <a:ext uri="{FF2B5EF4-FFF2-40B4-BE49-F238E27FC236}">
-                <a16:creationId xmlns:a16="http://schemas.microsoft.com/office/drawing/2014/main" xmlns="" id="{72204219-2ED4-40DC-AE4A-4F2A60DDD09E}"/>
+                <a16:creationId xmlns="" xmlns:a16="http://schemas.microsoft.com/office/drawing/2014/main" id="{72204219-2ED4-40DC-AE4A-4F2A60DDD09E}"/>
               </a:ext>
             </a:extLst>
           </p:cNvPr>
@@ -713,7 +713,7 @@
           <p:cNvPr id="6" name="Slide Number Placeholder 5">
             <a:extLst>
               <a:ext uri="{FF2B5EF4-FFF2-40B4-BE49-F238E27FC236}">
-                <a16:creationId xmlns:a16="http://schemas.microsoft.com/office/drawing/2014/main" xmlns="" id="{04D56741-3413-4B32-9C9F-9598499F6635}"/>
+                <a16:creationId xmlns="" xmlns:a16="http://schemas.microsoft.com/office/drawing/2014/main" id="{04D56741-3413-4B32-9C9F-9598499F6635}"/>
               </a:ext>
             </a:extLst>
           </p:cNvPr>
@@ -772,7 +772,7 @@
           <p:cNvPr id="2" name="Title 1">
             <a:extLst>
               <a:ext uri="{FF2B5EF4-FFF2-40B4-BE49-F238E27FC236}">
-                <a16:creationId xmlns:a16="http://schemas.microsoft.com/office/drawing/2014/main" xmlns="" id="{96EB6FF2-3F2F-4DFF-8657-BC83B3910B59}"/>
+                <a16:creationId xmlns="" xmlns:a16="http://schemas.microsoft.com/office/drawing/2014/main" id="{96EB6FF2-3F2F-4DFF-8657-BC83B3910B59}"/>
               </a:ext>
             </a:extLst>
           </p:cNvPr>
@@ -801,7 +801,7 @@
           <p:cNvPr id="3" name="Content Placeholder 2">
             <a:extLst>
               <a:ext uri="{FF2B5EF4-FFF2-40B4-BE49-F238E27FC236}">
-                <a16:creationId xmlns:a16="http://schemas.microsoft.com/office/drawing/2014/main" xmlns="" id="{EF7B8A13-8F7F-44E2-B208-E58170F42B2A}"/>
+                <a16:creationId xmlns="" xmlns:a16="http://schemas.microsoft.com/office/drawing/2014/main" id="{EF7B8A13-8F7F-44E2-B208-E58170F42B2A}"/>
               </a:ext>
             </a:extLst>
           </p:cNvPr>
@@ -859,7 +859,7 @@
           <p:cNvPr id="4" name="Date Placeholder 3">
             <a:extLst>
               <a:ext uri="{FF2B5EF4-FFF2-40B4-BE49-F238E27FC236}">
-                <a16:creationId xmlns:a16="http://schemas.microsoft.com/office/drawing/2014/main" xmlns="" id="{501158CC-5D9C-4801-8DF9-D20CFDB7218B}"/>
+                <a16:creationId xmlns="" xmlns:a16="http://schemas.microsoft.com/office/drawing/2014/main" id="{501158CC-5D9C-4801-8DF9-D20CFDB7218B}"/>
               </a:ext>
             </a:extLst>
           </p:cNvPr>
@@ -888,7 +888,7 @@
           <p:cNvPr id="5" name="Footer Placeholder 4">
             <a:extLst>
               <a:ext uri="{FF2B5EF4-FFF2-40B4-BE49-F238E27FC236}">
-                <a16:creationId xmlns:a16="http://schemas.microsoft.com/office/drawing/2014/main" xmlns="" id="{1957CBEA-4C92-45FC-8162-217E4E4CC34F}"/>
+                <a16:creationId xmlns="" xmlns:a16="http://schemas.microsoft.com/office/drawing/2014/main" id="{1957CBEA-4C92-45FC-8162-217E4E4CC34F}"/>
               </a:ext>
             </a:extLst>
           </p:cNvPr>
@@ -913,7 +913,7 @@
           <p:cNvPr id="6" name="Slide Number Placeholder 5">
             <a:extLst>
               <a:ext uri="{FF2B5EF4-FFF2-40B4-BE49-F238E27FC236}">
-                <a16:creationId xmlns:a16="http://schemas.microsoft.com/office/drawing/2014/main" xmlns="" id="{D0ED0D88-FBC6-432D-8A0F-2C31E705FC26}"/>
+                <a16:creationId xmlns="" xmlns:a16="http://schemas.microsoft.com/office/drawing/2014/main" id="{D0ED0D88-FBC6-432D-8A0F-2C31E705FC26}"/>
               </a:ext>
             </a:extLst>
           </p:cNvPr>
@@ -972,7 +972,7 @@
           <p:cNvPr id="2" name="Title 1">
             <a:extLst>
               <a:ext uri="{FF2B5EF4-FFF2-40B4-BE49-F238E27FC236}">
-                <a16:creationId xmlns:a16="http://schemas.microsoft.com/office/drawing/2014/main" xmlns="" id="{C2A20DED-8E8D-4CF9-BC44-17C72E525943}"/>
+                <a16:creationId xmlns="" xmlns:a16="http://schemas.microsoft.com/office/drawing/2014/main" id="{C2A20DED-8E8D-4CF9-BC44-17C72E525943}"/>
               </a:ext>
             </a:extLst>
           </p:cNvPr>
@@ -1010,7 +1010,7 @@
           <p:cNvPr id="3" name="Text Placeholder 2">
             <a:extLst>
               <a:ext uri="{FF2B5EF4-FFF2-40B4-BE49-F238E27FC236}">
-                <a16:creationId xmlns:a16="http://schemas.microsoft.com/office/drawing/2014/main" xmlns="" id="{76E84E4A-8D8F-4BCA-8033-AE73BDCC0D1D}"/>
+                <a16:creationId xmlns="" xmlns:a16="http://schemas.microsoft.com/office/drawing/2014/main" id="{76E84E4A-8D8F-4BCA-8033-AE73BDCC0D1D}"/>
               </a:ext>
             </a:extLst>
           </p:cNvPr>
@@ -1135,7 +1135,7 @@
           <p:cNvPr id="4" name="Date Placeholder 3">
             <a:extLst>
               <a:ext uri="{FF2B5EF4-FFF2-40B4-BE49-F238E27FC236}">
-                <a16:creationId xmlns:a16="http://schemas.microsoft.com/office/drawing/2014/main" xmlns="" id="{B99DD5EA-3604-4547-9BE5-32326D2ECA07}"/>
+                <a16:creationId xmlns="" xmlns:a16="http://schemas.microsoft.com/office/drawing/2014/main" id="{B99DD5EA-3604-4547-9BE5-32326D2ECA07}"/>
               </a:ext>
             </a:extLst>
           </p:cNvPr>
@@ -1164,7 +1164,7 @@
           <p:cNvPr id="5" name="Footer Placeholder 4">
             <a:extLst>
               <a:ext uri="{FF2B5EF4-FFF2-40B4-BE49-F238E27FC236}">
-                <a16:creationId xmlns:a16="http://schemas.microsoft.com/office/drawing/2014/main" xmlns="" id="{C46DB490-1983-431D-9FB7-FCF305A16275}"/>
+                <a16:creationId xmlns="" xmlns:a16="http://schemas.microsoft.com/office/drawing/2014/main" id="{C46DB490-1983-431D-9FB7-FCF305A16275}"/>
               </a:ext>
             </a:extLst>
           </p:cNvPr>
@@ -1189,7 +1189,7 @@
           <p:cNvPr id="6" name="Slide Number Placeholder 5">
             <a:extLst>
               <a:ext uri="{FF2B5EF4-FFF2-40B4-BE49-F238E27FC236}">
-                <a16:creationId xmlns:a16="http://schemas.microsoft.com/office/drawing/2014/main" xmlns="" id="{8F679E95-F416-4FFF-9E8B-9847B445A019}"/>
+                <a16:creationId xmlns="" xmlns:a16="http://schemas.microsoft.com/office/drawing/2014/main" id="{8F679E95-F416-4FFF-9E8B-9847B445A019}"/>
               </a:ext>
             </a:extLst>
           </p:cNvPr>
@@ -1248,7 +1248,7 @@
           <p:cNvPr id="2" name="Title 1">
             <a:extLst>
               <a:ext uri="{FF2B5EF4-FFF2-40B4-BE49-F238E27FC236}">
-                <a16:creationId xmlns:a16="http://schemas.microsoft.com/office/drawing/2014/main" xmlns="" id="{6548522F-3A4C-41D7-9BFB-D33ACC3BCAF8}"/>
+                <a16:creationId xmlns="" xmlns:a16="http://schemas.microsoft.com/office/drawing/2014/main" id="{6548522F-3A4C-41D7-9BFB-D33ACC3BCAF8}"/>
               </a:ext>
             </a:extLst>
           </p:cNvPr>
@@ -1277,7 +1277,7 @@
           <p:cNvPr id="3" name="Content Placeholder 2">
             <a:extLst>
               <a:ext uri="{FF2B5EF4-FFF2-40B4-BE49-F238E27FC236}">
-                <a16:creationId xmlns:a16="http://schemas.microsoft.com/office/drawing/2014/main" xmlns="" id="{CB0AA125-CD84-4A6C-AAD7-A79840DAAAE2}"/>
+                <a16:creationId xmlns="" xmlns:a16="http://schemas.microsoft.com/office/drawing/2014/main" id="{CB0AA125-CD84-4A6C-AAD7-A79840DAAAE2}"/>
               </a:ext>
             </a:extLst>
           </p:cNvPr>
@@ -1340,7 +1340,7 @@
           <p:cNvPr id="4" name="Content Placeholder 3">
             <a:extLst>
               <a:ext uri="{FF2B5EF4-FFF2-40B4-BE49-F238E27FC236}">
-                <a16:creationId xmlns:a16="http://schemas.microsoft.com/office/drawing/2014/main" xmlns="" id="{A3EEBEF7-BFA1-4196-9B60-FB0963016C88}"/>
+                <a16:creationId xmlns="" xmlns:a16="http://schemas.microsoft.com/office/drawing/2014/main" id="{A3EEBEF7-BFA1-4196-9B60-FB0963016C88}"/>
               </a:ext>
             </a:extLst>
           </p:cNvPr>
@@ -1403,7 +1403,7 @@
           <p:cNvPr id="5" name="Date Placeholder 4">
             <a:extLst>
               <a:ext uri="{FF2B5EF4-FFF2-40B4-BE49-F238E27FC236}">
-                <a16:creationId xmlns:a16="http://schemas.microsoft.com/office/drawing/2014/main" xmlns="" id="{BC3D822E-4432-425F-8C99-5C8FF9775A26}"/>
+                <a16:creationId xmlns="" xmlns:a16="http://schemas.microsoft.com/office/drawing/2014/main" id="{BC3D822E-4432-425F-8C99-5C8FF9775A26}"/>
               </a:ext>
             </a:extLst>
           </p:cNvPr>
@@ -1432,7 +1432,7 @@
           <p:cNvPr id="6" name="Footer Placeholder 5">
             <a:extLst>
               <a:ext uri="{FF2B5EF4-FFF2-40B4-BE49-F238E27FC236}">
-                <a16:creationId xmlns:a16="http://schemas.microsoft.com/office/drawing/2014/main" xmlns="" id="{3410102A-9EB8-4219-9813-F1F37883ED9A}"/>
+                <a16:creationId xmlns="" xmlns:a16="http://schemas.microsoft.com/office/drawing/2014/main" id="{3410102A-9EB8-4219-9813-F1F37883ED9A}"/>
               </a:ext>
             </a:extLst>
           </p:cNvPr>
@@ -1457,7 +1457,7 @@
           <p:cNvPr id="7" name="Slide Number Placeholder 6">
             <a:extLst>
               <a:ext uri="{FF2B5EF4-FFF2-40B4-BE49-F238E27FC236}">
-                <a16:creationId xmlns:a16="http://schemas.microsoft.com/office/drawing/2014/main" xmlns="" id="{BB10245A-A5EF-462E-97AA-DED6894471FE}"/>
+                <a16:creationId xmlns="" xmlns:a16="http://schemas.microsoft.com/office/drawing/2014/main" id="{BB10245A-A5EF-462E-97AA-DED6894471FE}"/>
               </a:ext>
             </a:extLst>
           </p:cNvPr>
@@ -1516,7 +1516,7 @@
           <p:cNvPr id="2" name="Title 1">
             <a:extLst>
               <a:ext uri="{FF2B5EF4-FFF2-40B4-BE49-F238E27FC236}">
-                <a16:creationId xmlns:a16="http://schemas.microsoft.com/office/drawing/2014/main" xmlns="" id="{D6C93ACF-5E77-45EC-AC7F-230436A324AA}"/>
+                <a16:creationId xmlns="" xmlns:a16="http://schemas.microsoft.com/office/drawing/2014/main" id="{D6C93ACF-5E77-45EC-AC7F-230436A324AA}"/>
               </a:ext>
             </a:extLst>
           </p:cNvPr>
@@ -1550,7 +1550,7 @@
           <p:cNvPr id="3" name="Text Placeholder 2">
             <a:extLst>
               <a:ext uri="{FF2B5EF4-FFF2-40B4-BE49-F238E27FC236}">
-                <a16:creationId xmlns:a16="http://schemas.microsoft.com/office/drawing/2014/main" xmlns="" id="{3B2BC883-E05D-44E7-A3EF-58AF5A8F72BE}"/>
+                <a16:creationId xmlns="" xmlns:a16="http://schemas.microsoft.com/office/drawing/2014/main" id="{3B2BC883-E05D-44E7-A3EF-58AF5A8F72BE}"/>
               </a:ext>
             </a:extLst>
           </p:cNvPr>
@@ -1621,7 +1621,7 @@
           <p:cNvPr id="4" name="Content Placeholder 3">
             <a:extLst>
               <a:ext uri="{FF2B5EF4-FFF2-40B4-BE49-F238E27FC236}">
-                <a16:creationId xmlns:a16="http://schemas.microsoft.com/office/drawing/2014/main" xmlns="" id="{5021B19E-977D-4455-8587-11FBF550E6C1}"/>
+                <a16:creationId xmlns="" xmlns:a16="http://schemas.microsoft.com/office/drawing/2014/main" id="{5021B19E-977D-4455-8587-11FBF550E6C1}"/>
               </a:ext>
             </a:extLst>
           </p:cNvPr>
@@ -1684,7 +1684,7 @@
           <p:cNvPr id="5" name="Text Placeholder 4">
             <a:extLst>
               <a:ext uri="{FF2B5EF4-FFF2-40B4-BE49-F238E27FC236}">
-                <a16:creationId xmlns:a16="http://schemas.microsoft.com/office/drawing/2014/main" xmlns="" id="{FAD899BC-A8CD-425A-B7BD-34A942813933}"/>
+                <a16:creationId xmlns="" xmlns:a16="http://schemas.microsoft.com/office/drawing/2014/main" id="{FAD899BC-A8CD-425A-B7BD-34A942813933}"/>
               </a:ext>
             </a:extLst>
           </p:cNvPr>
@@ -1755,7 +1755,7 @@
           <p:cNvPr id="6" name="Content Placeholder 5">
             <a:extLst>
               <a:ext uri="{FF2B5EF4-FFF2-40B4-BE49-F238E27FC236}">
-                <a16:creationId xmlns:a16="http://schemas.microsoft.com/office/drawing/2014/main" xmlns="" id="{B1396792-F863-473D-A48B-D895B120F476}"/>
+                <a16:creationId xmlns="" xmlns:a16="http://schemas.microsoft.com/office/drawing/2014/main" id="{B1396792-F863-473D-A48B-D895B120F476}"/>
               </a:ext>
             </a:extLst>
           </p:cNvPr>
@@ -1818,7 +1818,7 @@
           <p:cNvPr id="7" name="Date Placeholder 6">
             <a:extLst>
               <a:ext uri="{FF2B5EF4-FFF2-40B4-BE49-F238E27FC236}">
-                <a16:creationId xmlns:a16="http://schemas.microsoft.com/office/drawing/2014/main" xmlns="" id="{245DDF5A-10DE-43EF-BE44-61F7EA0ACBB6}"/>
+                <a16:creationId xmlns="" xmlns:a16="http://schemas.microsoft.com/office/drawing/2014/main" id="{245DDF5A-10DE-43EF-BE44-61F7EA0ACBB6}"/>
               </a:ext>
             </a:extLst>
           </p:cNvPr>
@@ -1847,7 +1847,7 @@
           <p:cNvPr id="8" name="Footer Placeholder 7">
             <a:extLst>
               <a:ext uri="{FF2B5EF4-FFF2-40B4-BE49-F238E27FC236}">
-                <a16:creationId xmlns:a16="http://schemas.microsoft.com/office/drawing/2014/main" xmlns="" id="{0D24C903-D5E4-445E-ACEF-D4601D9F09DC}"/>
+                <a16:creationId xmlns="" xmlns:a16="http://schemas.microsoft.com/office/drawing/2014/main" id="{0D24C903-D5E4-445E-ACEF-D4601D9F09DC}"/>
               </a:ext>
             </a:extLst>
           </p:cNvPr>
@@ -1872,7 +1872,7 @@
           <p:cNvPr id="9" name="Slide Number Placeholder 8">
             <a:extLst>
               <a:ext uri="{FF2B5EF4-FFF2-40B4-BE49-F238E27FC236}">
-                <a16:creationId xmlns:a16="http://schemas.microsoft.com/office/drawing/2014/main" xmlns="" id="{739BF89A-4AF5-45D2-A3C4-30284BE25A2F}"/>
+                <a16:creationId xmlns="" xmlns:a16="http://schemas.microsoft.com/office/drawing/2014/main" id="{739BF89A-4AF5-45D2-A3C4-30284BE25A2F}"/>
               </a:ext>
             </a:extLst>
           </p:cNvPr>
@@ -1931,7 +1931,7 @@
           <p:cNvPr id="2" name="Title 1">
             <a:extLst>
               <a:ext uri="{FF2B5EF4-FFF2-40B4-BE49-F238E27FC236}">
-                <a16:creationId xmlns:a16="http://schemas.microsoft.com/office/drawing/2014/main" xmlns="" id="{9D3E3C33-21E8-4BC3-BA47-A86E39C4585D}"/>
+                <a16:creationId xmlns="" xmlns:a16="http://schemas.microsoft.com/office/drawing/2014/main" id="{9D3E3C33-21E8-4BC3-BA47-A86E39C4585D}"/>
               </a:ext>
             </a:extLst>
           </p:cNvPr>
@@ -1960,7 +1960,7 @@
           <p:cNvPr id="3" name="Date Placeholder 2">
             <a:extLst>
               <a:ext uri="{FF2B5EF4-FFF2-40B4-BE49-F238E27FC236}">
-                <a16:creationId xmlns:a16="http://schemas.microsoft.com/office/drawing/2014/main" xmlns="" id="{54A921C0-1E30-4CF4-8150-BB0B0BB22B2A}"/>
+                <a16:creationId xmlns="" xmlns:a16="http://schemas.microsoft.com/office/drawing/2014/main" id="{54A921C0-1E30-4CF4-8150-BB0B0BB22B2A}"/>
               </a:ext>
             </a:extLst>
           </p:cNvPr>
@@ -1989,7 +1989,7 @@
           <p:cNvPr id="4" name="Footer Placeholder 3">
             <a:extLst>
               <a:ext uri="{FF2B5EF4-FFF2-40B4-BE49-F238E27FC236}">
-                <a16:creationId xmlns:a16="http://schemas.microsoft.com/office/drawing/2014/main" xmlns="" id="{35F53298-9713-4042-B868-CD56FCCA6CED}"/>
+                <a16:creationId xmlns="" xmlns:a16="http://schemas.microsoft.com/office/drawing/2014/main" id="{35F53298-9713-4042-B868-CD56FCCA6CED}"/>
               </a:ext>
             </a:extLst>
           </p:cNvPr>
@@ -2014,7 +2014,7 @@
           <p:cNvPr id="5" name="Slide Number Placeholder 4">
             <a:extLst>
               <a:ext uri="{FF2B5EF4-FFF2-40B4-BE49-F238E27FC236}">
-                <a16:creationId xmlns:a16="http://schemas.microsoft.com/office/drawing/2014/main" xmlns="" id="{A16523BB-151E-4350-9D98-89A416780831}"/>
+                <a16:creationId xmlns="" xmlns:a16="http://schemas.microsoft.com/office/drawing/2014/main" id="{A16523BB-151E-4350-9D98-89A416780831}"/>
               </a:ext>
             </a:extLst>
           </p:cNvPr>
@@ -2073,7 +2073,7 @@
           <p:cNvPr id="2" name="Date Placeholder 1">
             <a:extLst>
               <a:ext uri="{FF2B5EF4-FFF2-40B4-BE49-F238E27FC236}">
-                <a16:creationId xmlns:a16="http://schemas.microsoft.com/office/drawing/2014/main" xmlns="" id="{58F58F62-076D-4C77-AF9A-B617934ADA83}"/>
+                <a16:creationId xmlns="" xmlns:a16="http://schemas.microsoft.com/office/drawing/2014/main" id="{58F58F62-076D-4C77-AF9A-B617934ADA83}"/>
               </a:ext>
             </a:extLst>
           </p:cNvPr>
@@ -2102,7 +2102,7 @@
           <p:cNvPr id="3" name="Footer Placeholder 2">
             <a:extLst>
               <a:ext uri="{FF2B5EF4-FFF2-40B4-BE49-F238E27FC236}">
-                <a16:creationId xmlns:a16="http://schemas.microsoft.com/office/drawing/2014/main" xmlns="" id="{4CF9AB81-9FDE-46B5-82C7-43CB8E0D65E9}"/>
+                <a16:creationId xmlns="" xmlns:a16="http://schemas.microsoft.com/office/drawing/2014/main" id="{4CF9AB81-9FDE-46B5-82C7-43CB8E0D65E9}"/>
               </a:ext>
             </a:extLst>
           </p:cNvPr>
@@ -2127,7 +2127,7 @@
           <p:cNvPr id="4" name="Slide Number Placeholder 3">
             <a:extLst>
               <a:ext uri="{FF2B5EF4-FFF2-40B4-BE49-F238E27FC236}">
-                <a16:creationId xmlns:a16="http://schemas.microsoft.com/office/drawing/2014/main" xmlns="" id="{64B12FA3-1242-41D8-9D48-80357BAACEE8}"/>
+                <a16:creationId xmlns="" xmlns:a16="http://schemas.microsoft.com/office/drawing/2014/main" id="{64B12FA3-1242-41D8-9D48-80357BAACEE8}"/>
               </a:ext>
             </a:extLst>
           </p:cNvPr>
@@ -2186,7 +2186,7 @@
           <p:cNvPr id="2" name="Title 1">
             <a:extLst>
               <a:ext uri="{FF2B5EF4-FFF2-40B4-BE49-F238E27FC236}">
-                <a16:creationId xmlns:a16="http://schemas.microsoft.com/office/drawing/2014/main" xmlns="" id="{DF8D3861-323B-486B-BBFE-B66DDBCB2FA2}"/>
+                <a16:creationId xmlns="" xmlns:a16="http://schemas.microsoft.com/office/drawing/2014/main" id="{DF8D3861-323B-486B-BBFE-B66DDBCB2FA2}"/>
               </a:ext>
             </a:extLst>
           </p:cNvPr>
@@ -2224,7 +2224,7 @@
           <p:cNvPr id="3" name="Content Placeholder 2">
             <a:extLst>
               <a:ext uri="{FF2B5EF4-FFF2-40B4-BE49-F238E27FC236}">
-                <a16:creationId xmlns:a16="http://schemas.microsoft.com/office/drawing/2014/main" xmlns="" id="{3B6BA449-A233-4218-870F-85A84B77AB52}"/>
+                <a16:creationId xmlns="" xmlns:a16="http://schemas.microsoft.com/office/drawing/2014/main" id="{3B6BA449-A233-4218-870F-85A84B77AB52}"/>
               </a:ext>
             </a:extLst>
           </p:cNvPr>
@@ -2315,7 +2315,7 @@
           <p:cNvPr id="4" name="Text Placeholder 3">
             <a:extLst>
               <a:ext uri="{FF2B5EF4-FFF2-40B4-BE49-F238E27FC236}">
-                <a16:creationId xmlns:a16="http://schemas.microsoft.com/office/drawing/2014/main" xmlns="" id="{9F2BE3ED-AA90-4BC5-BB7A-02198EDD23CF}"/>
+                <a16:creationId xmlns="" xmlns:a16="http://schemas.microsoft.com/office/drawing/2014/main" id="{9F2BE3ED-AA90-4BC5-BB7A-02198EDD23CF}"/>
               </a:ext>
             </a:extLst>
           </p:cNvPr>
@@ -2386,7 +2386,7 @@
           <p:cNvPr id="5" name="Date Placeholder 4">
             <a:extLst>
               <a:ext uri="{FF2B5EF4-FFF2-40B4-BE49-F238E27FC236}">
-                <a16:creationId xmlns:a16="http://schemas.microsoft.com/office/drawing/2014/main" xmlns="" id="{EFFAA063-7CA1-456C-B516-4A0034221A57}"/>
+                <a16:creationId xmlns="" xmlns:a16="http://schemas.microsoft.com/office/drawing/2014/main" id="{EFFAA063-7CA1-456C-B516-4A0034221A57}"/>
               </a:ext>
             </a:extLst>
           </p:cNvPr>
@@ -2415,7 +2415,7 @@
           <p:cNvPr id="6" name="Footer Placeholder 5">
             <a:extLst>
               <a:ext uri="{FF2B5EF4-FFF2-40B4-BE49-F238E27FC236}">
-                <a16:creationId xmlns:a16="http://schemas.microsoft.com/office/drawing/2014/main" xmlns="" id="{880DA7AE-5101-469A-B728-29E2B1BB2EB4}"/>
+                <a16:creationId xmlns="" xmlns:a16="http://schemas.microsoft.com/office/drawing/2014/main" id="{880DA7AE-5101-469A-B728-29E2B1BB2EB4}"/>
               </a:ext>
             </a:extLst>
           </p:cNvPr>
@@ -2440,7 +2440,7 @@
           <p:cNvPr id="7" name="Slide Number Placeholder 6">
             <a:extLst>
               <a:ext uri="{FF2B5EF4-FFF2-40B4-BE49-F238E27FC236}">
-                <a16:creationId xmlns:a16="http://schemas.microsoft.com/office/drawing/2014/main" xmlns="" id="{7EE812E7-EF65-4D98-9D2E-526D74E8777F}"/>
+                <a16:creationId xmlns="" xmlns:a16="http://schemas.microsoft.com/office/drawing/2014/main" id="{7EE812E7-EF65-4D98-9D2E-526D74E8777F}"/>
               </a:ext>
             </a:extLst>
           </p:cNvPr>
@@ -2499,7 +2499,7 @@
           <p:cNvPr id="2" name="Title 1">
             <a:extLst>
               <a:ext uri="{FF2B5EF4-FFF2-40B4-BE49-F238E27FC236}">
-                <a16:creationId xmlns:a16="http://schemas.microsoft.com/office/drawing/2014/main" xmlns="" id="{B41D0BEE-1B16-4D4A-BC64-DC97E3DB706E}"/>
+                <a16:creationId xmlns="" xmlns:a16="http://schemas.microsoft.com/office/drawing/2014/main" id="{B41D0BEE-1B16-4D4A-BC64-DC97E3DB706E}"/>
               </a:ext>
             </a:extLst>
           </p:cNvPr>
@@ -2537,7 +2537,7 @@
           <p:cNvPr id="3" name="Picture Placeholder 2">
             <a:extLst>
               <a:ext uri="{FF2B5EF4-FFF2-40B4-BE49-F238E27FC236}">
-                <a16:creationId xmlns:a16="http://schemas.microsoft.com/office/drawing/2014/main" xmlns="" id="{FD9F3D99-B3F8-47A4-B6AA-C001FEB293C4}"/>
+                <a16:creationId xmlns="" xmlns:a16="http://schemas.microsoft.com/office/drawing/2014/main" id="{FD9F3D99-B3F8-47A4-B6AA-C001FEB293C4}"/>
               </a:ext>
             </a:extLst>
           </p:cNvPr>
@@ -2604,7 +2604,7 @@
           <p:cNvPr id="4" name="Text Placeholder 3">
             <a:extLst>
               <a:ext uri="{FF2B5EF4-FFF2-40B4-BE49-F238E27FC236}">
-                <a16:creationId xmlns:a16="http://schemas.microsoft.com/office/drawing/2014/main" xmlns="" id="{22AB42B7-88B5-4EBC-976B-9FDF8D7810FE}"/>
+                <a16:creationId xmlns="" xmlns:a16="http://schemas.microsoft.com/office/drawing/2014/main" id="{22AB42B7-88B5-4EBC-976B-9FDF8D7810FE}"/>
               </a:ext>
             </a:extLst>
           </p:cNvPr>
@@ -2675,7 +2675,7 @@
           <p:cNvPr id="5" name="Date Placeholder 4">
             <a:extLst>
               <a:ext uri="{FF2B5EF4-FFF2-40B4-BE49-F238E27FC236}">
-                <a16:creationId xmlns:a16="http://schemas.microsoft.com/office/drawing/2014/main" xmlns="" id="{F953E032-C498-49A3-BAF1-F0EDB07E938B}"/>
+                <a16:creationId xmlns="" xmlns:a16="http://schemas.microsoft.com/office/drawing/2014/main" id="{F953E032-C498-49A3-BAF1-F0EDB07E938B}"/>
               </a:ext>
             </a:extLst>
           </p:cNvPr>
@@ -2704,7 +2704,7 @@
           <p:cNvPr id="6" name="Footer Placeholder 5">
             <a:extLst>
               <a:ext uri="{FF2B5EF4-FFF2-40B4-BE49-F238E27FC236}">
-                <a16:creationId xmlns:a16="http://schemas.microsoft.com/office/drawing/2014/main" xmlns="" id="{F5C81726-8572-4EDB-8D46-0D25F13B8627}"/>
+                <a16:creationId xmlns="" xmlns:a16="http://schemas.microsoft.com/office/drawing/2014/main" id="{F5C81726-8572-4EDB-8D46-0D25F13B8627}"/>
               </a:ext>
             </a:extLst>
           </p:cNvPr>
@@ -2729,7 +2729,7 @@
           <p:cNvPr id="7" name="Slide Number Placeholder 6">
             <a:extLst>
               <a:ext uri="{FF2B5EF4-FFF2-40B4-BE49-F238E27FC236}">
-                <a16:creationId xmlns:a16="http://schemas.microsoft.com/office/drawing/2014/main" xmlns="" id="{8DFE81B3-25B6-4BEE-BFDA-8FD48E3DD0E6}"/>
+                <a16:creationId xmlns="" xmlns:a16="http://schemas.microsoft.com/office/drawing/2014/main" id="{8DFE81B3-25B6-4BEE-BFDA-8FD48E3DD0E6}"/>
               </a:ext>
             </a:extLst>
           </p:cNvPr>
@@ -2793,7 +2793,7 @@
           <p:cNvPr id="2" name="Title Placeholder 1">
             <a:extLst>
               <a:ext uri="{FF2B5EF4-FFF2-40B4-BE49-F238E27FC236}">
-                <a16:creationId xmlns:a16="http://schemas.microsoft.com/office/drawing/2014/main" xmlns="" id="{3F7229D5-FDC9-4297-BC80-CD2C743865EA}"/>
+                <a16:creationId xmlns="" xmlns:a16="http://schemas.microsoft.com/office/drawing/2014/main" id="{3F7229D5-FDC9-4297-BC80-CD2C743865EA}"/>
               </a:ext>
             </a:extLst>
           </p:cNvPr>
@@ -2832,7 +2832,7 @@
           <p:cNvPr id="3" name="Text Placeholder 2">
             <a:extLst>
               <a:ext uri="{FF2B5EF4-FFF2-40B4-BE49-F238E27FC236}">
-                <a16:creationId xmlns:a16="http://schemas.microsoft.com/office/drawing/2014/main" xmlns="" id="{622C1C83-8F49-4701-869C-5B44C7B65580}"/>
+                <a16:creationId xmlns="" xmlns:a16="http://schemas.microsoft.com/office/drawing/2014/main" id="{622C1C83-8F49-4701-869C-5B44C7B65580}"/>
               </a:ext>
             </a:extLst>
           </p:cNvPr>
@@ -2900,7 +2900,7 @@
           <p:cNvPr id="4" name="Date Placeholder 3">
             <a:extLst>
               <a:ext uri="{FF2B5EF4-FFF2-40B4-BE49-F238E27FC236}">
-                <a16:creationId xmlns:a16="http://schemas.microsoft.com/office/drawing/2014/main" xmlns="" id="{4C89CE84-15EE-4129-86FF-346603E82E90}"/>
+                <a16:creationId xmlns="" xmlns:a16="http://schemas.microsoft.com/office/drawing/2014/main" id="{4C89CE84-15EE-4129-86FF-346603E82E90}"/>
               </a:ext>
             </a:extLst>
           </p:cNvPr>
@@ -2947,7 +2947,7 @@
           <p:cNvPr id="5" name="Footer Placeholder 4">
             <a:extLst>
               <a:ext uri="{FF2B5EF4-FFF2-40B4-BE49-F238E27FC236}">
-                <a16:creationId xmlns:a16="http://schemas.microsoft.com/office/drawing/2014/main" xmlns="" id="{FFC3EAE1-962C-413C-BA1C-A8DFA49F00DC}"/>
+                <a16:creationId xmlns="" xmlns:a16="http://schemas.microsoft.com/office/drawing/2014/main" id="{FFC3EAE1-962C-413C-BA1C-A8DFA49F00DC}"/>
               </a:ext>
             </a:extLst>
           </p:cNvPr>
@@ -2990,7 +2990,7 @@
           <p:cNvPr id="6" name="Slide Number Placeholder 5">
             <a:extLst>
               <a:ext uri="{FF2B5EF4-FFF2-40B4-BE49-F238E27FC236}">
-                <a16:creationId xmlns:a16="http://schemas.microsoft.com/office/drawing/2014/main" xmlns="" id="{3267EAB3-7878-430C-9088-CC100E59BB5C}"/>
+                <a16:creationId xmlns="" xmlns:a16="http://schemas.microsoft.com/office/drawing/2014/main" id="{3267EAB3-7878-430C-9088-CC100E59BB5C}"/>
               </a:ext>
             </a:extLst>
           </p:cNvPr>
@@ -3358,7 +3358,7 @@
           <p:cNvPr id="4" name="Table 3">
             <a:extLst>
               <a:ext uri="{FF2B5EF4-FFF2-40B4-BE49-F238E27FC236}">
-                <a16:creationId xmlns:a16="http://schemas.microsoft.com/office/drawing/2014/main" xmlns="" id="{8BB52693-EB85-4957-A121-2A6047A4C7A5}"/>
+                <a16:creationId xmlns="" xmlns:a16="http://schemas.microsoft.com/office/drawing/2014/main" id="{8BB52693-EB85-4957-A121-2A6047A4C7A5}"/>
               </a:ext>
             </a:extLst>
           </p:cNvPr>
@@ -3368,14 +3368,14 @@
           <p:nvPr>
             <p:extLst>
               <p:ext uri="{D42A27DB-BD31-4B8C-83A1-F6EECF244321}">
-                <p14:modId xmlns:p14="http://schemas.microsoft.com/office/powerpoint/2010/main" val="1355813674"/>
+                <p14:modId xmlns:p14="http://schemas.microsoft.com/office/powerpoint/2010/main" val="792093788"/>
               </p:ext>
             </p:extLst>
           </p:nvPr>
         </p:nvGraphicFramePr>
         <p:xfrm>
-          <a:off x="1835045" y="382042"/>
-          <a:ext cx="9051006" cy="2494280"/>
+          <a:off x="1373547" y="94346"/>
+          <a:ext cx="9051010" cy="2768600"/>
         </p:xfrm>
         <a:graphic>
           <a:graphicData uri="http://schemas.openxmlformats.org/drawingml/2006/table">
@@ -3384,42 +3384,46 @@
                 <a:tableStyleId>{5C22544A-7EE6-4342-B048-85BDC9FD1C3A}</a:tableStyleId>
               </a:tblPr>
               <a:tblGrid>
-                <a:gridCol w="1508501">
+                <a:gridCol w="905101">
                   <a:extLst>
                     <a:ext uri="{9D8B030D-6E8A-4147-A177-3AD203B41FA5}">
-                      <a16:colId xmlns:a16="http://schemas.microsoft.com/office/drawing/2014/main" xmlns="" val="1664445441"/>
+                      <a16:colId xmlns="" xmlns:a16="http://schemas.microsoft.com/office/drawing/2014/main" val="1664445441"/>
                     </a:ext>
                   </a:extLst>
                 </a:gridCol>
-                <a:gridCol w="1508501">
+                <a:gridCol w="905101"/>
+                <a:gridCol w="905101"/>
+                <a:gridCol w="905101"/>
+                <a:gridCol w="905101"/>
+                <a:gridCol w="905101">
                   <a:extLst>
                     <a:ext uri="{9D8B030D-6E8A-4147-A177-3AD203B41FA5}">
-                      <a16:colId xmlns:a16="http://schemas.microsoft.com/office/drawing/2014/main" xmlns="" val="3333785392"/>
+                      <a16:colId xmlns="" xmlns:a16="http://schemas.microsoft.com/office/drawing/2014/main" val="3333785392"/>
                     </a:ext>
                   </a:extLst>
                 </a:gridCol>
-                <a:gridCol w="1508501">
+                <a:gridCol w="905101">
                   <a:extLst>
                     <a:ext uri="{9D8B030D-6E8A-4147-A177-3AD203B41FA5}">
-                      <a16:colId xmlns:a16="http://schemas.microsoft.com/office/drawing/2014/main" xmlns="" val="1914252979"/>
+                      <a16:colId xmlns="" xmlns:a16="http://schemas.microsoft.com/office/drawing/2014/main" val="1914252979"/>
                     </a:ext>
                   </a:extLst>
                 </a:gridCol>
-                <a:gridCol w="1508501">
+                <a:gridCol w="905101">
                   <a:extLst>
                     <a:ext uri="{9D8B030D-6E8A-4147-A177-3AD203B41FA5}">
-                      <a16:colId xmlns:a16="http://schemas.microsoft.com/office/drawing/2014/main" xmlns="" val="3182484665"/>
+                      <a16:colId xmlns="" xmlns:a16="http://schemas.microsoft.com/office/drawing/2014/main" val="3182484665"/>
                     </a:ext>
                   </a:extLst>
                 </a:gridCol>
-                <a:gridCol w="1508501">
+                <a:gridCol w="905101">
                   <a:extLst>
                     <a:ext uri="{9D8B030D-6E8A-4147-A177-3AD203B41FA5}">
-                      <a16:colId xmlns:a16="http://schemas.microsoft.com/office/drawing/2014/main" xmlns="" val="2323710027"/>
+                      <a16:colId xmlns="" xmlns:a16="http://schemas.microsoft.com/office/drawing/2014/main" val="2323710027"/>
                     </a:ext>
                   </a:extLst>
                 </a:gridCol>
-                <a:gridCol w="1508501"/>
+                <a:gridCol w="905101"/>
               </a:tblGrid>
               <a:tr h="370840">
                 <a:tc>
@@ -3432,6 +3436,62 @@
                         <a:t>Id</a:t>
                       </a:r>
                       <a:endParaRPr lang="es-MX" sz="1400" i="1" dirty="0"/>
+                    </a:p>
+                  </a:txBody>
+                  <a:tcPr/>
+                </a:tc>
+                <a:tc>
+                  <a:txBody>
+                    <a:bodyPr/>
+                    <a:lstStyle/>
+                    <a:p>
+                      <a:r>
+                        <a:rPr lang="es-MX" sz="1400" i="0" dirty="0" smtClean="0"/>
+                        <a:t>Usuario</a:t>
+                      </a:r>
+                      <a:endParaRPr lang="es-MX" sz="1400" i="0" dirty="0"/>
+                    </a:p>
+                  </a:txBody>
+                  <a:tcPr/>
+                </a:tc>
+                <a:tc>
+                  <a:txBody>
+                    <a:bodyPr/>
+                    <a:lstStyle/>
+                    <a:p>
+                      <a:r>
+                        <a:rPr lang="es-MX" sz="1400" i="0" dirty="0" smtClean="0"/>
+                        <a:t>Contraseña</a:t>
+                      </a:r>
+                      <a:endParaRPr lang="es-MX" sz="1400" i="0" dirty="0"/>
+                    </a:p>
+                  </a:txBody>
+                  <a:tcPr/>
+                </a:tc>
+                <a:tc>
+                  <a:txBody>
+                    <a:bodyPr/>
+                    <a:lstStyle/>
+                    <a:p>
+                      <a:r>
+                        <a:rPr lang="es-MX" sz="1400" i="0" dirty="0" smtClean="0"/>
+                        <a:t>Email</a:t>
+                      </a:r>
+                      <a:endParaRPr lang="es-MX" sz="1400" i="0" dirty="0"/>
+                    </a:p>
+                  </a:txBody>
+                  <a:tcPr/>
+                </a:tc>
+                <a:tc>
+                  <a:txBody>
+                    <a:bodyPr/>
+                    <a:lstStyle/>
+                    <a:p>
+                      <a:r>
+                        <a:rPr lang="es-MX" sz="1400" i="0" dirty="0" smtClean="0"/>
+                        <a:t>Padecimientos</a:t>
+                      </a:r>
+                      <a:endParaRPr lang="es-MX" sz="1400" i="0" dirty="0"/>
                     </a:p>
                   </a:txBody>
                   <a:tcPr/>
@@ -3472,9 +3532,10 @@
                         <a:defRPr/>
                       </a:pPr>
                       <a:r>
-                        <a:rPr lang="es-MX" dirty="0"/>
-                        <a:t>Edad</a:t>
+                        <a:rPr lang="es-MX" dirty="0" smtClean="0"/>
+                        <a:t>Nacimiento</a:t>
                       </a:r>
+                      <a:endParaRPr lang="es-MX" dirty="0"/>
                     </a:p>
                     <a:p>
                       <a:endParaRPr lang="es-MX" dirty="0"/>
@@ -3525,7 +3586,7 @@
                 </a:tc>
                 <a:extLst>
                   <a:ext uri="{0D108BD9-81ED-4DB2-BD59-A6C34878D82A}">
-                    <a16:rowId xmlns:a16="http://schemas.microsoft.com/office/drawing/2014/main" xmlns="" val="3085137175"/>
+                    <a16:rowId xmlns="" xmlns:a16="http://schemas.microsoft.com/office/drawing/2014/main" val="3085137175"/>
                   </a:ext>
                 </a:extLst>
               </a:tr>
@@ -3590,9 +3651,49 @@
                   </a:txBody>
                   <a:tcPr/>
                 </a:tc>
+                <a:tc>
+                  <a:txBody>
+                    <a:bodyPr/>
+                    <a:lstStyle/>
+                    <a:p>
+                      <a:endParaRPr lang="es-MX" dirty="0"/>
+                    </a:p>
+                  </a:txBody>
+                  <a:tcPr/>
+                </a:tc>
+                <a:tc>
+                  <a:txBody>
+                    <a:bodyPr/>
+                    <a:lstStyle/>
+                    <a:p>
+                      <a:endParaRPr lang="es-MX" dirty="0"/>
+                    </a:p>
+                  </a:txBody>
+                  <a:tcPr/>
+                </a:tc>
+                <a:tc>
+                  <a:txBody>
+                    <a:bodyPr/>
+                    <a:lstStyle/>
+                    <a:p>
+                      <a:endParaRPr lang="es-MX" dirty="0"/>
+                    </a:p>
+                  </a:txBody>
+                  <a:tcPr/>
+                </a:tc>
+                <a:tc>
+                  <a:txBody>
+                    <a:bodyPr/>
+                    <a:lstStyle/>
+                    <a:p>
+                      <a:endParaRPr lang="es-MX" dirty="0"/>
+                    </a:p>
+                  </a:txBody>
+                  <a:tcPr/>
+                </a:tc>
                 <a:extLst>
                   <a:ext uri="{0D108BD9-81ED-4DB2-BD59-A6C34878D82A}">
-                    <a16:rowId xmlns:a16="http://schemas.microsoft.com/office/drawing/2014/main" xmlns="" val="1293827180"/>
+                    <a16:rowId xmlns="" xmlns:a16="http://schemas.microsoft.com/office/drawing/2014/main" val="1293827180"/>
                   </a:ext>
                 </a:extLst>
               </a:tr>
@@ -3612,6 +3713,46 @@
                     <a:bodyPr/>
                     <a:lstStyle/>
                     <a:p>
+                      <a:endParaRPr lang="es-MX"/>
+                    </a:p>
+                  </a:txBody>
+                  <a:tcPr/>
+                </a:tc>
+                <a:tc>
+                  <a:txBody>
+                    <a:bodyPr/>
+                    <a:lstStyle/>
+                    <a:p>
+                      <a:endParaRPr lang="es-MX"/>
+                    </a:p>
+                  </a:txBody>
+                  <a:tcPr/>
+                </a:tc>
+                <a:tc>
+                  <a:txBody>
+                    <a:bodyPr/>
+                    <a:lstStyle/>
+                    <a:p>
+                      <a:endParaRPr lang="es-MX"/>
+                    </a:p>
+                  </a:txBody>
+                  <a:tcPr/>
+                </a:tc>
+                <a:tc>
+                  <a:txBody>
+                    <a:bodyPr/>
+                    <a:lstStyle/>
+                    <a:p>
+                      <a:endParaRPr lang="es-MX"/>
+                    </a:p>
+                  </a:txBody>
+                  <a:tcPr/>
+                </a:tc>
+                <a:tc>
+                  <a:txBody>
+                    <a:bodyPr/>
+                    <a:lstStyle/>
+                    <a:p>
                       <a:endParaRPr lang="es-MX" dirty="0"/>
                     </a:p>
                   </a:txBody>
@@ -3659,7 +3800,7 @@
                 </a:tc>
                 <a:extLst>
                   <a:ext uri="{0D108BD9-81ED-4DB2-BD59-A6C34878D82A}">
-                    <a16:rowId xmlns:a16="http://schemas.microsoft.com/office/drawing/2014/main" xmlns="" val="2363210351"/>
+                    <a16:rowId xmlns="" xmlns:a16="http://schemas.microsoft.com/office/drawing/2014/main" val="2363210351"/>
                   </a:ext>
                 </a:extLst>
               </a:tr>
@@ -3689,6 +3830,46 @@
                     <a:bodyPr/>
                     <a:lstStyle/>
                     <a:p>
+                      <a:endParaRPr lang="es-MX"/>
+                    </a:p>
+                  </a:txBody>
+                  <a:tcPr/>
+                </a:tc>
+                <a:tc>
+                  <a:txBody>
+                    <a:bodyPr/>
+                    <a:lstStyle/>
+                    <a:p>
+                      <a:endParaRPr lang="es-MX"/>
+                    </a:p>
+                  </a:txBody>
+                  <a:tcPr/>
+                </a:tc>
+                <a:tc>
+                  <a:txBody>
+                    <a:bodyPr/>
+                    <a:lstStyle/>
+                    <a:p>
+                      <a:endParaRPr lang="es-MX"/>
+                    </a:p>
+                  </a:txBody>
+                  <a:tcPr/>
+                </a:tc>
+                <a:tc>
+                  <a:txBody>
+                    <a:bodyPr/>
+                    <a:lstStyle/>
+                    <a:p>
+                      <a:endParaRPr lang="es-MX"/>
+                    </a:p>
+                  </a:txBody>
+                  <a:tcPr/>
+                </a:tc>
+                <a:tc>
+                  <a:txBody>
+                    <a:bodyPr/>
+                    <a:lstStyle/>
+                    <a:p>
                       <a:endParaRPr lang="es-MX" dirty="0"/>
                     </a:p>
                   </a:txBody>
@@ -3726,7 +3907,7 @@
                 </a:tc>
                 <a:extLst>
                   <a:ext uri="{0D108BD9-81ED-4DB2-BD59-A6C34878D82A}">
-                    <a16:rowId xmlns:a16="http://schemas.microsoft.com/office/drawing/2014/main" xmlns="" val="29422967"/>
+                    <a16:rowId xmlns="" xmlns:a16="http://schemas.microsoft.com/office/drawing/2014/main" val="29422967"/>
                   </a:ext>
                 </a:extLst>
               </a:tr>
@@ -3756,6 +3937,46 @@
                     <a:bodyPr/>
                     <a:lstStyle/>
                     <a:p>
+                      <a:endParaRPr lang="es-MX"/>
+                    </a:p>
+                  </a:txBody>
+                  <a:tcPr/>
+                </a:tc>
+                <a:tc>
+                  <a:txBody>
+                    <a:bodyPr/>
+                    <a:lstStyle/>
+                    <a:p>
+                      <a:endParaRPr lang="es-MX"/>
+                    </a:p>
+                  </a:txBody>
+                  <a:tcPr/>
+                </a:tc>
+                <a:tc>
+                  <a:txBody>
+                    <a:bodyPr/>
+                    <a:lstStyle/>
+                    <a:p>
+                      <a:endParaRPr lang="es-MX"/>
+                    </a:p>
+                  </a:txBody>
+                  <a:tcPr/>
+                </a:tc>
+                <a:tc>
+                  <a:txBody>
+                    <a:bodyPr/>
+                    <a:lstStyle/>
+                    <a:p>
+                      <a:endParaRPr lang="es-MX"/>
+                    </a:p>
+                  </a:txBody>
+                  <a:tcPr/>
+                </a:tc>
+                <a:tc>
+                  <a:txBody>
+                    <a:bodyPr/>
+                    <a:lstStyle/>
+                    <a:p>
                       <a:endParaRPr lang="es-MX" dirty="0"/>
                     </a:p>
                   </a:txBody>
@@ -3793,7 +4014,7 @@
                 </a:tc>
                 <a:extLst>
                   <a:ext uri="{0D108BD9-81ED-4DB2-BD59-A6C34878D82A}">
-                    <a16:rowId xmlns:a16="http://schemas.microsoft.com/office/drawing/2014/main" xmlns="" val="2885207959"/>
+                    <a16:rowId xmlns="" xmlns:a16="http://schemas.microsoft.com/office/drawing/2014/main" val="2885207959"/>
                   </a:ext>
                 </a:extLst>
               </a:tr>
@@ -3813,6 +4034,46 @@
                     <a:bodyPr/>
                     <a:lstStyle/>
                     <a:p>
+                      <a:endParaRPr lang="es-MX" dirty="0"/>
+                    </a:p>
+                  </a:txBody>
+                  <a:tcPr/>
+                </a:tc>
+                <a:tc>
+                  <a:txBody>
+                    <a:bodyPr/>
+                    <a:lstStyle/>
+                    <a:p>
+                      <a:endParaRPr lang="es-MX" dirty="0"/>
+                    </a:p>
+                  </a:txBody>
+                  <a:tcPr/>
+                </a:tc>
+                <a:tc>
+                  <a:txBody>
+                    <a:bodyPr/>
+                    <a:lstStyle/>
+                    <a:p>
+                      <a:endParaRPr lang="es-MX" dirty="0"/>
+                    </a:p>
+                  </a:txBody>
+                  <a:tcPr/>
+                </a:tc>
+                <a:tc>
+                  <a:txBody>
+                    <a:bodyPr/>
+                    <a:lstStyle/>
+                    <a:p>
+                      <a:endParaRPr lang="es-MX" dirty="0"/>
+                    </a:p>
+                  </a:txBody>
+                  <a:tcPr/>
+                </a:tc>
+                <a:tc>
+                  <a:txBody>
+                    <a:bodyPr/>
+                    <a:lstStyle/>
+                    <a:p>
                       <a:endParaRPr lang="es-MX"/>
                     </a:p>
                   </a:txBody>
@@ -3860,7 +4121,7 @@
                 </a:tc>
                 <a:extLst>
                   <a:ext uri="{0D108BD9-81ED-4DB2-BD59-A6C34878D82A}">
-                    <a16:rowId xmlns:a16="http://schemas.microsoft.com/office/drawing/2014/main" xmlns="" val="863267576"/>
+                    <a16:rowId xmlns="" xmlns:a16="http://schemas.microsoft.com/office/drawing/2014/main" val="863267576"/>
                   </a:ext>
                 </a:extLst>
               </a:tr>
@@ -3873,7 +4134,7 @@
           <p:cNvPr id="5" name="TextBox 4">
             <a:extLst>
               <a:ext uri="{FF2B5EF4-FFF2-40B4-BE49-F238E27FC236}">
-                <a16:creationId xmlns:a16="http://schemas.microsoft.com/office/drawing/2014/main" xmlns="" id="{AF474ED2-6A10-4DA8-B8B4-22EDBD8F16AC}"/>
+                <a16:creationId xmlns="" xmlns:a16="http://schemas.microsoft.com/office/drawing/2014/main" id="{AF474ED2-6A10-4DA8-B8B4-22EDBD8F16AC}"/>
               </a:ext>
             </a:extLst>
           </p:cNvPr>
@@ -3882,8 +4143,8 @@
         </p:nvSpPr>
         <p:spPr>
           <a:xfrm>
-            <a:off x="912055" y="3073961"/>
-            <a:ext cx="9973994" cy="3693319"/>
+            <a:off x="912055" y="2956730"/>
+            <a:ext cx="9973994" cy="4247317"/>
           </a:xfrm>
           <a:prstGeom prst="rect">
             <a:avLst/>
@@ -3903,7 +4164,23 @@
             </a:r>
             <a:r>
               <a:rPr lang="es-MX" dirty="0"/>
-              <a:t> = &lt;{ Id: integer, Nombre: string, Edad: integer, Sexo: char, Imagen: </a:t>
+              <a:t> = &lt;{ Id: integer, </a:t>
+            </a:r>
+            <a:r>
+              <a:rPr lang="es-MX" dirty="0" smtClean="0"/>
+              <a:t>Usuario: string, Contraseña: string, Email: string, Padecimientos: string ,Nombre</a:t>
+            </a:r>
+            <a:r>
+              <a:rPr lang="es-MX" dirty="0"/>
+              <a:t>: string, </a:t>
+            </a:r>
+            <a:r>
+              <a:rPr lang="es-MX" dirty="0" smtClean="0"/>
+              <a:t>Nacimiento: Date, </a:t>
+            </a:r>
+            <a:r>
+              <a:rPr lang="es-MX" dirty="0"/>
+              <a:t>Sexo: char, Imagen: </a:t>
             </a:r>
             <a:r>
               <a:rPr lang="es-MX" dirty="0" smtClean="0"/>
@@ -3952,7 +4229,19 @@
             </a:pPr>
             <a:r>
               <a:rPr lang="es-MX" dirty="0"/>
-              <a:t>Un usuario cuenta con un Id i, Nombre n, Edad e, Sexo </a:t>
+              <a:t>Un usuario cuenta con un Id i, </a:t>
+            </a:r>
+            <a:r>
+              <a:rPr lang="es-MX" dirty="0" smtClean="0"/>
+              <a:t>Usuario us, Contraseña pass, Email em, Padecimientos pm, </a:t>
+            </a:r>
+            <a:r>
+              <a:rPr lang="es-MX" dirty="0" smtClean="0"/>
+              <a:t>Nombre </a:t>
+            </a:r>
+            <a:r>
+              <a:rPr lang="es-MX" dirty="0"/>
+              <a:t>n, Edad e, Sexo </a:t>
             </a:r>
             <a:r>
               <a:rPr lang="es-MX" dirty="0" smtClean="0"/>
@@ -4007,7 +4296,15 @@
             </a:pPr>
             <a:r>
               <a:rPr lang="es-MX" dirty="0"/>
-              <a:t>Los dominios de los constituyentes Nombre, no pueden ser nulos.</a:t>
+              <a:t>Los dominios de los constituyentes Nombre, </a:t>
+            </a:r>
+            <a:r>
+              <a:rPr lang="es-MX" dirty="0" smtClean="0"/>
+              <a:t>Usuario, Contraseña, Email, Padecimientos, Sexo, Nacimiento no </a:t>
+            </a:r>
+            <a:r>
+              <a:rPr lang="es-MX" dirty="0"/>
+              <a:t>pueden ser nulos.</a:t>
             </a:r>
           </a:p>
           <a:p>
@@ -4054,7 +4351,7 @@
           <p:cNvPr id="2" name="TextBox 1">
             <a:extLst>
               <a:ext uri="{FF2B5EF4-FFF2-40B4-BE49-F238E27FC236}">
-                <a16:creationId xmlns:a16="http://schemas.microsoft.com/office/drawing/2014/main" xmlns="" id="{B39D0070-677E-4BE4-9543-964CF6E37188}"/>
+                <a16:creationId xmlns="" xmlns:a16="http://schemas.microsoft.com/office/drawing/2014/main" id="{B39D0070-677E-4BE4-9543-964CF6E37188}"/>
               </a:ext>
             </a:extLst>
           </p:cNvPr>
@@ -4089,7 +4386,7 @@
           <p:cNvPr id="3" name="Table 2">
             <a:extLst>
               <a:ext uri="{FF2B5EF4-FFF2-40B4-BE49-F238E27FC236}">
-                <a16:creationId xmlns:a16="http://schemas.microsoft.com/office/drawing/2014/main" xmlns="" id="{173D340A-BE23-43D0-91F7-55AA24F19407}"/>
+                <a16:creationId xmlns="" xmlns:a16="http://schemas.microsoft.com/office/drawing/2014/main" id="{173D340A-BE23-43D0-91F7-55AA24F19407}"/>
               </a:ext>
             </a:extLst>
           </p:cNvPr>
@@ -4119,35 +4416,35 @@
                 <a:gridCol w="737623">
                   <a:extLst>
                     <a:ext uri="{9D8B030D-6E8A-4147-A177-3AD203B41FA5}">
-                      <a16:colId xmlns:a16="http://schemas.microsoft.com/office/drawing/2014/main" xmlns="" val="3086182992"/>
+                      <a16:colId xmlns="" xmlns:a16="http://schemas.microsoft.com/office/drawing/2014/main" val="3086182992"/>
                     </a:ext>
                   </a:extLst>
                 </a:gridCol>
                 <a:gridCol w="965303">
                   <a:extLst>
                     <a:ext uri="{9D8B030D-6E8A-4147-A177-3AD203B41FA5}">
-                      <a16:colId xmlns:a16="http://schemas.microsoft.com/office/drawing/2014/main" xmlns="" val="3333785392"/>
+                      <a16:colId xmlns="" xmlns:a16="http://schemas.microsoft.com/office/drawing/2014/main" val="3333785392"/>
                     </a:ext>
                   </a:extLst>
                 </a:gridCol>
                 <a:gridCol w="667981">
                   <a:extLst>
                     <a:ext uri="{9D8B030D-6E8A-4147-A177-3AD203B41FA5}">
-                      <a16:colId xmlns:a16="http://schemas.microsoft.com/office/drawing/2014/main" xmlns="" val="1914252979"/>
+                      <a16:colId xmlns="" xmlns:a16="http://schemas.microsoft.com/office/drawing/2014/main" val="1914252979"/>
                     </a:ext>
                   </a:extLst>
                 </a:gridCol>
                 <a:gridCol w="1526814">
                   <a:extLst>
                     <a:ext uri="{9D8B030D-6E8A-4147-A177-3AD203B41FA5}">
-                      <a16:colId xmlns:a16="http://schemas.microsoft.com/office/drawing/2014/main" xmlns="" val="3182484665"/>
+                      <a16:colId xmlns="" xmlns:a16="http://schemas.microsoft.com/office/drawing/2014/main" val="3182484665"/>
                     </a:ext>
                   </a:extLst>
                 </a:gridCol>
                 <a:gridCol w="913361">
                   <a:extLst>
                     <a:ext uri="{9D8B030D-6E8A-4147-A177-3AD203B41FA5}">
-                      <a16:colId xmlns:a16="http://schemas.microsoft.com/office/drawing/2014/main" xmlns="" val="2323710027"/>
+                      <a16:colId xmlns="" xmlns:a16="http://schemas.microsoft.com/office/drawing/2014/main" val="2323710027"/>
                     </a:ext>
                   </a:extLst>
                 </a:gridCol>
@@ -4408,7 +4705,7 @@
                 </a:tc>
                 <a:extLst>
                   <a:ext uri="{0D108BD9-81ED-4DB2-BD59-A6C34878D82A}">
-                    <a16:rowId xmlns:a16="http://schemas.microsoft.com/office/drawing/2014/main" xmlns="" val="3085137175"/>
+                    <a16:rowId xmlns="" xmlns:a16="http://schemas.microsoft.com/office/drawing/2014/main" val="3085137175"/>
                   </a:ext>
                 </a:extLst>
               </a:tr>
@@ -4541,7 +4838,7 @@
                 </a:tc>
                 <a:extLst>
                   <a:ext uri="{0D108BD9-81ED-4DB2-BD59-A6C34878D82A}">
-                    <a16:rowId xmlns:a16="http://schemas.microsoft.com/office/drawing/2014/main" xmlns="" val="1293827180"/>
+                    <a16:rowId xmlns="" xmlns:a16="http://schemas.microsoft.com/office/drawing/2014/main" val="1293827180"/>
                   </a:ext>
                 </a:extLst>
               </a:tr>
@@ -4674,7 +4971,7 @@
                 </a:tc>
                 <a:extLst>
                   <a:ext uri="{0D108BD9-81ED-4DB2-BD59-A6C34878D82A}">
-                    <a16:rowId xmlns:a16="http://schemas.microsoft.com/office/drawing/2014/main" xmlns="" val="2363210351"/>
+                    <a16:rowId xmlns="" xmlns:a16="http://schemas.microsoft.com/office/drawing/2014/main" val="2363210351"/>
                   </a:ext>
                 </a:extLst>
               </a:tr>
@@ -4687,7 +4984,7 @@
           <p:cNvPr id="4" name="Rectangle 3">
             <a:extLst>
               <a:ext uri="{FF2B5EF4-FFF2-40B4-BE49-F238E27FC236}">
-                <a16:creationId xmlns:a16="http://schemas.microsoft.com/office/drawing/2014/main" xmlns="" id="{6A283A21-5B66-464B-8FBF-1C464B1619B1}"/>
+                <a16:creationId xmlns="" xmlns:a16="http://schemas.microsoft.com/office/drawing/2014/main" id="{6A283A21-5B66-464B-8FBF-1C464B1619B1}"/>
               </a:ext>
             </a:extLst>
           </p:cNvPr>
@@ -4736,11 +5033,7 @@
             </a:r>
             <a:r>
               <a:rPr lang="es-MX" dirty="0" smtClean="0"/>
-              <a:t>Dosis</a:t>
-            </a:r>
-            <a:r>
-              <a:rPr lang="es-MX" dirty="0" smtClean="0"/>
-              <a:t>: int, UnidadDosis: String, Inicio: Date, Intervalo: Int, Tiempo: Int, UnidadTiempo: String, imagen: Image}, </a:t>
+              <a:t>Dosis: int, UnidadDosis: String, Inicio: Date, Intervalo: Int, Tiempo: Int, UnidadTiempo: String, imagen: Image}, </a:t>
             </a:r>
             <a:r>
               <a:rPr lang="es-MX" dirty="0"/>
@@ -4789,11 +5082,7 @@
             </a:r>
             <a:r>
               <a:rPr lang="es-MX" dirty="0" smtClean="0"/>
-              <a:t>Id id, </a:t>
-            </a:r>
-            <a:r>
-              <a:rPr lang="es-MX" dirty="0" smtClean="0"/>
-              <a:t>Idusuario </a:t>
+              <a:t>Id id, Idusuario </a:t>
             </a:r>
             <a:r>
               <a:rPr lang="es-MX" dirty="0"/>
@@ -4911,7 +5200,7 @@
           <p:cNvPr id="5" name="TextBox 4">
             <a:extLst>
               <a:ext uri="{FF2B5EF4-FFF2-40B4-BE49-F238E27FC236}">
-                <a16:creationId xmlns:a16="http://schemas.microsoft.com/office/drawing/2014/main" xmlns="" id="{A79D5CA3-7901-4ADE-8002-4BC581824342}"/>
+                <a16:creationId xmlns="" xmlns:a16="http://schemas.microsoft.com/office/drawing/2014/main" id="{A79D5CA3-7901-4ADE-8002-4BC581824342}"/>
               </a:ext>
             </a:extLst>
           </p:cNvPr>
@@ -4990,7 +5279,7 @@
           <p:cNvPr id="3" name="TextBox 2">
             <a:extLst>
               <a:ext uri="{FF2B5EF4-FFF2-40B4-BE49-F238E27FC236}">
-                <a16:creationId xmlns:a16="http://schemas.microsoft.com/office/drawing/2014/main" xmlns="" id="{5862E063-F4DF-4107-B45A-32BBB1A2C7EE}"/>
+                <a16:creationId xmlns="" xmlns:a16="http://schemas.microsoft.com/office/drawing/2014/main" id="{5862E063-F4DF-4107-B45A-32BBB1A2C7EE}"/>
               </a:ext>
             </a:extLst>
           </p:cNvPr>
